--- a/設計/ADV_004_ろぼ魂.exe.pptx
+++ b/設計/ADV_004_ろぼ魂.exe.pptx
@@ -7544,6 +7544,158 @@
           </a:prstGeom>
         </p:spPr>
       </p:pic>
+      <p:sp>
+        <p:nvSpPr>
+          <p:cNvPr id="2" name="テキスト ボックス 1">
+            <a:extLst>
+              <a:ext uri="{FF2B5EF4-FFF2-40B4-BE49-F238E27FC236}">
+                <a16:creationId xmlns:a16="http://schemas.microsoft.com/office/drawing/2014/main" id="{8D6ED82A-46DF-A93D-02AD-63BEDE2F0991}"/>
+              </a:ext>
+            </a:extLst>
+          </p:cNvPr>
+          <p:cNvSpPr txBox="1"/>
+          <p:nvPr/>
+        </p:nvSpPr>
+        <p:spPr>
+          <a:xfrm>
+            <a:off x="646907" y="2773909"/>
+            <a:ext cx="6336704" cy="2928366"/>
+          </a:xfrm>
+          <a:prstGeom prst="rect">
+            <a:avLst/>
+          </a:prstGeom>
+          <a:noFill/>
+        </p:spPr>
+        <p:txBody>
+          <a:bodyPr wrap="square" rtlCol="0">
+            <a:spAutoFit/>
+          </a:bodyPr>
+          <a:lstStyle/>
+          <a:p>
+            <a:r>
+              <a:rPr kumimoji="1" lang="ja-JP" altLang="en-US" dirty="0"/>
+              <a:t>■チーム紹介</a:t>
+            </a:r>
+            <a:endParaRPr kumimoji="1" lang="en-US" altLang="ja-JP" dirty="0"/>
+          </a:p>
+          <a:p>
+            <a:r>
+              <a:rPr kumimoji="1" lang="ja-JP" altLang="en-US" dirty="0"/>
+              <a:t>　私たち</a:t>
+            </a:r>
+            <a:r>
+              <a:rPr lang="en-US" altLang="ja-JP" dirty="0"/>
+              <a:t>『</a:t>
+            </a:r>
+            <a:r>
+              <a:rPr lang="ja-JP" altLang="en-US" dirty="0"/>
+              <a:t>ろぼ魂</a:t>
+            </a:r>
+            <a:r>
+              <a:rPr lang="en-US" altLang="ja-JP" dirty="0"/>
+              <a:t>.exe』</a:t>
+            </a:r>
+            <a:r>
+              <a:rPr lang="ja-JP" altLang="en-US" dirty="0"/>
+              <a:t>は有志のメンバーで集まった</a:t>
+            </a:r>
+            <a:r>
+              <a:rPr lang="en-US" altLang="ja-JP" dirty="0"/>
+              <a:t>4</a:t>
+            </a:r>
+            <a:r>
+              <a:rPr lang="ja-JP" altLang="en-US" dirty="0"/>
+              <a:t>年生</a:t>
+            </a:r>
+            <a:r>
+              <a:rPr lang="en-US" altLang="ja-JP" dirty="0"/>
+              <a:t>4</a:t>
+            </a:r>
+            <a:r>
+              <a:rPr lang="ja-JP" altLang="en-US" dirty="0"/>
+              <a:t>人、</a:t>
+            </a:r>
+            <a:r>
+              <a:rPr lang="en-US" altLang="ja-JP" dirty="0"/>
+              <a:t>2</a:t>
+            </a:r>
+            <a:r>
+              <a:rPr lang="ja-JP" altLang="en-US" dirty="0"/>
+              <a:t>年生</a:t>
+            </a:r>
+            <a:r>
+              <a:rPr lang="en-US" altLang="ja-JP" dirty="0"/>
+              <a:t>2</a:t>
+            </a:r>
+            <a:r>
+              <a:rPr lang="ja-JP" altLang="en-US" dirty="0"/>
+              <a:t>人の計</a:t>
+            </a:r>
+            <a:r>
+              <a:rPr lang="en-US" altLang="ja-JP" dirty="0"/>
+              <a:t>6</a:t>
+            </a:r>
+            <a:r>
+              <a:rPr lang="ja-JP" altLang="en-US" dirty="0"/>
+              <a:t>人で構成されています。</a:t>
+            </a:r>
+            <a:endParaRPr lang="en-US" altLang="ja-JP" dirty="0"/>
+          </a:p>
+          <a:p>
+            <a:endParaRPr lang="en-US" altLang="ja-JP" dirty="0"/>
+          </a:p>
+          <a:p>
+            <a:r>
+              <a:rPr lang="ja-JP" altLang="en-US" dirty="0"/>
+              <a:t>■目標</a:t>
+            </a:r>
+            <a:endParaRPr lang="en-US" altLang="ja-JP" dirty="0"/>
+          </a:p>
+          <a:p>
+            <a:r>
+              <a:rPr lang="ja-JP" altLang="en-US" dirty="0"/>
+              <a:t>　</a:t>
+            </a:r>
+            <a:r>
+              <a:rPr lang="en-US" altLang="ja-JP" dirty="0"/>
+              <a:t>CS</a:t>
+            </a:r>
+            <a:r>
+              <a:rPr lang="ja-JP" altLang="en-US" dirty="0"/>
+              <a:t>出場</a:t>
+            </a:r>
+            <a:r>
+              <a:rPr lang="en-US" altLang="ja-JP" dirty="0"/>
+              <a:t>‼</a:t>
+            </a:r>
+          </a:p>
+          <a:p>
+            <a:endParaRPr lang="en-US" altLang="ja-JP" dirty="0"/>
+          </a:p>
+          <a:p>
+            <a:r>
+              <a:rPr lang="ja-JP" altLang="en-US" dirty="0"/>
+              <a:t>■意気込み</a:t>
+            </a:r>
+            <a:endParaRPr lang="en-US" altLang="ja-JP" dirty="0"/>
+          </a:p>
+          <a:p>
+            <a:r>
+              <a:rPr lang="ja-JP" altLang="en-US" dirty="0"/>
+              <a:t>　情報科学専門学校初めての</a:t>
+            </a:r>
+            <a:r>
+              <a:rPr lang="en-US" altLang="ja-JP" dirty="0"/>
+              <a:t>CS</a:t>
+            </a:r>
+            <a:r>
+              <a:rPr lang="ja-JP" altLang="en-US" dirty="0"/>
+              <a:t>大会出場を目指して頑張ります。</a:t>
+            </a:r>
+            <a:endParaRPr lang="en-US" altLang="ja-JP" dirty="0"/>
+          </a:p>
+        </p:txBody>
+      </p:sp>
     </p:spTree>
     <p:extLst>
       <p:ext uri="{BB962C8B-B14F-4D97-AF65-F5344CB8AC3E}">

--- a/設計/ADV_004_ろぼ魂.exe.pptx
+++ b/設計/ADV_004_ろぼ魂.exe.pptx
@@ -7693,6 +7693,70 @@
               <a:t>大会出場を目指して頑張ります。</a:t>
             </a:r>
             <a:endParaRPr lang="en-US" altLang="ja-JP" dirty="0"/>
+          </a:p>
+        </p:txBody>
+      </p:sp>
+      <p:sp>
+        <p:nvSpPr>
+          <p:cNvPr id="4" name="正方形/長方形 3">
+            <a:extLst>
+              <a:ext uri="{FF2B5EF4-FFF2-40B4-BE49-F238E27FC236}">
+                <a16:creationId xmlns:a16="http://schemas.microsoft.com/office/drawing/2014/main" id="{50B4C68A-3FBF-8832-8DDB-8E96195AC5C4}"/>
+              </a:ext>
+            </a:extLst>
+          </p:cNvPr>
+          <p:cNvSpPr/>
+          <p:nvPr/>
+        </p:nvSpPr>
+        <p:spPr>
+          <a:xfrm>
+            <a:off x="1549621" y="1460498"/>
+            <a:ext cx="988119" cy="433295"/>
+          </a:xfrm>
+          <a:prstGeom prst="rect">
+            <a:avLst/>
+          </a:prstGeom>
+          <a:solidFill>
+            <a:schemeClr val="bg1"/>
+          </a:solidFill>
+          <a:ln>
+            <a:noFill/>
+          </a:ln>
+        </p:spPr>
+        <p:style>
+          <a:lnRef idx="2">
+            <a:schemeClr val="accent1">
+              <a:shade val="15000"/>
+            </a:schemeClr>
+          </a:lnRef>
+          <a:fillRef idx="1">
+            <a:schemeClr val="accent1"/>
+          </a:fillRef>
+          <a:effectRef idx="0">
+            <a:schemeClr val="accent1"/>
+          </a:effectRef>
+          <a:fontRef idx="minor">
+            <a:schemeClr val="lt1"/>
+          </a:fontRef>
+        </p:style>
+        <p:txBody>
+          <a:bodyPr rtlCol="0" anchor="ctr"/>
+          <a:lstStyle/>
+          <a:p>
+            <a:pPr algn="ctr"/>
+            <a:r>
+              <a:rPr lang="en-US" altLang="ja-JP" sz="3600" b="1" dirty="0">
+                <a:solidFill>
+                  <a:schemeClr val="tx1"/>
+                </a:solidFill>
+              </a:rPr>
+              <a:t>004</a:t>
+            </a:r>
+            <a:endParaRPr kumimoji="1" lang="ja-JP" altLang="en-US" sz="3600" b="1" dirty="0">
+              <a:solidFill>
+                <a:schemeClr val="tx1"/>
+              </a:solidFill>
+            </a:endParaRPr>
           </a:p>
         </p:txBody>
       </p:sp>

--- a/設計/ADV_004_ろぼ魂.exe.pptx
+++ b/設計/ADV_004_ろぼ魂.exe.pptx
@@ -177,6 +177,9 @@
           </p15:clr>
         </p15:guide>
       </p15:sldGuideLst>
+    </p:ext>
+    <p:ext uri="{2D200454-40CA-4A62-9FC3-DE9A4176ACB9}">
+      <p15:notesGuideLst xmlns:p15="http://schemas.microsoft.com/office/powerpoint/2012/main"/>
     </p:ext>
   </p:extLst>
 </p:presentation>
@@ -1098,13 +1101,6 @@
   <p:clrMapOvr>
     <a:masterClrMapping/>
   </p:clrMapOvr>
-  <p:timing>
-    <p:tnLst>
-      <p:par>
-        <p:cTn id="1" dur="indefinite" restart="never" nodeType="tmRoot"/>
-      </p:par>
-    </p:tnLst>
-  </p:timing>
 </p:sldLayout>
 </file>
 
@@ -1165,13 +1161,6 @@
   <p:clrMapOvr>
     <a:masterClrMapping/>
   </p:clrMapOvr>
-  <p:timing>
-    <p:tnLst>
-      <p:par>
-        <p:cTn id="1" dur="indefinite" restart="never" nodeType="tmRoot"/>
-      </p:par>
-    </p:tnLst>
-  </p:timing>
 </p:sldLayout>
 </file>
 
@@ -1232,13 +1221,6 @@
   <p:clrMapOvr>
     <a:masterClrMapping/>
   </p:clrMapOvr>
-  <p:timing>
-    <p:tnLst>
-      <p:par>
-        <p:cTn id="1" dur="indefinite" restart="never" nodeType="tmRoot"/>
-      </p:par>
-    </p:tnLst>
-  </p:timing>
 </p:sldLayout>
 </file>
 
@@ -1299,13 +1281,6 @@
   <p:clrMapOvr>
     <a:masterClrMapping/>
   </p:clrMapOvr>
-  <p:timing>
-    <p:tnLst>
-      <p:par>
-        <p:cTn id="1" dur="indefinite" restart="never" nodeType="tmRoot"/>
-      </p:par>
-    </p:tnLst>
-  </p:timing>
 </p:sldLayout>
 </file>
 
@@ -1366,13 +1341,6 @@
   <p:clrMapOvr>
     <a:masterClrMapping/>
   </p:clrMapOvr>
-  <p:timing>
-    <p:tnLst>
-      <p:par>
-        <p:cTn id="1" dur="indefinite" restart="never" nodeType="tmRoot"/>
-      </p:par>
-    </p:tnLst>
-  </p:timing>
 </p:sldLayout>
 </file>
 
@@ -1433,13 +1401,6 @@
   <p:clrMapOvr>
     <a:masterClrMapping/>
   </p:clrMapOvr>
-  <p:timing>
-    <p:tnLst>
-      <p:par>
-        <p:cTn id="1" dur="indefinite" restart="never" nodeType="tmRoot"/>
-      </p:par>
-    </p:tnLst>
-  </p:timing>
 </p:sldLayout>
 </file>
 
@@ -1484,13 +1445,6 @@
     <p:sldLayoutId id="2147483702" r:id="rId5"/>
     <p:sldLayoutId id="2147483703" r:id="rId6"/>
   </p:sldLayoutIdLst>
-  <p:timing>
-    <p:tnLst>
-      <p:par>
-        <p:cTn id="1" dur="indefinite" restart="never" nodeType="tmRoot"/>
-      </p:par>
-    </p:tnLst>
-  </p:timing>
   <p:txStyles>
     <p:titleStyle>
       <a:lvl1pPr algn="l" defTabSz="1018276" rtl="0" eaLnBrk="1" latinLnBrk="0" hangingPunct="1">
@@ -1953,13 +1907,6 @@
   <p:clrMapOvr>
     <a:masterClrMapping/>
   </p:clrMapOvr>
-  <p:timing>
-    <p:tnLst>
-      <p:par>
-        <p:cTn id="1" dur="indefinite" restart="never" nodeType="tmRoot"/>
-      </p:par>
-    </p:tnLst>
-  </p:timing>
 </p:sld>
 </file>
 
@@ -2112,7 +2059,7 @@
               </a:r>
               <a:r>
                 <a:rPr kumimoji="1" lang="ja-JP" altLang="en-US" dirty="0"/>
-                <a:t> 目標</a:t>
+                <a:t> チーム目標</a:t>
               </a:r>
             </a:p>
           </p:txBody>
@@ -2132,7 +2079,7 @@
         </p:nvGrpSpPr>
         <p:grpSpPr>
           <a:xfrm>
-            <a:off x="3641004" y="3603656"/>
+            <a:off x="3683567" y="3664925"/>
             <a:ext cx="1408236" cy="1649433"/>
             <a:chOff x="5448116" y="2537594"/>
             <a:chExt cx="5715679" cy="7602995"/>
@@ -2472,8 +2419,8 @@
           </p:nvSpPr>
           <p:spPr>
             <a:xfrm>
-              <a:off x="5731187" y="2552072"/>
-              <a:ext cx="4615335" cy="6612249"/>
+              <a:off x="5731185" y="2552072"/>
+              <a:ext cx="4615335" cy="6612247"/>
             </a:xfrm>
             <a:custGeom>
               <a:avLst/>
@@ -2801,7 +2748,7 @@
         </p:nvGrpSpPr>
         <p:grpSpPr>
           <a:xfrm>
-            <a:off x="5399435" y="1215400"/>
+            <a:off x="5399089" y="1216428"/>
             <a:ext cx="9577064" cy="4129477"/>
             <a:chOff x="276561" y="114972"/>
             <a:chExt cx="11638878" cy="6628056"/>
@@ -2857,7 +2804,7 @@
             <a:lstStyle/>
             <a:p>
               <a:pPr algn="ctr"/>
-              <a:endParaRPr kumimoji="1" lang="ja-JP" altLang="en-US"/>
+              <a:endParaRPr kumimoji="1" lang="ja-JP" altLang="en-US" dirty="0"/>
             </a:p>
           </p:txBody>
         </p:sp>
@@ -3056,69 +3003,13 @@
               </a:r>
               <a:r>
                 <a:rPr lang="ja-JP" altLang="en-US" dirty="0"/>
-                <a:t> </a:t>
-              </a:r>
-              <a:r>
-                <a:rPr kumimoji="1" lang="ja-JP" altLang="en-US" dirty="0"/>
-                <a:t>要求分析</a:t>
-              </a:r>
+                <a:t> 要件定義</a:t>
+              </a:r>
+              <a:endParaRPr lang="en-US" altLang="ja-JP" dirty="0"/>
             </a:p>
           </p:txBody>
         </p:sp>
       </p:grpSp>
-      <p:sp>
-        <p:nvSpPr>
-          <p:cNvPr id="8" name="正方形/長方形 7">
-            <a:extLst>
-              <a:ext uri="{FF2B5EF4-FFF2-40B4-BE49-F238E27FC236}">
-                <a16:creationId xmlns:a16="http://schemas.microsoft.com/office/drawing/2014/main" id="{108D4033-E248-5CC3-1ABC-A0DDC814CB7E}"/>
-              </a:ext>
-            </a:extLst>
-          </p:cNvPr>
-          <p:cNvSpPr/>
-          <p:nvPr/>
-        </p:nvSpPr>
-        <p:spPr>
-          <a:xfrm>
-            <a:off x="907769" y="1745506"/>
-            <a:ext cx="3476398" cy="390830"/>
-          </a:xfrm>
-          <a:prstGeom prst="rect">
-            <a:avLst/>
-          </a:prstGeom>
-          <a:ln>
-            <a:noFill/>
-          </a:ln>
-        </p:spPr>
-        <p:style>
-          <a:lnRef idx="2">
-            <a:schemeClr val="accent1">
-              <a:shade val="15000"/>
-            </a:schemeClr>
-          </a:lnRef>
-          <a:fillRef idx="1">
-            <a:schemeClr val="accent1"/>
-          </a:fillRef>
-          <a:effectRef idx="0">
-            <a:schemeClr val="accent1"/>
-          </a:effectRef>
-          <a:fontRef idx="minor">
-            <a:schemeClr val="lt1"/>
-          </a:fontRef>
-        </p:style>
-        <p:txBody>
-          <a:bodyPr rtlCol="0" anchor="ctr"/>
-          <a:lstStyle/>
-          <a:p>
-            <a:pPr algn="ctr"/>
-            <a:r>
-              <a:rPr lang="ja-JP" altLang="en-US" dirty="0"/>
-              <a:t>リザルトポイント</a:t>
-            </a:r>
-            <a:endParaRPr kumimoji="1" lang="ja-JP" altLang="en-US" dirty="0"/>
-          </a:p>
-        </p:txBody>
-      </p:sp>
       <p:pic>
         <p:nvPicPr>
           <p:cNvPr id="10" name="図 9">
@@ -3205,8 +3096,8 @@
         </p:nvSpPr>
         <p:spPr>
           <a:xfrm>
-            <a:off x="2203026" y="4232957"/>
-            <a:ext cx="1234169" cy="390830"/>
+            <a:off x="2303090" y="4277373"/>
+            <a:ext cx="1350128" cy="390830"/>
           </a:xfrm>
           <a:prstGeom prst="rect">
             <a:avLst/>
@@ -3245,7 +3136,7 @@
                   <a:schemeClr val="tx1"/>
                 </a:solidFill>
               </a:rPr>
-              <a:t>ボーナスポイント獲得エリア</a:t>
+              <a:t>②ボーナスポイント獲得エリア</a:t>
             </a:r>
           </a:p>
         </p:txBody>
@@ -3264,8 +3155,8 @@
         </p:nvSpPr>
         <p:spPr>
           <a:xfrm>
-            <a:off x="2199049" y="4812319"/>
-            <a:ext cx="1234169" cy="390830"/>
+            <a:off x="2303091" y="4812319"/>
+            <a:ext cx="1350127" cy="390830"/>
           </a:xfrm>
           <a:prstGeom prst="rect">
             <a:avLst/>
@@ -3304,7 +3195,7 @@
                   <a:schemeClr val="tx1"/>
                 </a:solidFill>
               </a:rPr>
-              <a:t>走行</a:t>
+              <a:t>①走行</a:t>
             </a:r>
             <a:r>
               <a:rPr kumimoji="1" lang="ja-JP" altLang="en-US" sz="1000" b="1" dirty="0">
@@ -3313,14 +3204,6 @@
                 </a:solidFill>
               </a:rPr>
               <a:t>ポイント</a:t>
-            </a:r>
-            <a:r>
-              <a:rPr kumimoji="1" lang="en-US" altLang="ja-JP" sz="1000" b="1" dirty="0">
-                <a:solidFill>
-                  <a:schemeClr val="tx1"/>
-                </a:solidFill>
-              </a:rPr>
-              <a:t/>
             </a:r>
             <a:br>
               <a:rPr kumimoji="1" lang="en-US" altLang="ja-JP" sz="1000" b="1" dirty="0">
@@ -3357,7 +3240,7 @@
         </p:nvCxnSpPr>
         <p:spPr>
           <a:xfrm>
-            <a:off x="3433218" y="5007734"/>
+            <a:off x="3653218" y="5007734"/>
             <a:ext cx="370715" cy="99833"/>
           </a:xfrm>
           <a:prstGeom prst="straightConnector1">
@@ -3399,8 +3282,8 @@
         </p:nvCxnSpPr>
         <p:spPr>
           <a:xfrm flipV="1">
-            <a:off x="3437195" y="4140140"/>
-            <a:ext cx="454844" cy="288232"/>
+            <a:off x="3653218" y="4184556"/>
+            <a:ext cx="454843" cy="288232"/>
           </a:xfrm>
           <a:prstGeom prst="straightConnector1">
             <a:avLst/>
@@ -3427,6 +3310,323 @@
           </a:fontRef>
         </p:style>
       </p:cxnSp>
+      <p:sp>
+        <p:nvSpPr>
+          <p:cNvPr id="3" name="テキスト ボックス 2">
+            <a:extLst>
+              <a:ext uri="{FF2B5EF4-FFF2-40B4-BE49-F238E27FC236}">
+                <a16:creationId xmlns:a16="http://schemas.microsoft.com/office/drawing/2014/main" id="{798358FD-725C-FCCC-AE29-F44660239F1E}"/>
+              </a:ext>
+            </a:extLst>
+          </p:cNvPr>
+          <p:cNvSpPr txBox="1"/>
+          <p:nvPr/>
+        </p:nvSpPr>
+        <p:spPr>
+          <a:xfrm>
+            <a:off x="143197" y="1646688"/>
+            <a:ext cx="5006235" cy="3416320"/>
+          </a:xfrm>
+          <a:prstGeom prst="rect">
+            <a:avLst/>
+          </a:prstGeom>
+          <a:noFill/>
+        </p:spPr>
+        <p:txBody>
+          <a:bodyPr wrap="square" rtlCol="0">
+            <a:spAutoFit/>
+          </a:bodyPr>
+          <a:lstStyle/>
+          <a:p>
+            <a:r>
+              <a:rPr lang="ja-JP" altLang="en-US" sz="1200" dirty="0"/>
+              <a:t>チーム目標は</a:t>
+            </a:r>
+            <a:r>
+              <a:rPr lang="ja-JP" altLang="en-US" sz="1200" b="1" dirty="0"/>
+              <a:t>「</a:t>
+            </a:r>
+            <a:r>
+              <a:rPr lang="ja-JP" altLang="en-US" sz="1200" b="1" dirty="0">
+                <a:solidFill>
+                  <a:srgbClr val="FF0000"/>
+                </a:solidFill>
+              </a:rPr>
+              <a:t>ロボコンスナップにてベストショットを確実に獲得する</a:t>
+            </a:r>
+            <a:r>
+              <a:rPr lang="ja-JP" altLang="en-US" sz="1200" b="1" dirty="0"/>
+              <a:t>」</a:t>
+            </a:r>
+            <a:r>
+              <a:rPr lang="ja-JP" altLang="en-US" sz="1200" dirty="0"/>
+              <a:t>ことである。獲得ポイントが計</a:t>
+            </a:r>
+            <a:r>
+              <a:rPr lang="en-US" altLang="ja-JP" sz="1200" dirty="0"/>
+              <a:t>50</a:t>
+            </a:r>
+            <a:r>
+              <a:rPr lang="ja-JP" altLang="en-US" sz="1200" dirty="0"/>
+              <a:t>ポイントと他の難所に比べて高いためロボコンスナップにてベストショットを確実に獲得することをチームの目標にした。</a:t>
+            </a:r>
+            <a:endParaRPr lang="en-US" altLang="ja-JP" sz="1200" dirty="0"/>
+          </a:p>
+          <a:p>
+            <a:r>
+              <a:rPr lang="ja-JP" altLang="en-US" sz="1200" dirty="0"/>
+              <a:t>目標を達成するための詳細を以下に記述した。</a:t>
+            </a:r>
+            <a:endParaRPr lang="en-US" altLang="ja-JP" sz="1200" dirty="0"/>
+          </a:p>
+          <a:p>
+            <a:endParaRPr lang="en-US" altLang="ja-JP" sz="1200" dirty="0"/>
+          </a:p>
+          <a:p>
+            <a:r>
+              <a:rPr lang="ja-JP" altLang="en-US" sz="1200" dirty="0">
+                <a:highlight>
+                  <a:srgbClr val="A1B8E1"/>
+                </a:highlight>
+              </a:rPr>
+              <a:t>①走行ポイント：</a:t>
+            </a:r>
+            <a:r>
+              <a:rPr lang="en-US" altLang="ja-JP" sz="1200" dirty="0">
+                <a:highlight>
+                  <a:srgbClr val="A1B8E1"/>
+                </a:highlight>
+              </a:rPr>
+              <a:t>15</a:t>
+            </a:r>
+            <a:r>
+              <a:rPr lang="ja-JP" altLang="en-US" sz="1200" dirty="0">
+                <a:highlight>
+                  <a:srgbClr val="A1B8E1"/>
+                </a:highlight>
+              </a:rPr>
+              <a:t>ポイント以上</a:t>
+            </a:r>
+            <a:endParaRPr lang="en-US" altLang="ja-JP" sz="1200" dirty="0">
+              <a:highlight>
+                <a:srgbClr val="A1B8E1"/>
+              </a:highlight>
+            </a:endParaRPr>
+          </a:p>
+          <a:p>
+            <a:r>
+              <a:rPr lang="ja-JP" altLang="en-US" sz="1200" dirty="0"/>
+              <a:t>走行ポイントはロボコンスナップ</a:t>
+            </a:r>
+            <a:r>
+              <a:rPr lang="en-US" altLang="ja-JP" sz="1200" dirty="0"/>
+              <a:t>(</a:t>
+            </a:r>
+            <a:r>
+              <a:rPr lang="ja-JP" altLang="en-US" sz="1200" dirty="0"/>
+              <a:t>ベストショット</a:t>
+            </a:r>
+            <a:r>
+              <a:rPr lang="en-US" altLang="ja-JP" sz="1200" dirty="0"/>
+              <a:t>)</a:t>
+            </a:r>
+            <a:r>
+              <a:rPr lang="ja-JP" altLang="en-US" sz="1200" dirty="0"/>
+              <a:t>に比べあまりポイントが高くないため安全に走行することにした。試走会の結果と普段の走行をもとに</a:t>
+            </a:r>
+            <a:r>
+              <a:rPr lang="en-US" altLang="ja-JP" sz="1200" dirty="0"/>
+              <a:t>15</a:t>
+            </a:r>
+            <a:r>
+              <a:rPr lang="ja-JP" altLang="en-US" sz="1200" dirty="0"/>
+              <a:t>秒でゴールするとしたときに獲得ポイントが</a:t>
+            </a:r>
+            <a:r>
+              <a:rPr lang="en-US" altLang="ja-JP" sz="1200" dirty="0"/>
+              <a:t>15</a:t>
+            </a:r>
+            <a:r>
+              <a:rPr lang="ja-JP" altLang="en-US" sz="1200" dirty="0"/>
+              <a:t>ポイントになる。</a:t>
+            </a:r>
+            <a:endParaRPr lang="en-US" altLang="ja-JP" sz="1200" dirty="0"/>
+          </a:p>
+          <a:p>
+            <a:endParaRPr lang="en-US" altLang="ja-JP" sz="1200" dirty="0"/>
+          </a:p>
+          <a:p>
+            <a:r>
+              <a:rPr lang="ja-JP" altLang="en-US" sz="1200" dirty="0">
+                <a:highlight>
+                  <a:srgbClr val="EF953F"/>
+                </a:highlight>
+              </a:rPr>
+              <a:t>②ボーナスポイント：</a:t>
+            </a:r>
+            <a:r>
+              <a:rPr lang="en-US" altLang="ja-JP" sz="1200" dirty="0">
+                <a:highlight>
+                  <a:srgbClr val="EF953F"/>
+                </a:highlight>
+              </a:rPr>
+              <a:t>100</a:t>
+            </a:r>
+            <a:r>
+              <a:rPr lang="ja-JP" altLang="en-US" sz="1200" dirty="0">
+                <a:highlight>
+                  <a:srgbClr val="EF953F"/>
+                </a:highlight>
+              </a:rPr>
+              <a:t>ポイント以上</a:t>
+            </a:r>
+            <a:endParaRPr lang="en-US" altLang="ja-JP" sz="1200" dirty="0">
+              <a:highlight>
+                <a:srgbClr val="EF953F"/>
+              </a:highlight>
+            </a:endParaRPr>
+          </a:p>
+          <a:p>
+            <a:r>
+              <a:rPr lang="ja-JP" altLang="en-US" sz="1200" dirty="0"/>
+              <a:t>難所エリアは獲得ポイントが高いロボコンスナップ</a:t>
+            </a:r>
+            <a:endParaRPr lang="en-US" altLang="ja-JP" sz="1200" dirty="0"/>
+          </a:p>
+          <a:p>
+            <a:r>
+              <a:rPr lang="ja-JP" altLang="en-US" sz="1200" dirty="0"/>
+              <a:t>を確実にクリアする。去年の走行と今年の走行を</a:t>
+            </a:r>
+            <a:endParaRPr lang="en-US" altLang="ja-JP" sz="1200" dirty="0"/>
+          </a:p>
+          <a:p>
+            <a:r>
+              <a:rPr lang="ja-JP" altLang="en-US" sz="1200" dirty="0"/>
+              <a:t>もとにボーナスポイントは</a:t>
+            </a:r>
+            <a:r>
+              <a:rPr lang="en-US" altLang="ja-JP" sz="1200" dirty="0"/>
+              <a:t>100</a:t>
+            </a:r>
+            <a:r>
+              <a:rPr lang="ja-JP" altLang="en-US" sz="1200" dirty="0"/>
+              <a:t>ポイントを目標にした。</a:t>
+            </a:r>
+            <a:endParaRPr lang="en-US" altLang="ja-JP" sz="1200" dirty="0"/>
+          </a:p>
+          <a:p>
+            <a:endParaRPr lang="en-US" altLang="ja-JP" sz="1200" dirty="0"/>
+          </a:p>
+          <a:p>
+            <a:r>
+              <a:rPr lang="ja-JP" altLang="en-US" sz="1200" dirty="0">
+                <a:highlight>
+                  <a:srgbClr val="E2F0D9"/>
+                </a:highlight>
+              </a:rPr>
+              <a:t>リザルトポイント</a:t>
+            </a:r>
+            <a:endParaRPr lang="en-US" altLang="ja-JP" sz="1200" dirty="0">
+              <a:highlight>
+                <a:srgbClr val="E2F0D9"/>
+              </a:highlight>
+            </a:endParaRPr>
+          </a:p>
+          <a:p>
+            <a:r>
+              <a:rPr lang="ja-JP" altLang="en-US" sz="1200" dirty="0"/>
+              <a:t>①、②より、リザルトポイント</a:t>
+            </a:r>
+            <a:endParaRPr lang="en-US" altLang="ja-JP" sz="1200" dirty="0"/>
+          </a:p>
+          <a:p>
+            <a:r>
+              <a:rPr lang="ja-JP" altLang="en-US" sz="1200" dirty="0"/>
+              <a:t>を</a:t>
+            </a:r>
+            <a:r>
+              <a:rPr lang="en-US" altLang="ja-JP" sz="1200" dirty="0"/>
+              <a:t>115</a:t>
+            </a:r>
+            <a:r>
+              <a:rPr lang="ja-JP" altLang="en-US" sz="1200" dirty="0"/>
+              <a:t>ポイント以上を目標にする</a:t>
+            </a:r>
+            <a:endParaRPr lang="en-US" altLang="ja-JP" sz="1200" dirty="0"/>
+          </a:p>
+        </p:txBody>
+      </p:sp>
+      <p:sp>
+        <p:nvSpPr>
+          <p:cNvPr id="9" name="正方形/長方形 8">
+            <a:extLst>
+              <a:ext uri="{FF2B5EF4-FFF2-40B4-BE49-F238E27FC236}">
+                <a16:creationId xmlns:a16="http://schemas.microsoft.com/office/drawing/2014/main" id="{3620DFAC-90A7-067F-F17C-61FA6B081C63}"/>
+              </a:ext>
+            </a:extLst>
+          </p:cNvPr>
+          <p:cNvSpPr/>
+          <p:nvPr/>
+        </p:nvSpPr>
+        <p:spPr>
+          <a:xfrm>
+            <a:off x="3910641" y="3454933"/>
+            <a:ext cx="862480" cy="168573"/>
+          </a:xfrm>
+          <a:prstGeom prst="rect">
+            <a:avLst/>
+          </a:prstGeom>
+          <a:noFill/>
+          <a:ln>
+            <a:noFill/>
+          </a:ln>
+        </p:spPr>
+        <p:style>
+          <a:lnRef idx="2">
+            <a:schemeClr val="accent1">
+              <a:shade val="15000"/>
+            </a:schemeClr>
+          </a:lnRef>
+          <a:fillRef idx="1">
+            <a:schemeClr val="accent1"/>
+          </a:fillRef>
+          <a:effectRef idx="0">
+            <a:schemeClr val="accent1"/>
+          </a:effectRef>
+          <a:fontRef idx="minor">
+            <a:schemeClr val="lt1"/>
+          </a:fontRef>
+        </p:style>
+        <p:txBody>
+          <a:bodyPr rtlCol="0" anchor="ctr"/>
+          <a:lstStyle/>
+          <a:p>
+            <a:pPr algn="ctr"/>
+            <a:r>
+              <a:rPr kumimoji="1" lang="ja-JP" altLang="en-US" sz="900" dirty="0">
+                <a:solidFill>
+                  <a:schemeClr val="tx1"/>
+                </a:solidFill>
+              </a:rPr>
+              <a:t>図</a:t>
+            </a:r>
+            <a:r>
+              <a:rPr lang="en-US" altLang="ja-JP" sz="900" dirty="0">
+                <a:solidFill>
+                  <a:schemeClr val="tx1"/>
+                </a:solidFill>
+              </a:rPr>
+              <a:t> 1.1</a:t>
+            </a:r>
+            <a:endParaRPr kumimoji="1" lang="ja-JP" altLang="en-US" sz="900" dirty="0">
+              <a:solidFill>
+                <a:schemeClr val="tx1"/>
+              </a:solidFill>
+            </a:endParaRPr>
+          </a:p>
+        </p:txBody>
+      </p:sp>
     </p:spTree>
     <p:extLst>
       <p:ext uri="{BB962C8B-B14F-4D97-AF65-F5344CB8AC3E}">
@@ -3437,13 +3637,6 @@
   <p:clrMapOvr>
     <a:masterClrMapping/>
   </p:clrMapOvr>
-  <p:timing>
-    <p:tnLst>
-      <p:par>
-        <p:cTn id="1" dur="indefinite" restart="never" nodeType="tmRoot"/>
-      </p:par>
-    </p:tnLst>
-  </p:timing>
 </p:sld>
 </file>
 
@@ -4346,13 +4539,6 @@
   <p:clrMapOvr>
     <a:masterClrMapping/>
   </p:clrMapOvr>
-  <p:timing>
-    <p:tnLst>
-      <p:par>
-        <p:cTn id="1" dur="indefinite" restart="never" nodeType="tmRoot"/>
-      </p:par>
-    </p:tnLst>
-  </p:timing>
 </p:sld>
 </file>
 
@@ -4383,13 +4569,6 @@
   <p:clrMapOvr>
     <a:masterClrMapping/>
   </p:clrMapOvr>
-  <p:timing>
-    <p:tnLst>
-      <p:par>
-        <p:cTn id="1" dur="indefinite" restart="never" nodeType="tmRoot"/>
-      </p:par>
-    </p:tnLst>
-  </p:timing>
 </p:sld>
 </file>
 
@@ -4420,13 +4599,6 @@
   <p:clrMapOvr>
     <a:masterClrMapping/>
   </p:clrMapOvr>
-  <p:timing>
-    <p:tnLst>
-      <p:par>
-        <p:cTn id="1" dur="indefinite" restart="never" nodeType="tmRoot"/>
-      </p:par>
-    </p:tnLst>
-  </p:timing>
 </p:sld>
 </file>
 
@@ -5865,13 +6037,6 @@
   <p:clrMapOvr>
     <a:masterClrMapping/>
   </p:clrMapOvr>
-  <p:timing>
-    <p:tnLst>
-      <p:par>
-        <p:cTn id="1" dur="indefinite" restart="never" nodeType="tmRoot"/>
-      </p:par>
-    </p:tnLst>
-  </p:timing>
 </p:sld>
 </file>
 

--- a/設計/ADV_004_ろぼ魂.exe.pptx
+++ b/設計/ADV_004_ろぼ魂.exe.pptx
@@ -177,6 +177,9 @@
           </p15:clr>
         </p15:guide>
       </p15:sldGuideLst>
+    </p:ext>
+    <p:ext uri="{2D200454-40CA-4A62-9FC3-DE9A4176ACB9}">
+      <p15:notesGuideLst xmlns:p15="http://schemas.microsoft.com/office/powerpoint/2012/main"/>
     </p:ext>
   </p:extLst>
 </p:presentation>
@@ -1098,13 +1101,6 @@
   <p:clrMapOvr>
     <a:masterClrMapping/>
   </p:clrMapOvr>
-  <p:timing>
-    <p:tnLst>
-      <p:par>
-        <p:cTn id="1" dur="indefinite" restart="never" nodeType="tmRoot"/>
-      </p:par>
-    </p:tnLst>
-  </p:timing>
 </p:sldLayout>
 </file>
 
@@ -1165,13 +1161,6 @@
   <p:clrMapOvr>
     <a:masterClrMapping/>
   </p:clrMapOvr>
-  <p:timing>
-    <p:tnLst>
-      <p:par>
-        <p:cTn id="1" dur="indefinite" restart="never" nodeType="tmRoot"/>
-      </p:par>
-    </p:tnLst>
-  </p:timing>
 </p:sldLayout>
 </file>
 
@@ -1232,13 +1221,6 @@
   <p:clrMapOvr>
     <a:masterClrMapping/>
   </p:clrMapOvr>
-  <p:timing>
-    <p:tnLst>
-      <p:par>
-        <p:cTn id="1" dur="indefinite" restart="never" nodeType="tmRoot"/>
-      </p:par>
-    </p:tnLst>
-  </p:timing>
 </p:sldLayout>
 </file>
 
@@ -1299,13 +1281,6 @@
   <p:clrMapOvr>
     <a:masterClrMapping/>
   </p:clrMapOvr>
-  <p:timing>
-    <p:tnLst>
-      <p:par>
-        <p:cTn id="1" dur="indefinite" restart="never" nodeType="tmRoot"/>
-      </p:par>
-    </p:tnLst>
-  </p:timing>
 </p:sldLayout>
 </file>
 
@@ -1366,13 +1341,6 @@
   <p:clrMapOvr>
     <a:masterClrMapping/>
   </p:clrMapOvr>
-  <p:timing>
-    <p:tnLst>
-      <p:par>
-        <p:cTn id="1" dur="indefinite" restart="never" nodeType="tmRoot"/>
-      </p:par>
-    </p:tnLst>
-  </p:timing>
 </p:sldLayout>
 </file>
 
@@ -1433,13 +1401,6 @@
   <p:clrMapOvr>
     <a:masterClrMapping/>
   </p:clrMapOvr>
-  <p:timing>
-    <p:tnLst>
-      <p:par>
-        <p:cTn id="1" dur="indefinite" restart="never" nodeType="tmRoot"/>
-      </p:par>
-    </p:tnLst>
-  </p:timing>
 </p:sldLayout>
 </file>
 
@@ -1484,13 +1445,6 @@
     <p:sldLayoutId id="2147483702" r:id="rId5"/>
     <p:sldLayoutId id="2147483703" r:id="rId6"/>
   </p:sldLayoutIdLst>
-  <p:timing>
-    <p:tnLst>
-      <p:par>
-        <p:cTn id="1" dur="indefinite" restart="never" nodeType="tmRoot"/>
-      </p:par>
-    </p:tnLst>
-  </p:timing>
   <p:txStyles>
     <p:titleStyle>
       <a:lvl1pPr algn="l" defTabSz="1018276" rtl="0" eaLnBrk="1" latinLnBrk="0" hangingPunct="1">
@@ -1953,13 +1907,6 @@
   <p:clrMapOvr>
     <a:masterClrMapping/>
   </p:clrMapOvr>
-  <p:timing>
-    <p:tnLst>
-      <p:par>
-        <p:cTn id="1" dur="indefinite" restart="never" nodeType="tmRoot"/>
-      </p:par>
-    </p:tnLst>
-  </p:timing>
 </p:sld>
 </file>
 
@@ -2112,7 +2059,7 @@
               </a:r>
               <a:r>
                 <a:rPr kumimoji="1" lang="ja-JP" altLang="en-US" dirty="0"/>
-                <a:t> 目標</a:t>
+                <a:t> チーム目標</a:t>
               </a:r>
             </a:p>
           </p:txBody>
@@ -2132,7 +2079,7 @@
         </p:nvGrpSpPr>
         <p:grpSpPr>
           <a:xfrm>
-            <a:off x="3641004" y="3603656"/>
+            <a:off x="3683567" y="3664925"/>
             <a:ext cx="1408236" cy="1649433"/>
             <a:chOff x="5448116" y="2537594"/>
             <a:chExt cx="5715679" cy="7602995"/>
@@ -2472,8 +2419,8 @@
           </p:nvSpPr>
           <p:spPr>
             <a:xfrm>
-              <a:off x="5731187" y="2552072"/>
-              <a:ext cx="4615335" cy="6612249"/>
+              <a:off x="5731185" y="2552072"/>
+              <a:ext cx="4615335" cy="6612247"/>
             </a:xfrm>
             <a:custGeom>
               <a:avLst/>
@@ -2857,7 +2804,7 @@
             <a:lstStyle/>
             <a:p>
               <a:pPr algn="ctr"/>
-              <a:endParaRPr kumimoji="1" lang="ja-JP" altLang="en-US"/>
+              <a:endParaRPr kumimoji="1" lang="ja-JP" altLang="en-US" dirty="0"/>
             </a:p>
           </p:txBody>
         </p:sp>
@@ -3056,69 +3003,13 @@
               </a:r>
               <a:r>
                 <a:rPr lang="ja-JP" altLang="en-US" dirty="0"/>
-                <a:t> </a:t>
-              </a:r>
-              <a:r>
-                <a:rPr kumimoji="1" lang="ja-JP" altLang="en-US" dirty="0"/>
-                <a:t>要求分析</a:t>
-              </a:r>
+                <a:t> 要件定義</a:t>
+              </a:r>
+              <a:endParaRPr lang="en-US" altLang="ja-JP" dirty="0"/>
             </a:p>
           </p:txBody>
         </p:sp>
       </p:grpSp>
-      <p:sp>
-        <p:nvSpPr>
-          <p:cNvPr id="8" name="正方形/長方形 7">
-            <a:extLst>
-              <a:ext uri="{FF2B5EF4-FFF2-40B4-BE49-F238E27FC236}">
-                <a16:creationId xmlns:a16="http://schemas.microsoft.com/office/drawing/2014/main" id="{108D4033-E248-5CC3-1ABC-A0DDC814CB7E}"/>
-              </a:ext>
-            </a:extLst>
-          </p:cNvPr>
-          <p:cNvSpPr/>
-          <p:nvPr/>
-        </p:nvSpPr>
-        <p:spPr>
-          <a:xfrm>
-            <a:off x="907769" y="1745506"/>
-            <a:ext cx="3476398" cy="390830"/>
-          </a:xfrm>
-          <a:prstGeom prst="rect">
-            <a:avLst/>
-          </a:prstGeom>
-          <a:ln>
-            <a:noFill/>
-          </a:ln>
-        </p:spPr>
-        <p:style>
-          <a:lnRef idx="2">
-            <a:schemeClr val="accent1">
-              <a:shade val="15000"/>
-            </a:schemeClr>
-          </a:lnRef>
-          <a:fillRef idx="1">
-            <a:schemeClr val="accent1"/>
-          </a:fillRef>
-          <a:effectRef idx="0">
-            <a:schemeClr val="accent1"/>
-          </a:effectRef>
-          <a:fontRef idx="minor">
-            <a:schemeClr val="lt1"/>
-          </a:fontRef>
-        </p:style>
-        <p:txBody>
-          <a:bodyPr rtlCol="0" anchor="ctr"/>
-          <a:lstStyle/>
-          <a:p>
-            <a:pPr algn="ctr"/>
-            <a:r>
-              <a:rPr lang="ja-JP" altLang="en-US" dirty="0"/>
-              <a:t>リザルトポイント</a:t>
-            </a:r>
-            <a:endParaRPr kumimoji="1" lang="ja-JP" altLang="en-US" dirty="0"/>
-          </a:p>
-        </p:txBody>
-      </p:sp>
       <p:pic>
         <p:nvPicPr>
           <p:cNvPr id="10" name="図 9">
@@ -3205,8 +3096,8 @@
         </p:nvSpPr>
         <p:spPr>
           <a:xfrm>
-            <a:off x="2203026" y="4232957"/>
-            <a:ext cx="1234169" cy="390830"/>
+            <a:off x="2087068" y="4307004"/>
+            <a:ext cx="1350128" cy="390830"/>
           </a:xfrm>
           <a:prstGeom prst="rect">
             <a:avLst/>
@@ -3245,7 +3136,7 @@
                   <a:schemeClr val="tx1"/>
                 </a:solidFill>
               </a:rPr>
-              <a:t>ボーナスポイント獲得エリア</a:t>
+              <a:t>②ボーナスポイント獲得エリア</a:t>
             </a:r>
           </a:p>
         </p:txBody>
@@ -3264,8 +3155,8 @@
         </p:nvSpPr>
         <p:spPr>
           <a:xfrm>
-            <a:off x="2199049" y="4812319"/>
-            <a:ext cx="1234169" cy="390830"/>
+            <a:off x="2083091" y="4812319"/>
+            <a:ext cx="1350127" cy="390830"/>
           </a:xfrm>
           <a:prstGeom prst="rect">
             <a:avLst/>
@@ -3304,7 +3195,7 @@
                   <a:schemeClr val="tx1"/>
                 </a:solidFill>
               </a:rPr>
-              <a:t>走行</a:t>
+              <a:t>①走行</a:t>
             </a:r>
             <a:r>
               <a:rPr kumimoji="1" lang="ja-JP" altLang="en-US" sz="1000" b="1" dirty="0">
@@ -3313,14 +3204,6 @@
                 </a:solidFill>
               </a:rPr>
               <a:t>ポイント</a:t>
-            </a:r>
-            <a:r>
-              <a:rPr kumimoji="1" lang="en-US" altLang="ja-JP" sz="1000" b="1" dirty="0">
-                <a:solidFill>
-                  <a:schemeClr val="tx1"/>
-                </a:solidFill>
-              </a:rPr>
-              <a:t/>
             </a:r>
             <a:br>
               <a:rPr kumimoji="1" lang="en-US" altLang="ja-JP" sz="1000" b="1" dirty="0">
@@ -3399,8 +3282,8 @@
         </p:nvCxnSpPr>
         <p:spPr>
           <a:xfrm flipV="1">
-            <a:off x="3437195" y="4140140"/>
-            <a:ext cx="454844" cy="288232"/>
+            <a:off x="3437196" y="4214187"/>
+            <a:ext cx="454843" cy="288232"/>
           </a:xfrm>
           <a:prstGeom prst="straightConnector1">
             <a:avLst/>
@@ -3427,6 +3310,220 @@
           </a:fontRef>
         </p:style>
       </p:cxnSp>
+      <p:sp>
+        <p:nvSpPr>
+          <p:cNvPr id="3" name="テキスト ボックス 2">
+            <a:extLst>
+              <a:ext uri="{FF2B5EF4-FFF2-40B4-BE49-F238E27FC236}">
+                <a16:creationId xmlns:a16="http://schemas.microsoft.com/office/drawing/2014/main" id="{798358FD-725C-FCCC-AE29-F44660239F1E}"/>
+              </a:ext>
+            </a:extLst>
+          </p:cNvPr>
+          <p:cNvSpPr txBox="1"/>
+          <p:nvPr/>
+        </p:nvSpPr>
+        <p:spPr>
+          <a:xfrm>
+            <a:off x="142851" y="1660134"/>
+            <a:ext cx="5006235" cy="2862322"/>
+          </a:xfrm>
+          <a:prstGeom prst="rect">
+            <a:avLst/>
+          </a:prstGeom>
+          <a:noFill/>
+        </p:spPr>
+        <p:txBody>
+          <a:bodyPr wrap="square" rtlCol="0">
+            <a:spAutoFit/>
+          </a:bodyPr>
+          <a:lstStyle/>
+          <a:p>
+            <a:r>
+              <a:rPr lang="ja-JP" altLang="en-US" sz="1200" dirty="0"/>
+              <a:t>チーム目標は</a:t>
+            </a:r>
+            <a:r>
+              <a:rPr lang="ja-JP" altLang="en-US" sz="1200" b="1" dirty="0"/>
+              <a:t>「</a:t>
+            </a:r>
+            <a:r>
+              <a:rPr lang="ja-JP" altLang="en-US" sz="1200" b="1" dirty="0">
+                <a:solidFill>
+                  <a:srgbClr val="FF0000"/>
+                </a:solidFill>
+              </a:rPr>
+              <a:t>ロボコンスナップにてベストショットを確実に獲得する</a:t>
+            </a:r>
+            <a:r>
+              <a:rPr lang="ja-JP" altLang="en-US" sz="1200" b="1" dirty="0"/>
+              <a:t>」</a:t>
+            </a:r>
+            <a:r>
+              <a:rPr lang="ja-JP" altLang="en-US" sz="1200" dirty="0"/>
+              <a:t>ことである。獲得ポイントが計</a:t>
+            </a:r>
+            <a:r>
+              <a:rPr lang="en-US" altLang="ja-JP" sz="1200" dirty="0"/>
+              <a:t>50</a:t>
+            </a:r>
+            <a:r>
+              <a:rPr lang="ja-JP" altLang="en-US" sz="1200" dirty="0"/>
+              <a:t>ポイントと他の難所に比べて高いためロボコンスナップにてベストショットを確実に獲得することをチームの目標にした。</a:t>
+            </a:r>
+            <a:endParaRPr lang="en-US" altLang="ja-JP" sz="1200" dirty="0"/>
+          </a:p>
+          <a:p>
+            <a:r>
+              <a:rPr lang="ja-JP" altLang="en-US" sz="1200" dirty="0"/>
+              <a:t>目標を達成するための詳細を以下を記述した。</a:t>
+            </a:r>
+            <a:endParaRPr lang="en-US" altLang="ja-JP" sz="1200" dirty="0"/>
+          </a:p>
+          <a:p>
+            <a:endParaRPr lang="en-US" altLang="ja-JP" sz="1200" dirty="0"/>
+          </a:p>
+          <a:p>
+            <a:r>
+              <a:rPr lang="ja-JP" altLang="en-US" sz="1200" dirty="0">
+                <a:highlight>
+                  <a:srgbClr val="A1B8E1"/>
+                </a:highlight>
+              </a:rPr>
+              <a:t>①走行ポイント：</a:t>
+            </a:r>
+            <a:r>
+              <a:rPr lang="en-US" altLang="ja-JP" sz="1200" dirty="0">
+                <a:highlight>
+                  <a:srgbClr val="A1B8E1"/>
+                </a:highlight>
+              </a:rPr>
+              <a:t>15</a:t>
+            </a:r>
+            <a:r>
+              <a:rPr lang="ja-JP" altLang="en-US" sz="1200" dirty="0">
+                <a:highlight>
+                  <a:srgbClr val="A1B8E1"/>
+                </a:highlight>
+              </a:rPr>
+              <a:t>ポイント</a:t>
+            </a:r>
+            <a:endParaRPr lang="en-US" altLang="ja-JP" sz="1200" dirty="0">
+              <a:highlight>
+                <a:srgbClr val="A1B8E1"/>
+              </a:highlight>
+            </a:endParaRPr>
+          </a:p>
+          <a:p>
+            <a:r>
+              <a:rPr lang="ja-JP" altLang="en-US" sz="1200" dirty="0"/>
+              <a:t>走行ポイントはロボコンスナップ</a:t>
+            </a:r>
+            <a:r>
+              <a:rPr lang="en-US" altLang="ja-JP" sz="1200" dirty="0"/>
+              <a:t>(</a:t>
+            </a:r>
+            <a:r>
+              <a:rPr lang="ja-JP" altLang="en-US" sz="1200" dirty="0"/>
+              <a:t>ベストショット</a:t>
+            </a:r>
+            <a:r>
+              <a:rPr lang="en-US" altLang="ja-JP" sz="1200" dirty="0"/>
+              <a:t>)</a:t>
+            </a:r>
+            <a:r>
+              <a:rPr lang="ja-JP" altLang="en-US" sz="1200" dirty="0"/>
+              <a:t>に比べあまりポイントが高くないため安全に走行することにした。試走会の結果と普段の走行をもとに</a:t>
+            </a:r>
+            <a:r>
+              <a:rPr lang="en-US" altLang="ja-JP" sz="1200" dirty="0"/>
+              <a:t>15</a:t>
+            </a:r>
+            <a:r>
+              <a:rPr lang="ja-JP" altLang="en-US" sz="1200" dirty="0"/>
+              <a:t>秒でゴールするとしたときに獲得ポイントが</a:t>
+            </a:r>
+            <a:r>
+              <a:rPr lang="en-US" altLang="ja-JP" sz="1200" dirty="0"/>
+              <a:t>15</a:t>
+            </a:r>
+            <a:r>
+              <a:rPr lang="ja-JP" altLang="en-US" sz="1200" dirty="0"/>
+              <a:t>ポイントになる。</a:t>
+            </a:r>
+            <a:endParaRPr lang="en-US" altLang="ja-JP" sz="1200" dirty="0"/>
+          </a:p>
+          <a:p>
+            <a:endParaRPr lang="en-US" altLang="ja-JP" sz="1200" dirty="0"/>
+          </a:p>
+          <a:p>
+            <a:r>
+              <a:rPr lang="ja-JP" altLang="en-US" sz="1200" dirty="0">
+                <a:highlight>
+                  <a:srgbClr val="EF953F"/>
+                </a:highlight>
+              </a:rPr>
+              <a:t>②ボーナスポイント：</a:t>
+            </a:r>
+            <a:r>
+              <a:rPr lang="en-US" altLang="ja-JP" sz="1200" dirty="0">
+                <a:highlight>
+                  <a:srgbClr val="EF953F"/>
+                </a:highlight>
+              </a:rPr>
+              <a:t>100</a:t>
+            </a:r>
+            <a:r>
+              <a:rPr lang="ja-JP" altLang="en-US" sz="1200" dirty="0">
+                <a:highlight>
+                  <a:srgbClr val="EF953F"/>
+                </a:highlight>
+              </a:rPr>
+              <a:t>ポイント</a:t>
+            </a:r>
+            <a:endParaRPr lang="en-US" altLang="ja-JP" sz="1200" dirty="0">
+              <a:highlight>
+                <a:srgbClr val="EF953F"/>
+              </a:highlight>
+            </a:endParaRPr>
+          </a:p>
+          <a:p>
+            <a:r>
+              <a:rPr lang="ja-JP" altLang="en-US" sz="1200" dirty="0"/>
+              <a:t>難所エリアは獲得ポイントが高いロボコンスナップ</a:t>
+            </a:r>
+            <a:endParaRPr lang="en-US" altLang="ja-JP" sz="1200" dirty="0"/>
+          </a:p>
+          <a:p>
+            <a:r>
+              <a:rPr lang="ja-JP" altLang="en-US" sz="1200" dirty="0"/>
+              <a:t>を確実にクリアすることを目標にした。去年の走行と</a:t>
+            </a:r>
+            <a:endParaRPr lang="en-US" altLang="ja-JP" sz="1200" dirty="0"/>
+          </a:p>
+          <a:p>
+            <a:r>
+              <a:rPr lang="ja-JP" altLang="en-US" sz="1200" dirty="0"/>
+              <a:t>今年の走行をもとにボーナスポイントは</a:t>
+            </a:r>
+            <a:r>
+              <a:rPr lang="en-US" altLang="ja-JP" sz="1200" dirty="0"/>
+              <a:t>100</a:t>
+            </a:r>
+            <a:r>
+              <a:rPr lang="ja-JP" altLang="en-US" sz="1200" dirty="0"/>
+              <a:t>ポイントに</a:t>
+            </a:r>
+            <a:endParaRPr lang="en-US" altLang="ja-JP" sz="1200" dirty="0"/>
+          </a:p>
+          <a:p>
+            <a:r>
+              <a:rPr lang="ja-JP" altLang="en-US" sz="1200" dirty="0"/>
+              <a:t>した。</a:t>
+            </a:r>
+            <a:endParaRPr lang="en-US" altLang="ja-JP" sz="1200" dirty="0"/>
+          </a:p>
+        </p:txBody>
+      </p:sp>
     </p:spTree>
     <p:extLst>
       <p:ext uri="{BB962C8B-B14F-4D97-AF65-F5344CB8AC3E}">
@@ -3437,13 +3534,6 @@
   <p:clrMapOvr>
     <a:masterClrMapping/>
   </p:clrMapOvr>
-  <p:timing>
-    <p:tnLst>
-      <p:par>
-        <p:cTn id="1" dur="indefinite" restart="never" nodeType="tmRoot"/>
-      </p:par>
-    </p:tnLst>
-  </p:timing>
 </p:sld>
 </file>
 
@@ -4346,13 +4436,6 @@
   <p:clrMapOvr>
     <a:masterClrMapping/>
   </p:clrMapOvr>
-  <p:timing>
-    <p:tnLst>
-      <p:par>
-        <p:cTn id="1" dur="indefinite" restart="never" nodeType="tmRoot"/>
-      </p:par>
-    </p:tnLst>
-  </p:timing>
 </p:sld>
 </file>
 
@@ -4383,13 +4466,6 @@
   <p:clrMapOvr>
     <a:masterClrMapping/>
   </p:clrMapOvr>
-  <p:timing>
-    <p:tnLst>
-      <p:par>
-        <p:cTn id="1" dur="indefinite" restart="never" nodeType="tmRoot"/>
-      </p:par>
-    </p:tnLst>
-  </p:timing>
 </p:sld>
 </file>
 
@@ -4420,13 +4496,6 @@
   <p:clrMapOvr>
     <a:masterClrMapping/>
   </p:clrMapOvr>
-  <p:timing>
-    <p:tnLst>
-      <p:par>
-        <p:cTn id="1" dur="indefinite" restart="never" nodeType="tmRoot"/>
-      </p:par>
-    </p:tnLst>
-  </p:timing>
 </p:sld>
 </file>
 
@@ -5865,13 +5934,6 @@
   <p:clrMapOvr>
     <a:masterClrMapping/>
   </p:clrMapOvr>
-  <p:timing>
-    <p:tnLst>
-      <p:par>
-        <p:cTn id="1" dur="indefinite" restart="never" nodeType="tmRoot"/>
-      </p:par>
-    </p:tnLst>
-  </p:timing>
 </p:sld>
 </file>
 

--- a/設計/ADV_004_ろぼ魂.exe.pptx
+++ b/設計/ADV_004_ろぼ魂.exe.pptx
@@ -3392,7 +3392,7 @@
               <a:t>①走行ポイント：</a:t>
             </a:r>
             <a:r>
-              <a:rPr lang="en-US" altLang="ja-JP" sz="1200" dirty="0">
+              <a:rPr lang="en-US" altLang="ja-JP" sz="1200" b="1" dirty="0">
                 <a:highlight>
                   <a:srgbClr val="A1B8E1"/>
                 </a:highlight>
@@ -3400,14 +3400,14 @@
               <a:t>15</a:t>
             </a:r>
             <a:r>
-              <a:rPr lang="ja-JP" altLang="en-US" sz="1200" dirty="0">
+              <a:rPr lang="ja-JP" altLang="en-US" sz="1200" b="1" dirty="0">
                 <a:highlight>
                   <a:srgbClr val="A1B8E1"/>
                 </a:highlight>
               </a:rPr>
               <a:t>ポイント以上</a:t>
             </a:r>
-            <a:endParaRPr lang="en-US" altLang="ja-JP" sz="1200" dirty="0">
+            <a:endParaRPr lang="en-US" altLang="ja-JP" sz="1200" b="1" dirty="0">
               <a:highlight>
                 <a:srgbClr val="A1B8E1"/>
               </a:highlight>
@@ -3465,7 +3465,7 @@
               <a:t>②ボーナスポイント：</a:t>
             </a:r>
             <a:r>
-              <a:rPr lang="en-US" altLang="ja-JP" sz="1200" dirty="0">
+              <a:rPr lang="en-US" altLang="ja-JP" sz="1200" b="1" dirty="0">
                 <a:highlight>
                   <a:srgbClr val="EF953F"/>
                 </a:highlight>
@@ -3473,14 +3473,14 @@
               <a:t>100</a:t>
             </a:r>
             <a:r>
-              <a:rPr lang="ja-JP" altLang="en-US" sz="1200" dirty="0">
+              <a:rPr lang="ja-JP" altLang="en-US" sz="1200" b="1" dirty="0">
                 <a:highlight>
                   <a:srgbClr val="EF953F"/>
                 </a:highlight>
               </a:rPr>
               <a:t>ポイント以上</a:t>
             </a:r>
-            <a:endParaRPr lang="en-US" altLang="ja-JP" sz="1200" dirty="0">
+            <a:endParaRPr lang="en-US" altLang="ja-JP" sz="1200" b="1" dirty="0">
               <a:highlight>
                 <a:srgbClr val="EF953F"/>
               </a:highlight>
@@ -3546,12 +3546,16 @@
               <a:t>を</a:t>
             </a:r>
             <a:r>
-              <a:rPr lang="en-US" altLang="ja-JP" sz="1200" dirty="0"/>
+              <a:rPr lang="en-US" altLang="ja-JP" sz="1200" b="1" dirty="0"/>
               <a:t>115</a:t>
             </a:r>
             <a:r>
+              <a:rPr lang="ja-JP" altLang="en-US" sz="1200" b="1" dirty="0"/>
+              <a:t>ポイント以上</a:t>
+            </a:r>
+            <a:r>
               <a:rPr lang="ja-JP" altLang="en-US" sz="1200" dirty="0"/>
-              <a:t>ポイント以上を目標にする。</a:t>
+              <a:t>を目標にする。</a:t>
             </a:r>
             <a:endParaRPr lang="en-US" altLang="ja-JP" sz="1200" dirty="0"/>
           </a:p>
@@ -3571,8 +3575,8 @@
         </p:nvSpPr>
         <p:spPr>
           <a:xfrm>
-            <a:off x="3910641" y="3454933"/>
-            <a:ext cx="862480" cy="168573"/>
+            <a:off x="3631601" y="3432710"/>
+            <a:ext cx="1512168" cy="288232"/>
           </a:xfrm>
           <a:prstGeom prst="rect">
             <a:avLst/>
@@ -3604,7 +3608,7 @@
           <a:p>
             <a:pPr algn="ctr"/>
             <a:r>
-              <a:rPr kumimoji="1" lang="ja-JP" altLang="en-US" sz="900" dirty="0">
+              <a:rPr kumimoji="1" lang="ja-JP" altLang="en-US" sz="800" dirty="0">
                 <a:solidFill>
                   <a:schemeClr val="tx1"/>
                 </a:solidFill>
@@ -3612,14 +3616,22 @@
               <a:t>図</a:t>
             </a:r>
             <a:r>
-              <a:rPr lang="en-US" altLang="ja-JP" sz="900" dirty="0">
+              <a:rPr lang="en-US" altLang="ja-JP" sz="800" dirty="0">
                 <a:solidFill>
                   <a:schemeClr val="tx1"/>
                 </a:solidFill>
               </a:rPr>
               <a:t> 1.1</a:t>
             </a:r>
-            <a:endParaRPr kumimoji="1" lang="ja-JP" altLang="en-US" sz="900" dirty="0">
+            <a:r>
+              <a:rPr lang="ja-JP" altLang="en-US" sz="800" dirty="0">
+                <a:solidFill>
+                  <a:schemeClr val="tx1"/>
+                </a:solidFill>
+              </a:rPr>
+              <a:t> コースの区間定義</a:t>
+            </a:r>
+            <a:endParaRPr kumimoji="1" lang="ja-JP" altLang="en-US" sz="800" dirty="0">
               <a:solidFill>
                 <a:schemeClr val="tx1"/>
               </a:solidFill>

--- a/設計/ADV_004_ろぼ魂.exe.pptx
+++ b/設計/ADV_004_ろぼ魂.exe.pptx
@@ -3038,44 +3038,8 @@
         </p:blipFill>
         <p:spPr>
           <a:xfrm>
-            <a:off x="6911603" y="1940921"/>
+            <a:off x="6279203" y="1695566"/>
             <a:ext cx="5391613" cy="3312168"/>
-          </a:xfrm>
-          <a:prstGeom prst="rect">
-            <a:avLst/>
-          </a:prstGeom>
-        </p:spPr>
-      </p:pic>
-      <p:pic>
-        <p:nvPicPr>
-          <p:cNvPr id="12" name="図 11">
-            <a:extLst>
-              <a:ext uri="{FF2B5EF4-FFF2-40B4-BE49-F238E27FC236}">
-                <a16:creationId xmlns:a16="http://schemas.microsoft.com/office/drawing/2014/main" id="{48822BD0-BA90-B802-54CF-8E8FF3C4C027}"/>
-              </a:ext>
-            </a:extLst>
-          </p:cNvPr>
-          <p:cNvPicPr>
-            <a:picLocks noChangeAspect="1"/>
-          </p:cNvPicPr>
-          <p:nvPr/>
-        </p:nvPicPr>
-        <p:blipFill>
-          <a:blip r:embed="rId4">
-            <a:extLst>
-              <a:ext uri="{28A0092B-C50C-407E-A947-70E740481C1C}">
-                <a14:useLocalDpi xmlns:a14="http://schemas.microsoft.com/office/drawing/2010/main" val="0"/>
-              </a:ext>
-            </a:extLst>
-          </a:blip>
-          <a:stretch>
-            <a:fillRect/>
-          </a:stretch>
-        </p:blipFill>
-        <p:spPr>
-          <a:xfrm>
-            <a:off x="378370" y="6207014"/>
-            <a:ext cx="6479555" cy="4105795"/>
           </a:xfrm>
           <a:prstGeom prst="rect">
             <a:avLst/>
@@ -3629,7 +3593,7 @@
                   <a:schemeClr val="tx1"/>
                 </a:solidFill>
               </a:rPr>
-              <a:t> コースの区間定義</a:t>
+              <a:t> 左コースの区間定義</a:t>
             </a:r>
             <a:endParaRPr kumimoji="1" lang="ja-JP" altLang="en-US" sz="800" dirty="0">
               <a:solidFill>
@@ -3639,6 +3603,42 @@
           </a:p>
         </p:txBody>
       </p:sp>
+      <p:pic>
+        <p:nvPicPr>
+          <p:cNvPr id="11" name="図 10">
+            <a:extLst>
+              <a:ext uri="{FF2B5EF4-FFF2-40B4-BE49-F238E27FC236}">
+                <a16:creationId xmlns:a16="http://schemas.microsoft.com/office/drawing/2014/main" id="{996BAEDE-B1C4-9FB2-C379-01ECC6978EE4}"/>
+              </a:ext>
+            </a:extLst>
+          </p:cNvPr>
+          <p:cNvPicPr>
+            <a:picLocks noChangeAspect="1"/>
+          </p:cNvPicPr>
+          <p:nvPr/>
+        </p:nvPicPr>
+        <p:blipFill>
+          <a:blip r:embed="rId4">
+            <a:extLst>
+              <a:ext uri="{28A0092B-C50C-407E-A947-70E740481C1C}">
+                <a14:useLocalDpi xmlns:a14="http://schemas.microsoft.com/office/drawing/2010/main" val="0"/>
+              </a:ext>
+            </a:extLst>
+          </a:blip>
+          <a:stretch>
+            <a:fillRect/>
+          </a:stretch>
+        </p:blipFill>
+        <p:spPr>
+          <a:xfrm>
+            <a:off x="162134" y="6351627"/>
+            <a:ext cx="7559675" cy="4060599"/>
+          </a:xfrm>
+          <a:prstGeom prst="rect">
+            <a:avLst/>
+          </a:prstGeom>
+        </p:spPr>
+      </p:pic>
     </p:spTree>
     <p:extLst>
       <p:ext uri="{BB962C8B-B14F-4D97-AF65-F5344CB8AC3E}">

--- a/設計/ADV_004_ろぼ魂.exe.pptx
+++ b/設計/ADV_004_ろぼ魂.exe.pptx
@@ -3307,6 +3307,14 @@
               </a:rPr>
               <a:t>ポイント</a:t>
             </a:r>
+            <a:r>
+              <a:rPr kumimoji="1" lang="en-US" altLang="ja-JP" sz="1000" b="1" dirty="0">
+                <a:solidFill>
+                  <a:schemeClr val="tx1"/>
+                </a:solidFill>
+              </a:rPr>
+              <a:t/>
+            </a:r>
             <a:br>
               <a:rPr kumimoji="1" lang="en-US" altLang="ja-JP" sz="1000" b="1" dirty="0">
                 <a:solidFill>
@@ -3795,13 +3803,13 @@
           <p:nvPr/>
         </p:nvPicPr>
         <p:blipFill>
-          <a:blip r:embed="rId3">
+          <a:blip r:embed="rId3" cstate="hqprint">
             <a:extLst>
               <a:ext uri="{28A0092B-C50C-407E-A947-70E740481C1C}">
                 <a14:useLocalDpi xmlns:a14="http://schemas.microsoft.com/office/drawing/2010/main" val="0"/>
               </a:ext>
               <a:ext uri="{96DAC541-7B7A-43D3-8B79-37D633B846F1}">
-                <asvg:svgBlip xmlns:asvg="http://schemas.microsoft.com/office/drawing/2016/SVG/main" r:embed="rId4"/>
+                <asvg:svgBlip xmlns:asvg="http://schemas.microsoft.com/office/drawing/2016/SVG/main" xmlns="" r:embed="rId4"/>
               </a:ext>
             </a:extLst>
           </a:blip>
@@ -3840,7 +3848,7 @@
                 <a14:useLocalDpi xmlns:a14="http://schemas.microsoft.com/office/drawing/2010/main" val="0"/>
               </a:ext>
               <a:ext uri="{96DAC541-7B7A-43D3-8B79-37D633B846F1}">
-                <asvg:svgBlip xmlns:asvg="http://schemas.microsoft.com/office/drawing/2016/SVG/main" r:embed="rId6"/>
+                <asvg:svgBlip xmlns:asvg="http://schemas.microsoft.com/office/drawing/2016/SVG/main" xmlns="" r:embed="rId6"/>
               </a:ext>
             </a:extLst>
           </a:blip>
@@ -4872,13 +4880,13 @@
             <p:nvPr/>
           </p:nvPicPr>
           <p:blipFill>
-            <a:blip r:embed="rId7">
+            <a:blip r:embed="rId7" cstate="hqprint">
               <a:extLst>
                 <a:ext uri="{28A0092B-C50C-407E-A947-70E740481C1C}">
                   <a14:useLocalDpi xmlns:a14="http://schemas.microsoft.com/office/drawing/2010/main" val="0"/>
                 </a:ext>
                 <a:ext uri="{96DAC541-7B7A-43D3-8B79-37D633B846F1}">
-                  <asvg:svgBlip xmlns:asvg="http://schemas.microsoft.com/office/drawing/2016/SVG/main" r:embed="rId8"/>
+                  <asvg:svgBlip xmlns:asvg="http://schemas.microsoft.com/office/drawing/2016/SVG/main" xmlns="" r:embed="rId8"/>
                 </a:ext>
               </a:extLst>
             </a:blip>
@@ -5997,6 +6005,20 @@
                         </a:rPr>
                         <a:t>【UC1】</a:t>
                       </a:r>
+                      <a:r>
+                        <a:rPr lang="ja-JP" altLang="en-US" sz="800" b="0" i="0" u="none" strike="noStrike" dirty="0">
+                          <a:solidFill>
+                            <a:srgbClr val="000000"/>
+                          </a:solidFill>
+                          <a:effectLst/>
+                          <a:highlight>
+                            <a:srgbClr val="207178"/>
+                          </a:highlight>
+                          <a:latin typeface="游ゴシック" panose="020B0400000000000000" pitchFamily="50" charset="-128"/>
+                          <a:ea typeface="游ゴシック" panose="020B0400000000000000" pitchFamily="50" charset="-128"/>
+                        </a:rPr>
+                        <a:t/>
+                      </a:r>
                       <a:br>
                         <a:rPr lang="ja-JP" altLang="en-US" sz="800" b="0" i="0" u="none" strike="noStrike" dirty="0">
                           <a:solidFill>
@@ -6035,6 +6057,20 @@
                         </a:rPr>
                         <a:t>【UC1-1】</a:t>
                       </a:r>
+                      <a:r>
+                        <a:rPr lang="ja-JP" altLang="en-US" sz="800" b="0" i="0" u="none" strike="noStrike" dirty="0">
+                          <a:solidFill>
+                            <a:srgbClr val="000000"/>
+                          </a:solidFill>
+                          <a:effectLst/>
+                          <a:highlight>
+                            <a:srgbClr val="207178"/>
+                          </a:highlight>
+                          <a:latin typeface="游ゴシック" panose="020B0400000000000000" pitchFamily="50" charset="-128"/>
+                          <a:ea typeface="游ゴシック" panose="020B0400000000000000" pitchFamily="50" charset="-128"/>
+                        </a:rPr>
+                        <a:t/>
+                      </a:r>
                       <a:br>
                         <a:rPr lang="ja-JP" altLang="en-US" sz="800" b="0" i="0" u="none" strike="noStrike" dirty="0">
                           <a:solidFill>
@@ -6072,6 +6108,17 @@
                           <a:ea typeface="+mn-ea"/>
                         </a:rPr>
                         <a:t>【UC1-2】</a:t>
+                      </a:r>
+                      <a:r>
+                        <a:rPr lang="ja-JP" altLang="en-US" sz="800" b="0" i="0" u="none" strike="noStrike" dirty="0">
+                          <a:solidFill>
+                            <a:srgbClr val="000000"/>
+                          </a:solidFill>
+                          <a:effectLst/>
+                          <a:latin typeface="游ゴシック" panose="020B0400000000000000" pitchFamily="50" charset="-128"/>
+                          <a:ea typeface="游ゴシック" panose="020B0400000000000000" pitchFamily="50" charset="-128"/>
+                        </a:rPr>
+                        <a:t/>
                       </a:r>
                       <a:br>
                         <a:rPr lang="ja-JP" altLang="en-US" sz="800" b="0" i="0" u="none" strike="noStrike" dirty="0">
@@ -13418,333 +13465,6 @@
       </p:grpSp>
       <p:grpSp>
         <p:nvGrpSpPr>
-          <p:cNvPr id="6" name="グループ化 5"/>
-          <p:cNvGrpSpPr/>
-          <p:nvPr/>
-        </p:nvGrpSpPr>
-        <p:grpSpPr>
-          <a:xfrm>
-            <a:off x="70843" y="5561930"/>
-            <a:ext cx="6696744" cy="5040560"/>
-            <a:chOff x="276561" y="114972"/>
-            <a:chExt cx="11638878" cy="6628056"/>
-          </a:xfrm>
-        </p:grpSpPr>
-        <p:sp>
-          <p:nvSpPr>
-            <p:cNvPr id="7" name="正方形/長方形 6"/>
-            <p:cNvSpPr/>
-            <p:nvPr/>
-          </p:nvSpPr>
-          <p:spPr>
-            <a:xfrm>
-              <a:off x="276561" y="114972"/>
-              <a:ext cx="11638878" cy="6628056"/>
-            </a:xfrm>
-            <a:prstGeom prst="rect">
-              <a:avLst/>
-            </a:prstGeom>
-            <a:noFill/>
-            <a:ln w="57150">
-              <a:solidFill>
-                <a:srgbClr val="207178"/>
-              </a:solidFill>
-            </a:ln>
-          </p:spPr>
-          <p:style>
-            <a:lnRef idx="2">
-              <a:schemeClr val="accent1">
-                <a:shade val="50000"/>
-              </a:schemeClr>
-            </a:lnRef>
-            <a:fillRef idx="1">
-              <a:schemeClr val="accent1"/>
-            </a:fillRef>
-            <a:effectRef idx="0">
-              <a:schemeClr val="accent1"/>
-            </a:effectRef>
-            <a:fontRef idx="minor">
-              <a:schemeClr val="lt1"/>
-            </a:fontRef>
-          </p:style>
-          <p:txBody>
-            <a:bodyPr rtlCol="0" anchor="ctr"/>
-            <a:lstStyle>
-              <a:defPPr>
-                <a:defRPr lang="ja-JP"/>
-              </a:defPPr>
-              <a:lvl1pPr marL="0" algn="l" defTabSz="914400" rtl="0" eaLnBrk="1" latinLnBrk="0" hangingPunct="1">
-                <a:defRPr kumimoji="1" sz="1800" kern="1200">
-                  <a:solidFill>
-                    <a:schemeClr val="lt1"/>
-                  </a:solidFill>
-                  <a:latin typeface="+mn-lt"/>
-                  <a:ea typeface="+mn-ea"/>
-                  <a:cs typeface="+mn-cs"/>
-                </a:defRPr>
-              </a:lvl1pPr>
-              <a:lvl2pPr marL="457200" algn="l" defTabSz="914400" rtl="0" eaLnBrk="1" latinLnBrk="0" hangingPunct="1">
-                <a:defRPr kumimoji="1" sz="1800" kern="1200">
-                  <a:solidFill>
-                    <a:schemeClr val="lt1"/>
-                  </a:solidFill>
-                  <a:latin typeface="+mn-lt"/>
-                  <a:ea typeface="+mn-ea"/>
-                  <a:cs typeface="+mn-cs"/>
-                </a:defRPr>
-              </a:lvl2pPr>
-              <a:lvl3pPr marL="914400" algn="l" defTabSz="914400" rtl="0" eaLnBrk="1" latinLnBrk="0" hangingPunct="1">
-                <a:defRPr kumimoji="1" sz="1800" kern="1200">
-                  <a:solidFill>
-                    <a:schemeClr val="lt1"/>
-                  </a:solidFill>
-                  <a:latin typeface="+mn-lt"/>
-                  <a:ea typeface="+mn-ea"/>
-                  <a:cs typeface="+mn-cs"/>
-                </a:defRPr>
-              </a:lvl3pPr>
-              <a:lvl4pPr marL="1371600" algn="l" defTabSz="914400" rtl="0" eaLnBrk="1" latinLnBrk="0" hangingPunct="1">
-                <a:defRPr kumimoji="1" sz="1800" kern="1200">
-                  <a:solidFill>
-                    <a:schemeClr val="lt1"/>
-                  </a:solidFill>
-                  <a:latin typeface="+mn-lt"/>
-                  <a:ea typeface="+mn-ea"/>
-                  <a:cs typeface="+mn-cs"/>
-                </a:defRPr>
-              </a:lvl4pPr>
-              <a:lvl5pPr marL="1828800" algn="l" defTabSz="914400" rtl="0" eaLnBrk="1" latinLnBrk="0" hangingPunct="1">
-                <a:defRPr kumimoji="1" sz="1800" kern="1200">
-                  <a:solidFill>
-                    <a:schemeClr val="lt1"/>
-                  </a:solidFill>
-                  <a:latin typeface="+mn-lt"/>
-                  <a:ea typeface="+mn-ea"/>
-                  <a:cs typeface="+mn-cs"/>
-                </a:defRPr>
-              </a:lvl5pPr>
-              <a:lvl6pPr marL="2286000" algn="l" defTabSz="914400" rtl="0" eaLnBrk="1" latinLnBrk="0" hangingPunct="1">
-                <a:defRPr kumimoji="1" sz="1800" kern="1200">
-                  <a:solidFill>
-                    <a:schemeClr val="lt1"/>
-                  </a:solidFill>
-                  <a:latin typeface="+mn-lt"/>
-                  <a:ea typeface="+mn-ea"/>
-                  <a:cs typeface="+mn-cs"/>
-                </a:defRPr>
-              </a:lvl6pPr>
-              <a:lvl7pPr marL="2743200" algn="l" defTabSz="914400" rtl="0" eaLnBrk="1" latinLnBrk="0" hangingPunct="1">
-                <a:defRPr kumimoji="1" sz="1800" kern="1200">
-                  <a:solidFill>
-                    <a:schemeClr val="lt1"/>
-                  </a:solidFill>
-                  <a:latin typeface="+mn-lt"/>
-                  <a:ea typeface="+mn-ea"/>
-                  <a:cs typeface="+mn-cs"/>
-                </a:defRPr>
-              </a:lvl7pPr>
-              <a:lvl8pPr marL="3200400" algn="l" defTabSz="914400" rtl="0" eaLnBrk="1" latinLnBrk="0" hangingPunct="1">
-                <a:defRPr kumimoji="1" sz="1800" kern="1200">
-                  <a:solidFill>
-                    <a:schemeClr val="lt1"/>
-                  </a:solidFill>
-                  <a:latin typeface="+mn-lt"/>
-                  <a:ea typeface="+mn-ea"/>
-                  <a:cs typeface="+mn-cs"/>
-                </a:defRPr>
-              </a:lvl8pPr>
-              <a:lvl9pPr marL="3657600" algn="l" defTabSz="914400" rtl="0" eaLnBrk="1" latinLnBrk="0" hangingPunct="1">
-                <a:defRPr kumimoji="1" sz="1800" kern="1200">
-                  <a:solidFill>
-                    <a:schemeClr val="lt1"/>
-                  </a:solidFill>
-                  <a:latin typeface="+mn-lt"/>
-                  <a:ea typeface="+mn-ea"/>
-                  <a:cs typeface="+mn-cs"/>
-                </a:defRPr>
-              </a:lvl9pPr>
-            </a:lstStyle>
-            <a:p>
-              <a:pPr algn="ctr"/>
-              <a:endParaRPr kumimoji="1" lang="ja-JP" altLang="en-US"/>
-            </a:p>
-          </p:txBody>
-        </p:sp>
-        <p:sp>
-          <p:nvSpPr>
-            <p:cNvPr id="8" name="正方形/長方形 7"/>
-            <p:cNvSpPr/>
-            <p:nvPr/>
-          </p:nvSpPr>
-          <p:spPr>
-            <a:xfrm>
-              <a:off x="276561" y="114974"/>
-              <a:ext cx="11638878" cy="499924"/>
-            </a:xfrm>
-            <a:prstGeom prst="rect">
-              <a:avLst/>
-            </a:prstGeom>
-            <a:solidFill>
-              <a:srgbClr val="207178"/>
-            </a:solidFill>
-            <a:ln w="57150">
-              <a:solidFill>
-                <a:srgbClr val="207178"/>
-              </a:solidFill>
-            </a:ln>
-          </p:spPr>
-          <p:style>
-            <a:lnRef idx="2">
-              <a:schemeClr val="accent1">
-                <a:shade val="50000"/>
-              </a:schemeClr>
-            </a:lnRef>
-            <a:fillRef idx="1">
-              <a:schemeClr val="accent1"/>
-            </a:fillRef>
-            <a:effectRef idx="0">
-              <a:schemeClr val="accent1"/>
-            </a:effectRef>
-            <a:fontRef idx="minor">
-              <a:schemeClr val="lt1"/>
-            </a:fontRef>
-          </p:style>
-          <p:txBody>
-            <a:bodyPr rtlCol="0" anchor="ctr"/>
-            <a:lstStyle>
-              <a:defPPr>
-                <a:defRPr lang="ja-JP"/>
-              </a:defPPr>
-              <a:lvl1pPr marL="0" algn="l" defTabSz="914400" rtl="0" eaLnBrk="1" latinLnBrk="0" hangingPunct="1">
-                <a:defRPr kumimoji="1" sz="1800" kern="1200">
-                  <a:solidFill>
-                    <a:schemeClr val="lt1"/>
-                  </a:solidFill>
-                  <a:latin typeface="+mn-lt"/>
-                  <a:ea typeface="+mn-ea"/>
-                  <a:cs typeface="+mn-cs"/>
-                </a:defRPr>
-              </a:lvl1pPr>
-              <a:lvl2pPr marL="457200" algn="l" defTabSz="914400" rtl="0" eaLnBrk="1" latinLnBrk="0" hangingPunct="1">
-                <a:defRPr kumimoji="1" sz="1800" kern="1200">
-                  <a:solidFill>
-                    <a:schemeClr val="lt1"/>
-                  </a:solidFill>
-                  <a:latin typeface="+mn-lt"/>
-                  <a:ea typeface="+mn-ea"/>
-                  <a:cs typeface="+mn-cs"/>
-                </a:defRPr>
-              </a:lvl2pPr>
-              <a:lvl3pPr marL="914400" algn="l" defTabSz="914400" rtl="0" eaLnBrk="1" latinLnBrk="0" hangingPunct="1">
-                <a:defRPr kumimoji="1" sz="1800" kern="1200">
-                  <a:solidFill>
-                    <a:schemeClr val="lt1"/>
-                  </a:solidFill>
-                  <a:latin typeface="+mn-lt"/>
-                  <a:ea typeface="+mn-ea"/>
-                  <a:cs typeface="+mn-cs"/>
-                </a:defRPr>
-              </a:lvl3pPr>
-              <a:lvl4pPr marL="1371600" algn="l" defTabSz="914400" rtl="0" eaLnBrk="1" latinLnBrk="0" hangingPunct="1">
-                <a:defRPr kumimoji="1" sz="1800" kern="1200">
-                  <a:solidFill>
-                    <a:schemeClr val="lt1"/>
-                  </a:solidFill>
-                  <a:latin typeface="+mn-lt"/>
-                  <a:ea typeface="+mn-ea"/>
-                  <a:cs typeface="+mn-cs"/>
-                </a:defRPr>
-              </a:lvl4pPr>
-              <a:lvl5pPr marL="1828800" algn="l" defTabSz="914400" rtl="0" eaLnBrk="1" latinLnBrk="0" hangingPunct="1">
-                <a:defRPr kumimoji="1" sz="1800" kern="1200">
-                  <a:solidFill>
-                    <a:schemeClr val="lt1"/>
-                  </a:solidFill>
-                  <a:latin typeface="+mn-lt"/>
-                  <a:ea typeface="+mn-ea"/>
-                  <a:cs typeface="+mn-cs"/>
-                </a:defRPr>
-              </a:lvl5pPr>
-              <a:lvl6pPr marL="2286000" algn="l" defTabSz="914400" rtl="0" eaLnBrk="1" latinLnBrk="0" hangingPunct="1">
-                <a:defRPr kumimoji="1" sz="1800" kern="1200">
-                  <a:solidFill>
-                    <a:schemeClr val="lt1"/>
-                  </a:solidFill>
-                  <a:latin typeface="+mn-lt"/>
-                  <a:ea typeface="+mn-ea"/>
-                  <a:cs typeface="+mn-cs"/>
-                </a:defRPr>
-              </a:lvl6pPr>
-              <a:lvl7pPr marL="2743200" algn="l" defTabSz="914400" rtl="0" eaLnBrk="1" latinLnBrk="0" hangingPunct="1">
-                <a:defRPr kumimoji="1" sz="1800" kern="1200">
-                  <a:solidFill>
-                    <a:schemeClr val="lt1"/>
-                  </a:solidFill>
-                  <a:latin typeface="+mn-lt"/>
-                  <a:ea typeface="+mn-ea"/>
-                  <a:cs typeface="+mn-cs"/>
-                </a:defRPr>
-              </a:lvl7pPr>
-              <a:lvl8pPr marL="3200400" algn="l" defTabSz="914400" rtl="0" eaLnBrk="1" latinLnBrk="0" hangingPunct="1">
-                <a:defRPr kumimoji="1" sz="1800" kern="1200">
-                  <a:solidFill>
-                    <a:schemeClr val="lt1"/>
-                  </a:solidFill>
-                  <a:latin typeface="+mn-lt"/>
-                  <a:ea typeface="+mn-ea"/>
-                  <a:cs typeface="+mn-cs"/>
-                </a:defRPr>
-              </a:lvl8pPr>
-              <a:lvl9pPr marL="3657600" algn="l" defTabSz="914400" rtl="0" eaLnBrk="1" latinLnBrk="0" hangingPunct="1">
-                <a:defRPr kumimoji="1" sz="1800" kern="1200">
-                  <a:solidFill>
-                    <a:schemeClr val="lt1"/>
-                  </a:solidFill>
-                  <a:latin typeface="+mn-lt"/>
-                  <a:ea typeface="+mn-ea"/>
-                  <a:cs typeface="+mn-cs"/>
-                </a:defRPr>
-              </a:lvl9pPr>
-            </a:lstStyle>
-            <a:p>
-              <a:r>
-                <a:rPr kumimoji="1" lang="en-US" altLang="ja-JP" dirty="0"/>
-                <a:t>3.</a:t>
-              </a:r>
-              <a:r>
-                <a:rPr lang="en-US" altLang="ja-JP" dirty="0"/>
-                <a:t>5</a:t>
-              </a:r>
-              <a:r>
-                <a:rPr kumimoji="1" lang="en-US" altLang="ja-JP" dirty="0"/>
-                <a:t> </a:t>
-              </a:r>
-              <a:r>
-                <a:rPr lang="ja-JP" altLang="en-US" dirty="0"/>
-                <a:t>振舞設計</a:t>
-              </a:r>
-              <a:r>
-                <a:rPr kumimoji="1" lang="ja-JP" altLang="en-US" dirty="0"/>
-                <a:t> </a:t>
-              </a:r>
-              <a:r>
-                <a:rPr kumimoji="1" lang="en-US" altLang="ja-JP" dirty="0"/>
-                <a:t>(</a:t>
-              </a:r>
-              <a:r>
-                <a:rPr lang="ja-JP" altLang="en-US" dirty="0"/>
-                <a:t>タスク</a:t>
-              </a:r>
-              <a:r>
-                <a:rPr kumimoji="1" lang="en-US" altLang="ja-JP" dirty="0"/>
-                <a:t>)</a:t>
-              </a:r>
-            </a:p>
-          </p:txBody>
-        </p:sp>
-      </p:grpSp>
-      <p:grpSp>
-        <p:nvGrpSpPr>
           <p:cNvPr id="9" name="グループ化 8"/>
           <p:cNvGrpSpPr/>
           <p:nvPr/>
@@ -14515,6 +14235,3089 @@
           </a:prstGeom>
         </p:spPr>
       </p:pic>
+      <p:grpSp>
+        <p:nvGrpSpPr>
+          <p:cNvPr id="18" name="グループ化 17"/>
+          <p:cNvGrpSpPr/>
+          <p:nvPr/>
+        </p:nvGrpSpPr>
+        <p:grpSpPr>
+          <a:xfrm>
+            <a:off x="70843" y="5561930"/>
+            <a:ext cx="6696744" cy="5040560"/>
+            <a:chOff x="276561" y="114972"/>
+            <a:chExt cx="11638878" cy="6628056"/>
+          </a:xfrm>
+        </p:grpSpPr>
+        <p:sp>
+          <p:nvSpPr>
+            <p:cNvPr id="19" name="正方形/長方形 18"/>
+            <p:cNvSpPr/>
+            <p:nvPr/>
+          </p:nvSpPr>
+          <p:spPr>
+            <a:xfrm>
+              <a:off x="276561" y="114972"/>
+              <a:ext cx="11638878" cy="6628056"/>
+            </a:xfrm>
+            <a:prstGeom prst="rect">
+              <a:avLst/>
+            </a:prstGeom>
+            <a:noFill/>
+            <a:ln w="57150">
+              <a:solidFill>
+                <a:srgbClr val="207178"/>
+              </a:solidFill>
+            </a:ln>
+          </p:spPr>
+          <p:style>
+            <a:lnRef idx="2">
+              <a:schemeClr val="accent1">
+                <a:shade val="50000"/>
+              </a:schemeClr>
+            </a:lnRef>
+            <a:fillRef idx="1">
+              <a:schemeClr val="accent1"/>
+            </a:fillRef>
+            <a:effectRef idx="0">
+              <a:schemeClr val="accent1"/>
+            </a:effectRef>
+            <a:fontRef idx="minor">
+              <a:schemeClr val="lt1"/>
+            </a:fontRef>
+          </p:style>
+          <p:txBody>
+            <a:bodyPr rtlCol="0" anchor="ctr"/>
+            <a:lstStyle>
+              <a:defPPr>
+                <a:defRPr lang="ja-JP"/>
+              </a:defPPr>
+              <a:lvl1pPr marL="0" algn="l" defTabSz="914400" rtl="0" eaLnBrk="1" latinLnBrk="0" hangingPunct="1">
+                <a:defRPr kumimoji="1" sz="1800" kern="1200">
+                  <a:solidFill>
+                    <a:schemeClr val="lt1"/>
+                  </a:solidFill>
+                  <a:latin typeface="+mn-lt"/>
+                  <a:ea typeface="+mn-ea"/>
+                  <a:cs typeface="+mn-cs"/>
+                </a:defRPr>
+              </a:lvl1pPr>
+              <a:lvl2pPr marL="457200" algn="l" defTabSz="914400" rtl="0" eaLnBrk="1" latinLnBrk="0" hangingPunct="1">
+                <a:defRPr kumimoji="1" sz="1800" kern="1200">
+                  <a:solidFill>
+                    <a:schemeClr val="lt1"/>
+                  </a:solidFill>
+                  <a:latin typeface="+mn-lt"/>
+                  <a:ea typeface="+mn-ea"/>
+                  <a:cs typeface="+mn-cs"/>
+                </a:defRPr>
+              </a:lvl2pPr>
+              <a:lvl3pPr marL="914400" algn="l" defTabSz="914400" rtl="0" eaLnBrk="1" latinLnBrk="0" hangingPunct="1">
+                <a:defRPr kumimoji="1" sz="1800" kern="1200">
+                  <a:solidFill>
+                    <a:schemeClr val="lt1"/>
+                  </a:solidFill>
+                  <a:latin typeface="+mn-lt"/>
+                  <a:ea typeface="+mn-ea"/>
+                  <a:cs typeface="+mn-cs"/>
+                </a:defRPr>
+              </a:lvl3pPr>
+              <a:lvl4pPr marL="1371600" algn="l" defTabSz="914400" rtl="0" eaLnBrk="1" latinLnBrk="0" hangingPunct="1">
+                <a:defRPr kumimoji="1" sz="1800" kern="1200">
+                  <a:solidFill>
+                    <a:schemeClr val="lt1"/>
+                  </a:solidFill>
+                  <a:latin typeface="+mn-lt"/>
+                  <a:ea typeface="+mn-ea"/>
+                  <a:cs typeface="+mn-cs"/>
+                </a:defRPr>
+              </a:lvl4pPr>
+              <a:lvl5pPr marL="1828800" algn="l" defTabSz="914400" rtl="0" eaLnBrk="1" latinLnBrk="0" hangingPunct="1">
+                <a:defRPr kumimoji="1" sz="1800" kern="1200">
+                  <a:solidFill>
+                    <a:schemeClr val="lt1"/>
+                  </a:solidFill>
+                  <a:latin typeface="+mn-lt"/>
+                  <a:ea typeface="+mn-ea"/>
+                  <a:cs typeface="+mn-cs"/>
+                </a:defRPr>
+              </a:lvl5pPr>
+              <a:lvl6pPr marL="2286000" algn="l" defTabSz="914400" rtl="0" eaLnBrk="1" latinLnBrk="0" hangingPunct="1">
+                <a:defRPr kumimoji="1" sz="1800" kern="1200">
+                  <a:solidFill>
+                    <a:schemeClr val="lt1"/>
+                  </a:solidFill>
+                  <a:latin typeface="+mn-lt"/>
+                  <a:ea typeface="+mn-ea"/>
+                  <a:cs typeface="+mn-cs"/>
+                </a:defRPr>
+              </a:lvl6pPr>
+              <a:lvl7pPr marL="2743200" algn="l" defTabSz="914400" rtl="0" eaLnBrk="1" latinLnBrk="0" hangingPunct="1">
+                <a:defRPr kumimoji="1" sz="1800" kern="1200">
+                  <a:solidFill>
+                    <a:schemeClr val="lt1"/>
+                  </a:solidFill>
+                  <a:latin typeface="+mn-lt"/>
+                  <a:ea typeface="+mn-ea"/>
+                  <a:cs typeface="+mn-cs"/>
+                </a:defRPr>
+              </a:lvl7pPr>
+              <a:lvl8pPr marL="3200400" algn="l" defTabSz="914400" rtl="0" eaLnBrk="1" latinLnBrk="0" hangingPunct="1">
+                <a:defRPr kumimoji="1" sz="1800" kern="1200">
+                  <a:solidFill>
+                    <a:schemeClr val="lt1"/>
+                  </a:solidFill>
+                  <a:latin typeface="+mn-lt"/>
+                  <a:ea typeface="+mn-ea"/>
+                  <a:cs typeface="+mn-cs"/>
+                </a:defRPr>
+              </a:lvl8pPr>
+              <a:lvl9pPr marL="3657600" algn="l" defTabSz="914400" rtl="0" eaLnBrk="1" latinLnBrk="0" hangingPunct="1">
+                <a:defRPr kumimoji="1" sz="1800" kern="1200">
+                  <a:solidFill>
+                    <a:schemeClr val="lt1"/>
+                  </a:solidFill>
+                  <a:latin typeface="+mn-lt"/>
+                  <a:ea typeface="+mn-ea"/>
+                  <a:cs typeface="+mn-cs"/>
+                </a:defRPr>
+              </a:lvl9pPr>
+            </a:lstStyle>
+            <a:p>
+              <a:pPr algn="ctr"/>
+              <a:endParaRPr kumimoji="1" lang="ja-JP" altLang="en-US"/>
+            </a:p>
+          </p:txBody>
+        </p:sp>
+        <p:sp>
+          <p:nvSpPr>
+            <p:cNvPr id="20" name="正方形/長方形 19"/>
+            <p:cNvSpPr/>
+            <p:nvPr/>
+          </p:nvSpPr>
+          <p:spPr>
+            <a:xfrm>
+              <a:off x="276561" y="114974"/>
+              <a:ext cx="11638878" cy="499924"/>
+            </a:xfrm>
+            <a:prstGeom prst="rect">
+              <a:avLst/>
+            </a:prstGeom>
+            <a:solidFill>
+              <a:srgbClr val="207178"/>
+            </a:solidFill>
+            <a:ln w="57150">
+              <a:solidFill>
+                <a:srgbClr val="207178"/>
+              </a:solidFill>
+            </a:ln>
+          </p:spPr>
+          <p:style>
+            <a:lnRef idx="2">
+              <a:schemeClr val="accent1">
+                <a:shade val="50000"/>
+              </a:schemeClr>
+            </a:lnRef>
+            <a:fillRef idx="1">
+              <a:schemeClr val="accent1"/>
+            </a:fillRef>
+            <a:effectRef idx="0">
+              <a:schemeClr val="accent1"/>
+            </a:effectRef>
+            <a:fontRef idx="minor">
+              <a:schemeClr val="lt1"/>
+            </a:fontRef>
+          </p:style>
+          <p:txBody>
+            <a:bodyPr rtlCol="0" anchor="ctr"/>
+            <a:lstStyle>
+              <a:defPPr>
+                <a:defRPr lang="ja-JP"/>
+              </a:defPPr>
+              <a:lvl1pPr marL="0" algn="l" defTabSz="914400" rtl="0" eaLnBrk="1" latinLnBrk="0" hangingPunct="1">
+                <a:defRPr kumimoji="1" sz="1800" kern="1200">
+                  <a:solidFill>
+                    <a:schemeClr val="lt1"/>
+                  </a:solidFill>
+                  <a:latin typeface="+mn-lt"/>
+                  <a:ea typeface="+mn-ea"/>
+                  <a:cs typeface="+mn-cs"/>
+                </a:defRPr>
+              </a:lvl1pPr>
+              <a:lvl2pPr marL="457200" algn="l" defTabSz="914400" rtl="0" eaLnBrk="1" latinLnBrk="0" hangingPunct="1">
+                <a:defRPr kumimoji="1" sz="1800" kern="1200">
+                  <a:solidFill>
+                    <a:schemeClr val="lt1"/>
+                  </a:solidFill>
+                  <a:latin typeface="+mn-lt"/>
+                  <a:ea typeface="+mn-ea"/>
+                  <a:cs typeface="+mn-cs"/>
+                </a:defRPr>
+              </a:lvl2pPr>
+              <a:lvl3pPr marL="914400" algn="l" defTabSz="914400" rtl="0" eaLnBrk="1" latinLnBrk="0" hangingPunct="1">
+                <a:defRPr kumimoji="1" sz="1800" kern="1200">
+                  <a:solidFill>
+                    <a:schemeClr val="lt1"/>
+                  </a:solidFill>
+                  <a:latin typeface="+mn-lt"/>
+                  <a:ea typeface="+mn-ea"/>
+                  <a:cs typeface="+mn-cs"/>
+                </a:defRPr>
+              </a:lvl3pPr>
+              <a:lvl4pPr marL="1371600" algn="l" defTabSz="914400" rtl="0" eaLnBrk="1" latinLnBrk="0" hangingPunct="1">
+                <a:defRPr kumimoji="1" sz="1800" kern="1200">
+                  <a:solidFill>
+                    <a:schemeClr val="lt1"/>
+                  </a:solidFill>
+                  <a:latin typeface="+mn-lt"/>
+                  <a:ea typeface="+mn-ea"/>
+                  <a:cs typeface="+mn-cs"/>
+                </a:defRPr>
+              </a:lvl4pPr>
+              <a:lvl5pPr marL="1828800" algn="l" defTabSz="914400" rtl="0" eaLnBrk="1" latinLnBrk="0" hangingPunct="1">
+                <a:defRPr kumimoji="1" sz="1800" kern="1200">
+                  <a:solidFill>
+                    <a:schemeClr val="lt1"/>
+                  </a:solidFill>
+                  <a:latin typeface="+mn-lt"/>
+                  <a:ea typeface="+mn-ea"/>
+                  <a:cs typeface="+mn-cs"/>
+                </a:defRPr>
+              </a:lvl5pPr>
+              <a:lvl6pPr marL="2286000" algn="l" defTabSz="914400" rtl="0" eaLnBrk="1" latinLnBrk="0" hangingPunct="1">
+                <a:defRPr kumimoji="1" sz="1800" kern="1200">
+                  <a:solidFill>
+                    <a:schemeClr val="lt1"/>
+                  </a:solidFill>
+                  <a:latin typeface="+mn-lt"/>
+                  <a:ea typeface="+mn-ea"/>
+                  <a:cs typeface="+mn-cs"/>
+                </a:defRPr>
+              </a:lvl6pPr>
+              <a:lvl7pPr marL="2743200" algn="l" defTabSz="914400" rtl="0" eaLnBrk="1" latinLnBrk="0" hangingPunct="1">
+                <a:defRPr kumimoji="1" sz="1800" kern="1200">
+                  <a:solidFill>
+                    <a:schemeClr val="lt1"/>
+                  </a:solidFill>
+                  <a:latin typeface="+mn-lt"/>
+                  <a:ea typeface="+mn-ea"/>
+                  <a:cs typeface="+mn-cs"/>
+                </a:defRPr>
+              </a:lvl7pPr>
+              <a:lvl8pPr marL="3200400" algn="l" defTabSz="914400" rtl="0" eaLnBrk="1" latinLnBrk="0" hangingPunct="1">
+                <a:defRPr kumimoji="1" sz="1800" kern="1200">
+                  <a:solidFill>
+                    <a:schemeClr val="lt1"/>
+                  </a:solidFill>
+                  <a:latin typeface="+mn-lt"/>
+                  <a:ea typeface="+mn-ea"/>
+                  <a:cs typeface="+mn-cs"/>
+                </a:defRPr>
+              </a:lvl8pPr>
+              <a:lvl9pPr marL="3657600" algn="l" defTabSz="914400" rtl="0" eaLnBrk="1" latinLnBrk="0" hangingPunct="1">
+                <a:defRPr kumimoji="1" sz="1800" kern="1200">
+                  <a:solidFill>
+                    <a:schemeClr val="lt1"/>
+                  </a:solidFill>
+                  <a:latin typeface="+mn-lt"/>
+                  <a:ea typeface="+mn-ea"/>
+                  <a:cs typeface="+mn-cs"/>
+                </a:defRPr>
+              </a:lvl9pPr>
+            </a:lstStyle>
+            <a:p>
+              <a:r>
+                <a:rPr kumimoji="1" lang="en-US" altLang="ja-JP" dirty="0" smtClean="0"/>
+                <a:t>3.</a:t>
+              </a:r>
+              <a:r>
+                <a:rPr lang="en-US" altLang="ja-JP" dirty="0" smtClean="0"/>
+                <a:t>5</a:t>
+              </a:r>
+              <a:r>
+                <a:rPr kumimoji="1" lang="en-US" altLang="ja-JP" dirty="0" smtClean="0"/>
+                <a:t> </a:t>
+              </a:r>
+              <a:r>
+                <a:rPr lang="ja-JP" altLang="en-US" dirty="0" smtClean="0"/>
+                <a:t>振舞設計</a:t>
+              </a:r>
+              <a:r>
+                <a:rPr kumimoji="1" lang="ja-JP" altLang="en-US" dirty="0" smtClean="0"/>
+                <a:t> </a:t>
+              </a:r>
+              <a:r>
+                <a:rPr kumimoji="1" lang="en-US" altLang="ja-JP" dirty="0" smtClean="0"/>
+                <a:t>(</a:t>
+              </a:r>
+              <a:r>
+                <a:rPr lang="ja-JP" altLang="en-US" dirty="0"/>
+                <a:t>タスク</a:t>
+              </a:r>
+              <a:r>
+                <a:rPr kumimoji="1" lang="en-US" altLang="ja-JP" dirty="0" smtClean="0"/>
+                <a:t>)</a:t>
+              </a:r>
+            </a:p>
+          </p:txBody>
+        </p:sp>
+      </p:grpSp>
+      <p:graphicFrame>
+        <p:nvGraphicFramePr>
+          <p:cNvPr id="21" name="表 20"/>
+          <p:cNvGraphicFramePr>
+            <a:graphicFrameLocks noGrp="1"/>
+          </p:cNvGraphicFramePr>
+          <p:nvPr>
+            <p:extLst>
+              <p:ext uri="{D42A27DB-BD31-4B8C-83A1-F6EECF244321}">
+                <p14:modId xmlns:p14="http://schemas.microsoft.com/office/powerpoint/2010/main" val="1729610184"/>
+              </p:ext>
+            </p:extLst>
+          </p:nvPr>
+        </p:nvGraphicFramePr>
+        <p:xfrm>
+          <a:off x="210550" y="6729986"/>
+          <a:ext cx="6442038" cy="3482640"/>
+        </p:xfrm>
+        <a:graphic>
+          <a:graphicData uri="http://schemas.openxmlformats.org/drawingml/2006/table">
+            <a:tbl>
+              <a:tblPr firstRow="1" bandRow="1">
+                <a:tableStyleId>{5C22544A-7EE6-4342-B048-85BDC9FD1C3A}</a:tableStyleId>
+              </a:tblPr>
+              <a:tblGrid>
+                <a:gridCol w="524505">
+                  <a:extLst>
+                    <a:ext uri="{9D8B030D-6E8A-4147-A177-3AD203B41FA5}">
+                      <a16:colId xmlns:a16="http://schemas.microsoft.com/office/drawing/2014/main" val="1187037319"/>
+                    </a:ext>
+                  </a:extLst>
+                </a:gridCol>
+                <a:gridCol w="847956">
+                  <a:extLst>
+                    <a:ext uri="{9D8B030D-6E8A-4147-A177-3AD203B41FA5}">
+                      <a16:colId xmlns:a16="http://schemas.microsoft.com/office/drawing/2014/main" val="1092245553"/>
+                    </a:ext>
+                  </a:extLst>
+                </a:gridCol>
+                <a:gridCol w="432048">
+                  <a:extLst>
+                    <a:ext uri="{9D8B030D-6E8A-4147-A177-3AD203B41FA5}">
+                      <a16:colId xmlns:a16="http://schemas.microsoft.com/office/drawing/2014/main" val="209056306"/>
+                    </a:ext>
+                  </a:extLst>
+                </a:gridCol>
+                <a:gridCol w="641272">
+                  <a:extLst>
+                    <a:ext uri="{9D8B030D-6E8A-4147-A177-3AD203B41FA5}">
+                      <a16:colId xmlns:a16="http://schemas.microsoft.com/office/drawing/2014/main" val="795080718"/>
+                    </a:ext>
+                  </a:extLst>
+                </a:gridCol>
+                <a:gridCol w="2734667">
+                  <a:extLst>
+                    <a:ext uri="{9D8B030D-6E8A-4147-A177-3AD203B41FA5}">
+                      <a16:colId xmlns:a16="http://schemas.microsoft.com/office/drawing/2014/main" val="1785281761"/>
+                    </a:ext>
+                  </a:extLst>
+                </a:gridCol>
+                <a:gridCol w="1261590">
+                  <a:extLst>
+                    <a:ext uri="{9D8B030D-6E8A-4147-A177-3AD203B41FA5}">
+                      <a16:colId xmlns:a16="http://schemas.microsoft.com/office/drawing/2014/main" val="439333586"/>
+                    </a:ext>
+                  </a:extLst>
+                </a:gridCol>
+              </a:tblGrid>
+              <a:tr h="332660">
+                <a:tc>
+                  <a:txBody>
+                    <a:bodyPr/>
+                    <a:lstStyle/>
+                    <a:p>
+                      <a:pPr algn="ctr"/>
+                      <a:r>
+                        <a:rPr kumimoji="1" lang="ja-JP" altLang="en-US" sz="1200" b="0" dirty="0" smtClean="0"/>
+                        <a:t>装置</a:t>
+                      </a:r>
+                      <a:endParaRPr kumimoji="1" lang="ja-JP" altLang="en-US" sz="1200" b="0" dirty="0"/>
+                    </a:p>
+                  </a:txBody>
+                  <a:tcPr anchor="ctr">
+                    <a:lnL w="12700" cap="flat" cmpd="sng" algn="ctr">
+                      <a:solidFill>
+                        <a:schemeClr val="tx1"/>
+                      </a:solidFill>
+                      <a:prstDash val="solid"/>
+                      <a:round/>
+                      <a:headEnd type="none" w="med" len="med"/>
+                      <a:tailEnd type="none" w="med" len="med"/>
+                    </a:lnL>
+                    <a:lnR w="12700" cap="flat" cmpd="sng" algn="ctr">
+                      <a:solidFill>
+                        <a:schemeClr val="tx1"/>
+                      </a:solidFill>
+                      <a:prstDash val="solid"/>
+                      <a:round/>
+                      <a:headEnd type="none" w="med" len="med"/>
+                      <a:tailEnd type="none" w="med" len="med"/>
+                    </a:lnR>
+                    <a:lnT w="12700" cap="flat" cmpd="sng" algn="ctr">
+                      <a:solidFill>
+                        <a:schemeClr val="tx1"/>
+                      </a:solidFill>
+                      <a:prstDash val="solid"/>
+                      <a:round/>
+                      <a:headEnd type="none" w="med" len="med"/>
+                      <a:tailEnd type="none" w="med" len="med"/>
+                    </a:lnT>
+                    <a:lnB w="12700" cap="flat" cmpd="sng" algn="ctr">
+                      <a:solidFill>
+                        <a:schemeClr val="tx1"/>
+                      </a:solidFill>
+                      <a:prstDash val="solid"/>
+                      <a:round/>
+                      <a:headEnd type="none" w="med" len="med"/>
+                      <a:tailEnd type="none" w="med" len="med"/>
+                    </a:lnB>
+                    <a:solidFill>
+                      <a:srgbClr val="207178"/>
+                    </a:solidFill>
+                  </a:tcPr>
+                </a:tc>
+                <a:tc>
+                  <a:txBody>
+                    <a:bodyPr/>
+                    <a:lstStyle/>
+                    <a:p>
+                      <a:pPr algn="ctr"/>
+                      <a:r>
+                        <a:rPr kumimoji="1" lang="ja-JP" altLang="en-US" sz="1200" b="0" dirty="0" smtClean="0"/>
+                        <a:t>タスク</a:t>
+                      </a:r>
+                      <a:endParaRPr kumimoji="1" lang="ja-JP" altLang="en-US" sz="1200" b="0" dirty="0"/>
+                    </a:p>
+                  </a:txBody>
+                  <a:tcPr anchor="ctr">
+                    <a:lnL w="12700" cap="flat" cmpd="sng" algn="ctr">
+                      <a:solidFill>
+                        <a:schemeClr val="tx1"/>
+                      </a:solidFill>
+                      <a:prstDash val="solid"/>
+                      <a:round/>
+                      <a:headEnd type="none" w="med" len="med"/>
+                      <a:tailEnd type="none" w="med" len="med"/>
+                    </a:lnL>
+                    <a:lnR w="12700" cap="flat" cmpd="sng" algn="ctr">
+                      <a:solidFill>
+                        <a:schemeClr val="tx1"/>
+                      </a:solidFill>
+                      <a:prstDash val="solid"/>
+                      <a:round/>
+                      <a:headEnd type="none" w="med" len="med"/>
+                      <a:tailEnd type="none" w="med" len="med"/>
+                    </a:lnR>
+                    <a:lnT w="12700" cap="flat" cmpd="sng" algn="ctr">
+                      <a:solidFill>
+                        <a:schemeClr val="tx1"/>
+                      </a:solidFill>
+                      <a:prstDash val="solid"/>
+                      <a:round/>
+                      <a:headEnd type="none" w="med" len="med"/>
+                      <a:tailEnd type="none" w="med" len="med"/>
+                    </a:lnT>
+                    <a:lnB w="12700" cap="flat" cmpd="sng" algn="ctr">
+                      <a:solidFill>
+                        <a:schemeClr val="tx1"/>
+                      </a:solidFill>
+                      <a:prstDash val="solid"/>
+                      <a:round/>
+                      <a:headEnd type="none" w="med" len="med"/>
+                      <a:tailEnd type="none" w="med" len="med"/>
+                    </a:lnB>
+                    <a:solidFill>
+                      <a:srgbClr val="207178"/>
+                    </a:solidFill>
+                  </a:tcPr>
+                </a:tc>
+                <a:tc>
+                  <a:txBody>
+                    <a:bodyPr/>
+                    <a:lstStyle/>
+                    <a:p>
+                      <a:pPr algn="ctr"/>
+                      <a:r>
+                        <a:rPr kumimoji="1" lang="ja-JP" altLang="en-US" sz="1200" b="0" dirty="0" smtClean="0"/>
+                        <a:t>周期</a:t>
+                      </a:r>
+                      <a:endParaRPr kumimoji="1" lang="ja-JP" altLang="en-US" sz="1200" b="0" dirty="0"/>
+                    </a:p>
+                  </a:txBody>
+                  <a:tcPr anchor="ctr">
+                    <a:lnL w="12700" cap="flat" cmpd="sng" algn="ctr">
+                      <a:solidFill>
+                        <a:schemeClr val="tx1"/>
+                      </a:solidFill>
+                      <a:prstDash val="solid"/>
+                      <a:round/>
+                      <a:headEnd type="none" w="med" len="med"/>
+                      <a:tailEnd type="none" w="med" len="med"/>
+                    </a:lnL>
+                    <a:lnR w="12700" cap="flat" cmpd="sng" algn="ctr">
+                      <a:solidFill>
+                        <a:schemeClr val="tx1"/>
+                      </a:solidFill>
+                      <a:prstDash val="solid"/>
+                      <a:round/>
+                      <a:headEnd type="none" w="med" len="med"/>
+                      <a:tailEnd type="none" w="med" len="med"/>
+                    </a:lnR>
+                    <a:lnT w="12700" cap="flat" cmpd="sng" algn="ctr">
+                      <a:solidFill>
+                        <a:schemeClr val="tx1"/>
+                      </a:solidFill>
+                      <a:prstDash val="solid"/>
+                      <a:round/>
+                      <a:headEnd type="none" w="med" len="med"/>
+                      <a:tailEnd type="none" w="med" len="med"/>
+                    </a:lnT>
+                    <a:lnB w="12700" cap="flat" cmpd="sng" algn="ctr">
+                      <a:solidFill>
+                        <a:schemeClr val="tx1"/>
+                      </a:solidFill>
+                      <a:prstDash val="solid"/>
+                      <a:round/>
+                      <a:headEnd type="none" w="med" len="med"/>
+                      <a:tailEnd type="none" w="med" len="med"/>
+                    </a:lnB>
+                    <a:solidFill>
+                      <a:srgbClr val="207178"/>
+                    </a:solidFill>
+                  </a:tcPr>
+                </a:tc>
+                <a:tc>
+                  <a:txBody>
+                    <a:bodyPr/>
+                    <a:lstStyle/>
+                    <a:p>
+                      <a:pPr algn="ctr"/>
+                      <a:r>
+                        <a:rPr kumimoji="1" lang="ja-JP" altLang="en-US" sz="1200" b="0" dirty="0" smtClean="0"/>
+                        <a:t>優先度</a:t>
+                      </a:r>
+                      <a:endParaRPr kumimoji="1" lang="ja-JP" altLang="en-US" sz="1200" b="0" dirty="0"/>
+                    </a:p>
+                  </a:txBody>
+                  <a:tcPr anchor="ctr">
+                    <a:lnL w="12700" cap="flat" cmpd="sng" algn="ctr">
+                      <a:solidFill>
+                        <a:schemeClr val="tx1"/>
+                      </a:solidFill>
+                      <a:prstDash val="solid"/>
+                      <a:round/>
+                      <a:headEnd type="none" w="med" len="med"/>
+                      <a:tailEnd type="none" w="med" len="med"/>
+                    </a:lnL>
+                    <a:lnR w="12700" cap="flat" cmpd="sng" algn="ctr">
+                      <a:solidFill>
+                        <a:schemeClr val="tx1"/>
+                      </a:solidFill>
+                      <a:prstDash val="solid"/>
+                      <a:round/>
+                      <a:headEnd type="none" w="med" len="med"/>
+                      <a:tailEnd type="none" w="med" len="med"/>
+                    </a:lnR>
+                    <a:lnT w="12700" cap="flat" cmpd="sng" algn="ctr">
+                      <a:solidFill>
+                        <a:schemeClr val="tx1"/>
+                      </a:solidFill>
+                      <a:prstDash val="solid"/>
+                      <a:round/>
+                      <a:headEnd type="none" w="med" len="med"/>
+                      <a:tailEnd type="none" w="med" len="med"/>
+                    </a:lnT>
+                    <a:lnB w="12700" cap="flat" cmpd="sng" algn="ctr">
+                      <a:solidFill>
+                        <a:schemeClr val="tx1"/>
+                      </a:solidFill>
+                      <a:prstDash val="solid"/>
+                      <a:round/>
+                      <a:headEnd type="none" w="med" len="med"/>
+                      <a:tailEnd type="none" w="med" len="med"/>
+                    </a:lnB>
+                    <a:solidFill>
+                      <a:srgbClr val="207178"/>
+                    </a:solidFill>
+                  </a:tcPr>
+                </a:tc>
+                <a:tc>
+                  <a:txBody>
+                    <a:bodyPr/>
+                    <a:lstStyle/>
+                    <a:p>
+                      <a:pPr algn="ctr"/>
+                      <a:r>
+                        <a:rPr kumimoji="1" lang="ja-JP" altLang="en-US" sz="1200" b="0" dirty="0" smtClean="0"/>
+                        <a:t>役割</a:t>
+                      </a:r>
+                      <a:endParaRPr kumimoji="1" lang="ja-JP" altLang="en-US" sz="1200" b="0" dirty="0"/>
+                    </a:p>
+                  </a:txBody>
+                  <a:tcPr anchor="ctr">
+                    <a:lnL w="12700" cap="flat" cmpd="sng" algn="ctr">
+                      <a:solidFill>
+                        <a:schemeClr val="tx1"/>
+                      </a:solidFill>
+                      <a:prstDash val="solid"/>
+                      <a:round/>
+                      <a:headEnd type="none" w="med" len="med"/>
+                      <a:tailEnd type="none" w="med" len="med"/>
+                    </a:lnL>
+                    <a:lnR w="12700" cap="flat" cmpd="sng" algn="ctr">
+                      <a:solidFill>
+                        <a:schemeClr val="tx1"/>
+                      </a:solidFill>
+                      <a:prstDash val="solid"/>
+                      <a:round/>
+                      <a:headEnd type="none" w="med" len="med"/>
+                      <a:tailEnd type="none" w="med" len="med"/>
+                    </a:lnR>
+                    <a:lnT w="12700" cap="flat" cmpd="sng" algn="ctr">
+                      <a:solidFill>
+                        <a:schemeClr val="tx1"/>
+                      </a:solidFill>
+                      <a:prstDash val="solid"/>
+                      <a:round/>
+                      <a:headEnd type="none" w="med" len="med"/>
+                      <a:tailEnd type="none" w="med" len="med"/>
+                    </a:lnT>
+                    <a:lnB w="12700" cap="flat" cmpd="sng" algn="ctr">
+                      <a:solidFill>
+                        <a:schemeClr val="tx1"/>
+                      </a:solidFill>
+                      <a:prstDash val="solid"/>
+                      <a:round/>
+                      <a:headEnd type="none" w="med" len="med"/>
+                      <a:tailEnd type="none" w="med" len="med"/>
+                    </a:lnB>
+                    <a:solidFill>
+                      <a:srgbClr val="207178"/>
+                    </a:solidFill>
+                  </a:tcPr>
+                </a:tc>
+                <a:tc>
+                  <a:txBody>
+                    <a:bodyPr/>
+                    <a:lstStyle/>
+                    <a:p>
+                      <a:pPr algn="ctr"/>
+                      <a:r>
+                        <a:rPr kumimoji="1" lang="ja-JP" altLang="en-US" sz="1200" b="0" dirty="0" smtClean="0"/>
+                        <a:t>実行</a:t>
+                      </a:r>
+                      <a:endParaRPr kumimoji="1" lang="en-US" altLang="ja-JP" sz="1200" b="0" dirty="0" smtClean="0"/>
+                    </a:p>
+                    <a:p>
+                      <a:pPr algn="ctr"/>
+                      <a:r>
+                        <a:rPr kumimoji="1" lang="ja-JP" altLang="en-US" sz="1200" b="0" dirty="0" smtClean="0"/>
+                        <a:t>パッケージ</a:t>
+                      </a:r>
+                      <a:endParaRPr kumimoji="1" lang="ja-JP" altLang="en-US" sz="1200" b="0" dirty="0"/>
+                    </a:p>
+                  </a:txBody>
+                  <a:tcPr anchor="ctr">
+                    <a:lnL w="12700" cap="flat" cmpd="sng" algn="ctr">
+                      <a:solidFill>
+                        <a:schemeClr val="tx1"/>
+                      </a:solidFill>
+                      <a:prstDash val="solid"/>
+                      <a:round/>
+                      <a:headEnd type="none" w="med" len="med"/>
+                      <a:tailEnd type="none" w="med" len="med"/>
+                    </a:lnL>
+                    <a:lnR w="12700" cap="flat" cmpd="sng" algn="ctr">
+                      <a:solidFill>
+                        <a:schemeClr val="tx1"/>
+                      </a:solidFill>
+                      <a:prstDash val="solid"/>
+                      <a:round/>
+                      <a:headEnd type="none" w="med" len="med"/>
+                      <a:tailEnd type="none" w="med" len="med"/>
+                    </a:lnR>
+                    <a:lnT w="12700" cap="flat" cmpd="sng" algn="ctr">
+                      <a:solidFill>
+                        <a:schemeClr val="tx1"/>
+                      </a:solidFill>
+                      <a:prstDash val="solid"/>
+                      <a:round/>
+                      <a:headEnd type="none" w="med" len="med"/>
+                      <a:tailEnd type="none" w="med" len="med"/>
+                    </a:lnT>
+                    <a:lnB w="12700" cap="flat" cmpd="sng" algn="ctr">
+                      <a:solidFill>
+                        <a:schemeClr val="tx1"/>
+                      </a:solidFill>
+                      <a:prstDash val="solid"/>
+                      <a:round/>
+                      <a:headEnd type="none" w="med" len="med"/>
+                      <a:tailEnd type="none" w="med" len="med"/>
+                    </a:lnB>
+                    <a:solidFill>
+                      <a:srgbClr val="207178"/>
+                    </a:solidFill>
+                  </a:tcPr>
+                </a:tc>
+                <a:extLst>
+                  <a:ext uri="{0D108BD9-81ED-4DB2-BD59-A6C34878D82A}">
+                    <a16:rowId xmlns:a16="http://schemas.microsoft.com/office/drawing/2014/main" val="3469598923"/>
+                  </a:ext>
+                </a:extLst>
+              </a:tr>
+              <a:tr h="0">
+                <a:tc rowSpan="3">
+                  <a:txBody>
+                    <a:bodyPr/>
+                    <a:lstStyle/>
+                    <a:p>
+                      <a:pPr algn="ctr"/>
+                      <a:r>
+                        <a:rPr kumimoji="1" lang="ja-JP" altLang="en-US" sz="1050" b="0" dirty="0" smtClean="0"/>
+                        <a:t>走行体</a:t>
+                      </a:r>
+                      <a:endParaRPr kumimoji="1" lang="ja-JP" altLang="en-US" sz="1050" b="0" dirty="0"/>
+                    </a:p>
+                  </a:txBody>
+                  <a:tcPr vert="wordArtVertRtl" anchor="ctr">
+                    <a:lnL w="12700" cap="flat" cmpd="sng" algn="ctr">
+                      <a:solidFill>
+                        <a:schemeClr val="tx1"/>
+                      </a:solidFill>
+                      <a:prstDash val="solid"/>
+                      <a:round/>
+                      <a:headEnd type="none" w="med" len="med"/>
+                      <a:tailEnd type="none" w="med" len="med"/>
+                    </a:lnL>
+                    <a:lnR w="12700" cap="flat" cmpd="sng" algn="ctr">
+                      <a:solidFill>
+                        <a:schemeClr val="tx1"/>
+                      </a:solidFill>
+                      <a:prstDash val="solid"/>
+                      <a:round/>
+                      <a:headEnd type="none" w="med" len="med"/>
+                      <a:tailEnd type="none" w="med" len="med"/>
+                    </a:lnR>
+                    <a:lnT w="12700" cap="flat" cmpd="sng" algn="ctr">
+                      <a:solidFill>
+                        <a:schemeClr val="tx1"/>
+                      </a:solidFill>
+                      <a:prstDash val="solid"/>
+                      <a:round/>
+                      <a:headEnd type="none" w="med" len="med"/>
+                      <a:tailEnd type="none" w="med" len="med"/>
+                    </a:lnT>
+                    <a:lnB w="12700" cap="flat" cmpd="sng" algn="ctr">
+                      <a:solidFill>
+                        <a:schemeClr val="tx1"/>
+                      </a:solidFill>
+                      <a:prstDash val="solid"/>
+                      <a:round/>
+                      <a:headEnd type="none" w="med" len="med"/>
+                      <a:tailEnd type="none" w="med" len="med"/>
+                    </a:lnB>
+                    <a:solidFill>
+                      <a:schemeClr val="bg1"/>
+                    </a:solidFill>
+                  </a:tcPr>
+                </a:tc>
+                <a:tc>
+                  <a:txBody>
+                    <a:bodyPr/>
+                    <a:lstStyle/>
+                    <a:p>
+                      <a:pPr algn="ctr"/>
+                      <a:r>
+                        <a:rPr kumimoji="1" lang="ja-JP" altLang="en-US" sz="1050" b="0" dirty="0" smtClean="0"/>
+                        <a:t>起動</a:t>
+                      </a:r>
+                      <a:endParaRPr kumimoji="1" lang="en-US" altLang="ja-JP" sz="1050" b="0" dirty="0" smtClean="0"/>
+                    </a:p>
+                    <a:p>
+                      <a:pPr algn="ctr"/>
+                      <a:r>
+                        <a:rPr kumimoji="1" lang="ja-JP" altLang="en-US" sz="1050" b="0" dirty="0" smtClean="0"/>
+                        <a:t>タスク</a:t>
+                      </a:r>
+                      <a:endParaRPr kumimoji="1" lang="ja-JP" altLang="en-US" sz="1050" b="0" dirty="0"/>
+                    </a:p>
+                  </a:txBody>
+                  <a:tcPr anchor="ctr">
+                    <a:lnL w="12700" cap="flat" cmpd="sng" algn="ctr">
+                      <a:solidFill>
+                        <a:schemeClr val="tx1"/>
+                      </a:solidFill>
+                      <a:prstDash val="solid"/>
+                      <a:round/>
+                      <a:headEnd type="none" w="med" len="med"/>
+                      <a:tailEnd type="none" w="med" len="med"/>
+                    </a:lnL>
+                    <a:lnR w="12700" cap="flat" cmpd="sng" algn="ctr">
+                      <a:solidFill>
+                        <a:schemeClr val="tx1"/>
+                      </a:solidFill>
+                      <a:prstDash val="solid"/>
+                      <a:round/>
+                      <a:headEnd type="none" w="med" len="med"/>
+                      <a:tailEnd type="none" w="med" len="med"/>
+                    </a:lnR>
+                    <a:lnT w="12700" cap="flat" cmpd="sng" algn="ctr">
+                      <a:solidFill>
+                        <a:schemeClr val="tx1"/>
+                      </a:solidFill>
+                      <a:prstDash val="solid"/>
+                      <a:round/>
+                      <a:headEnd type="none" w="med" len="med"/>
+                      <a:tailEnd type="none" w="med" len="med"/>
+                    </a:lnT>
+                    <a:lnB w="12700" cap="flat" cmpd="sng" algn="ctr">
+                      <a:solidFill>
+                        <a:schemeClr val="tx1"/>
+                      </a:solidFill>
+                      <a:prstDash val="solid"/>
+                      <a:round/>
+                      <a:headEnd type="none" w="med" len="med"/>
+                      <a:tailEnd type="none" w="med" len="med"/>
+                    </a:lnB>
+                    <a:solidFill>
+                      <a:schemeClr val="bg1"/>
+                    </a:solidFill>
+                  </a:tcPr>
+                </a:tc>
+                <a:tc>
+                  <a:txBody>
+                    <a:bodyPr/>
+                    <a:lstStyle/>
+                    <a:p>
+                      <a:pPr algn="ctr"/>
+                      <a:r>
+                        <a:rPr kumimoji="1" lang="en-US" altLang="ja-JP" sz="1050" b="0" dirty="0" smtClean="0"/>
+                        <a:t>-</a:t>
+                      </a:r>
+                      <a:endParaRPr kumimoji="1" lang="ja-JP" altLang="en-US" sz="1050" b="0" dirty="0"/>
+                    </a:p>
+                  </a:txBody>
+                  <a:tcPr anchor="ctr">
+                    <a:lnL w="12700" cap="flat" cmpd="sng" algn="ctr">
+                      <a:solidFill>
+                        <a:schemeClr val="tx1"/>
+                      </a:solidFill>
+                      <a:prstDash val="solid"/>
+                      <a:round/>
+                      <a:headEnd type="none" w="med" len="med"/>
+                      <a:tailEnd type="none" w="med" len="med"/>
+                    </a:lnL>
+                    <a:lnR w="12700" cap="flat" cmpd="sng" algn="ctr">
+                      <a:solidFill>
+                        <a:schemeClr val="tx1"/>
+                      </a:solidFill>
+                      <a:prstDash val="solid"/>
+                      <a:round/>
+                      <a:headEnd type="none" w="med" len="med"/>
+                      <a:tailEnd type="none" w="med" len="med"/>
+                    </a:lnR>
+                    <a:lnT w="12700" cap="flat" cmpd="sng" algn="ctr">
+                      <a:solidFill>
+                        <a:schemeClr val="tx1"/>
+                      </a:solidFill>
+                      <a:prstDash val="solid"/>
+                      <a:round/>
+                      <a:headEnd type="none" w="med" len="med"/>
+                      <a:tailEnd type="none" w="med" len="med"/>
+                    </a:lnT>
+                    <a:lnB w="12700" cap="flat" cmpd="sng" algn="ctr">
+                      <a:solidFill>
+                        <a:schemeClr val="tx1"/>
+                      </a:solidFill>
+                      <a:prstDash val="solid"/>
+                      <a:round/>
+                      <a:headEnd type="none" w="med" len="med"/>
+                      <a:tailEnd type="none" w="med" len="med"/>
+                    </a:lnB>
+                    <a:solidFill>
+                      <a:schemeClr val="bg1"/>
+                    </a:solidFill>
+                  </a:tcPr>
+                </a:tc>
+                <a:tc>
+                  <a:txBody>
+                    <a:bodyPr/>
+                    <a:lstStyle/>
+                    <a:p>
+                      <a:pPr algn="ctr"/>
+                      <a:r>
+                        <a:rPr lang="en-US" altLang="ja-JP" sz="1050" dirty="0" smtClean="0"/>
+                        <a:t>-</a:t>
+                      </a:r>
+                      <a:endParaRPr lang="ja-JP" altLang="en-US" sz="1050" dirty="0"/>
+                    </a:p>
+                  </a:txBody>
+                  <a:tcPr anchor="ctr">
+                    <a:lnL w="12700" cap="flat" cmpd="sng" algn="ctr">
+                      <a:solidFill>
+                        <a:schemeClr val="tx1"/>
+                      </a:solidFill>
+                      <a:prstDash val="solid"/>
+                      <a:round/>
+                      <a:headEnd type="none" w="med" len="med"/>
+                      <a:tailEnd type="none" w="med" len="med"/>
+                    </a:lnL>
+                    <a:lnR w="12700" cap="flat" cmpd="sng" algn="ctr">
+                      <a:solidFill>
+                        <a:schemeClr val="tx1"/>
+                      </a:solidFill>
+                      <a:prstDash val="solid"/>
+                      <a:round/>
+                      <a:headEnd type="none" w="med" len="med"/>
+                      <a:tailEnd type="none" w="med" len="med"/>
+                    </a:lnR>
+                    <a:lnT w="12700" cap="flat" cmpd="sng" algn="ctr">
+                      <a:solidFill>
+                        <a:schemeClr val="tx1"/>
+                      </a:solidFill>
+                      <a:prstDash val="solid"/>
+                      <a:round/>
+                      <a:headEnd type="none" w="med" len="med"/>
+                      <a:tailEnd type="none" w="med" len="med"/>
+                    </a:lnT>
+                    <a:lnB w="12700" cap="flat" cmpd="sng" algn="ctr">
+                      <a:solidFill>
+                        <a:schemeClr val="tx1"/>
+                      </a:solidFill>
+                      <a:prstDash val="solid"/>
+                      <a:round/>
+                      <a:headEnd type="none" w="med" len="med"/>
+                      <a:tailEnd type="none" w="med" len="med"/>
+                    </a:lnB>
+                    <a:lnTlToBr w="12700" cmpd="sng">
+                      <a:noFill/>
+                      <a:prstDash val="solid"/>
+                    </a:lnTlToBr>
+                    <a:lnBlToTr w="12700" cmpd="sng">
+                      <a:noFill/>
+                      <a:prstDash val="solid"/>
+                    </a:lnBlToTr>
+                    <a:solidFill>
+                      <a:schemeClr val="bg1"/>
+                    </a:solidFill>
+                  </a:tcPr>
+                </a:tc>
+                <a:tc>
+                  <a:txBody>
+                    <a:bodyPr/>
+                    <a:lstStyle/>
+                    <a:p>
+                      <a:r>
+                        <a:rPr lang="ja-JP" altLang="en-US" sz="1050" dirty="0" smtClean="0"/>
+                        <a:t>各種走行体タスクの立ち上げを行う</a:t>
+                      </a:r>
+                      <a:endParaRPr lang="ja-JP" altLang="en-US" sz="1050" dirty="0"/>
+                    </a:p>
+                  </a:txBody>
+                  <a:tcPr anchor="ctr">
+                    <a:lnL w="12700" cap="flat" cmpd="sng" algn="ctr">
+                      <a:solidFill>
+                        <a:schemeClr val="tx1"/>
+                      </a:solidFill>
+                      <a:prstDash val="solid"/>
+                      <a:round/>
+                      <a:headEnd type="none" w="med" len="med"/>
+                      <a:tailEnd type="none" w="med" len="med"/>
+                    </a:lnL>
+                    <a:lnR w="12700" cap="flat" cmpd="sng" algn="ctr">
+                      <a:solidFill>
+                        <a:schemeClr val="tx1"/>
+                      </a:solidFill>
+                      <a:prstDash val="solid"/>
+                      <a:round/>
+                      <a:headEnd type="none" w="med" len="med"/>
+                      <a:tailEnd type="none" w="med" len="med"/>
+                    </a:lnR>
+                    <a:lnT w="12700" cap="flat" cmpd="sng" algn="ctr">
+                      <a:solidFill>
+                        <a:schemeClr val="tx1"/>
+                      </a:solidFill>
+                      <a:prstDash val="solid"/>
+                      <a:round/>
+                      <a:headEnd type="none" w="med" len="med"/>
+                      <a:tailEnd type="none" w="med" len="med"/>
+                    </a:lnT>
+                    <a:lnB w="12700" cap="flat" cmpd="sng" algn="ctr">
+                      <a:solidFill>
+                        <a:schemeClr val="tx1"/>
+                      </a:solidFill>
+                      <a:prstDash val="solid"/>
+                      <a:round/>
+                      <a:headEnd type="none" w="med" len="med"/>
+                      <a:tailEnd type="none" w="med" len="med"/>
+                    </a:lnB>
+                    <a:lnTlToBr w="12700" cmpd="sng">
+                      <a:noFill/>
+                      <a:prstDash val="solid"/>
+                    </a:lnTlToBr>
+                    <a:lnBlToTr w="12700" cmpd="sng">
+                      <a:noFill/>
+                      <a:prstDash val="solid"/>
+                    </a:lnBlToTr>
+                    <a:solidFill>
+                      <a:schemeClr val="bg1"/>
+                    </a:solidFill>
+                  </a:tcPr>
+                </a:tc>
+                <a:tc>
+                  <a:txBody>
+                    <a:bodyPr/>
+                    <a:lstStyle/>
+                    <a:p>
+                      <a:pPr algn="ctr"/>
+                      <a:r>
+                        <a:rPr lang="en-US" altLang="ja-JP" sz="1050" dirty="0" smtClean="0"/>
+                        <a:t>-</a:t>
+                      </a:r>
+                      <a:endParaRPr lang="ja-JP" altLang="en-US" sz="1050" dirty="0"/>
+                    </a:p>
+                  </a:txBody>
+                  <a:tcPr anchor="ctr">
+                    <a:lnL w="12700" cap="flat" cmpd="sng" algn="ctr">
+                      <a:solidFill>
+                        <a:schemeClr val="tx1"/>
+                      </a:solidFill>
+                      <a:prstDash val="solid"/>
+                      <a:round/>
+                      <a:headEnd type="none" w="med" len="med"/>
+                      <a:tailEnd type="none" w="med" len="med"/>
+                    </a:lnL>
+                    <a:lnR w="12700" cap="flat" cmpd="sng" algn="ctr">
+                      <a:solidFill>
+                        <a:schemeClr val="tx1"/>
+                      </a:solidFill>
+                      <a:prstDash val="solid"/>
+                      <a:round/>
+                      <a:headEnd type="none" w="med" len="med"/>
+                      <a:tailEnd type="none" w="med" len="med"/>
+                    </a:lnR>
+                    <a:lnT w="12700" cap="flat" cmpd="sng" algn="ctr">
+                      <a:solidFill>
+                        <a:schemeClr val="tx1"/>
+                      </a:solidFill>
+                      <a:prstDash val="solid"/>
+                      <a:round/>
+                      <a:headEnd type="none" w="med" len="med"/>
+                      <a:tailEnd type="none" w="med" len="med"/>
+                    </a:lnT>
+                    <a:lnB w="12700" cap="flat" cmpd="sng" algn="ctr">
+                      <a:solidFill>
+                        <a:schemeClr val="tx1"/>
+                      </a:solidFill>
+                      <a:prstDash val="solid"/>
+                      <a:round/>
+                      <a:headEnd type="none" w="med" len="med"/>
+                      <a:tailEnd type="none" w="med" len="med"/>
+                    </a:lnB>
+                    <a:solidFill>
+                      <a:schemeClr val="bg1"/>
+                    </a:solidFill>
+                  </a:tcPr>
+                </a:tc>
+                <a:extLst>
+                  <a:ext uri="{0D108BD9-81ED-4DB2-BD59-A6C34878D82A}">
+                    <a16:rowId xmlns:a16="http://schemas.microsoft.com/office/drawing/2014/main" val="2896274904"/>
+                  </a:ext>
+                </a:extLst>
+              </a:tr>
+              <a:tr h="0">
+                <a:tc vMerge="1">
+                  <a:txBody>
+                    <a:bodyPr/>
+                    <a:lstStyle/>
+                    <a:p>
+                      <a:pPr algn="ctr"/>
+                      <a:endParaRPr lang="ja-JP" altLang="en-US" sz="1050" dirty="0"/>
+                    </a:p>
+                  </a:txBody>
+                  <a:tcPr anchor="ctr">
+                    <a:lnL w="12700" cap="flat" cmpd="sng" algn="ctr">
+                      <a:solidFill>
+                        <a:schemeClr val="tx1"/>
+                      </a:solidFill>
+                      <a:prstDash val="solid"/>
+                      <a:round/>
+                      <a:headEnd type="none" w="med" len="med"/>
+                      <a:tailEnd type="none" w="med" len="med"/>
+                    </a:lnL>
+                    <a:lnR w="12700" cap="flat" cmpd="sng" algn="ctr">
+                      <a:solidFill>
+                        <a:schemeClr val="tx1"/>
+                      </a:solidFill>
+                      <a:prstDash val="solid"/>
+                      <a:round/>
+                      <a:headEnd type="none" w="med" len="med"/>
+                      <a:tailEnd type="none" w="med" len="med"/>
+                    </a:lnR>
+                    <a:lnT w="12700" cap="flat" cmpd="sng" algn="ctr">
+                      <a:solidFill>
+                        <a:schemeClr val="tx1"/>
+                      </a:solidFill>
+                      <a:prstDash val="solid"/>
+                      <a:round/>
+                      <a:headEnd type="none" w="med" len="med"/>
+                      <a:tailEnd type="none" w="med" len="med"/>
+                    </a:lnT>
+                    <a:lnB w="12700" cap="flat" cmpd="sng" algn="ctr">
+                      <a:solidFill>
+                        <a:schemeClr val="tx1"/>
+                      </a:solidFill>
+                      <a:prstDash val="solid"/>
+                      <a:round/>
+                      <a:headEnd type="none" w="med" len="med"/>
+                      <a:tailEnd type="none" w="med" len="med"/>
+                    </a:lnB>
+                    <a:solidFill>
+                      <a:schemeClr val="bg1"/>
+                    </a:solidFill>
+                  </a:tcPr>
+                </a:tc>
+                <a:tc>
+                  <a:txBody>
+                    <a:bodyPr/>
+                    <a:lstStyle/>
+                    <a:p>
+                      <a:pPr algn="ctr"/>
+                      <a:r>
+                        <a:rPr lang="ja-JP" altLang="en-US" sz="1050" dirty="0" smtClean="0"/>
+                        <a:t>主制御</a:t>
+                      </a:r>
+                      <a:endParaRPr lang="en-US" altLang="ja-JP" sz="1050" dirty="0" smtClean="0"/>
+                    </a:p>
+                    <a:p>
+                      <a:pPr algn="ctr"/>
+                      <a:r>
+                        <a:rPr lang="ja-JP" altLang="en-US" sz="1050" dirty="0" smtClean="0"/>
+                        <a:t>タスク</a:t>
+                      </a:r>
+                      <a:endParaRPr lang="ja-JP" altLang="en-US" sz="1050" dirty="0"/>
+                    </a:p>
+                  </a:txBody>
+                  <a:tcPr anchor="ctr">
+                    <a:lnL w="12700" cap="flat" cmpd="sng" algn="ctr">
+                      <a:solidFill>
+                        <a:schemeClr val="tx1"/>
+                      </a:solidFill>
+                      <a:prstDash val="solid"/>
+                      <a:round/>
+                      <a:headEnd type="none" w="med" len="med"/>
+                      <a:tailEnd type="none" w="med" len="med"/>
+                    </a:lnL>
+                    <a:lnR w="12700" cap="flat" cmpd="sng" algn="ctr">
+                      <a:solidFill>
+                        <a:schemeClr val="tx1"/>
+                      </a:solidFill>
+                      <a:prstDash val="solid"/>
+                      <a:round/>
+                      <a:headEnd type="none" w="med" len="med"/>
+                      <a:tailEnd type="none" w="med" len="med"/>
+                    </a:lnR>
+                    <a:lnT w="12700" cap="flat" cmpd="sng" algn="ctr">
+                      <a:solidFill>
+                        <a:schemeClr val="tx1"/>
+                      </a:solidFill>
+                      <a:prstDash val="solid"/>
+                      <a:round/>
+                      <a:headEnd type="none" w="med" len="med"/>
+                      <a:tailEnd type="none" w="med" len="med"/>
+                    </a:lnT>
+                    <a:lnB w="12700" cap="flat" cmpd="sng" algn="ctr">
+                      <a:solidFill>
+                        <a:schemeClr val="tx1"/>
+                      </a:solidFill>
+                      <a:prstDash val="solid"/>
+                      <a:round/>
+                      <a:headEnd type="none" w="med" len="med"/>
+                      <a:tailEnd type="none" w="med" len="med"/>
+                    </a:lnB>
+                    <a:solidFill>
+                      <a:schemeClr val="bg1"/>
+                    </a:solidFill>
+                  </a:tcPr>
+                </a:tc>
+                <a:tc>
+                  <a:txBody>
+                    <a:bodyPr/>
+                    <a:lstStyle/>
+                    <a:p>
+                      <a:pPr algn="ctr"/>
+                      <a:r>
+                        <a:rPr lang="en-US" altLang="ja-JP" sz="1050" dirty="0" smtClean="0"/>
+                        <a:t>10</a:t>
+                      </a:r>
+                    </a:p>
+                    <a:p>
+                      <a:pPr algn="ctr"/>
+                      <a:r>
+                        <a:rPr lang="en-US" altLang="ja-JP" sz="1050" dirty="0" err="1" smtClean="0"/>
+                        <a:t>ms</a:t>
+                      </a:r>
+                      <a:endParaRPr lang="ja-JP" altLang="en-US" sz="1050" dirty="0"/>
+                    </a:p>
+                  </a:txBody>
+                  <a:tcPr anchor="ctr">
+                    <a:lnL w="12700" cap="flat" cmpd="sng" algn="ctr">
+                      <a:solidFill>
+                        <a:schemeClr val="tx1"/>
+                      </a:solidFill>
+                      <a:prstDash val="solid"/>
+                      <a:round/>
+                      <a:headEnd type="none" w="med" len="med"/>
+                      <a:tailEnd type="none" w="med" len="med"/>
+                    </a:lnL>
+                    <a:lnR w="12700" cap="flat" cmpd="sng" algn="ctr">
+                      <a:solidFill>
+                        <a:schemeClr val="tx1"/>
+                      </a:solidFill>
+                      <a:prstDash val="solid"/>
+                      <a:round/>
+                      <a:headEnd type="none" w="med" len="med"/>
+                      <a:tailEnd type="none" w="med" len="med"/>
+                    </a:lnR>
+                    <a:lnT w="12700" cap="flat" cmpd="sng" algn="ctr">
+                      <a:solidFill>
+                        <a:schemeClr val="tx1"/>
+                      </a:solidFill>
+                      <a:prstDash val="solid"/>
+                      <a:round/>
+                      <a:headEnd type="none" w="med" len="med"/>
+                      <a:tailEnd type="none" w="med" len="med"/>
+                    </a:lnT>
+                    <a:lnB w="12700" cap="flat" cmpd="sng" algn="ctr">
+                      <a:solidFill>
+                        <a:schemeClr val="tx1"/>
+                      </a:solidFill>
+                      <a:prstDash val="solid"/>
+                      <a:round/>
+                      <a:headEnd type="none" w="med" len="med"/>
+                      <a:tailEnd type="none" w="med" len="med"/>
+                    </a:lnB>
+                    <a:solidFill>
+                      <a:schemeClr val="bg1"/>
+                    </a:solidFill>
+                  </a:tcPr>
+                </a:tc>
+                <a:tc>
+                  <a:txBody>
+                    <a:bodyPr/>
+                    <a:lstStyle/>
+                    <a:p>
+                      <a:pPr algn="ctr"/>
+                      <a:r>
+                        <a:rPr lang="ja-JP" altLang="en-US" sz="1050" dirty="0" smtClean="0"/>
+                        <a:t>高</a:t>
+                      </a:r>
+                      <a:endParaRPr lang="ja-JP" altLang="en-US" sz="1050" dirty="0"/>
+                    </a:p>
+                  </a:txBody>
+                  <a:tcPr anchor="ctr">
+                    <a:lnL w="12700" cap="flat" cmpd="sng" algn="ctr">
+                      <a:solidFill>
+                        <a:schemeClr val="tx1"/>
+                      </a:solidFill>
+                      <a:prstDash val="solid"/>
+                      <a:round/>
+                      <a:headEnd type="none" w="med" len="med"/>
+                      <a:tailEnd type="none" w="med" len="med"/>
+                    </a:lnL>
+                    <a:lnR w="12700" cap="flat" cmpd="sng" algn="ctr">
+                      <a:solidFill>
+                        <a:schemeClr val="tx1"/>
+                      </a:solidFill>
+                      <a:prstDash val="solid"/>
+                      <a:round/>
+                      <a:headEnd type="none" w="med" len="med"/>
+                      <a:tailEnd type="none" w="med" len="med"/>
+                    </a:lnR>
+                    <a:lnT w="12700" cap="flat" cmpd="sng" algn="ctr">
+                      <a:solidFill>
+                        <a:schemeClr val="tx1"/>
+                      </a:solidFill>
+                      <a:prstDash val="solid"/>
+                      <a:round/>
+                      <a:headEnd type="none" w="med" len="med"/>
+                      <a:tailEnd type="none" w="med" len="med"/>
+                    </a:lnT>
+                    <a:lnB w="12700" cap="flat" cmpd="sng" algn="ctr">
+                      <a:solidFill>
+                        <a:schemeClr val="tx1"/>
+                      </a:solidFill>
+                      <a:prstDash val="solid"/>
+                      <a:round/>
+                      <a:headEnd type="none" w="med" len="med"/>
+                      <a:tailEnd type="none" w="med" len="med"/>
+                    </a:lnB>
+                    <a:solidFill>
+                      <a:schemeClr val="bg1"/>
+                    </a:solidFill>
+                  </a:tcPr>
+                </a:tc>
+                <a:tc>
+                  <a:txBody>
+                    <a:bodyPr/>
+                    <a:lstStyle/>
+                    <a:p>
+                      <a:r>
+                        <a:rPr lang="ja-JP" altLang="en-US" sz="1050" dirty="0" smtClean="0"/>
+                        <a:t>競技攻略のために走行体全体を制御する。</a:t>
+                      </a:r>
+                      <a:endParaRPr lang="en-US" altLang="ja-JP" sz="1050" dirty="0" smtClean="0"/>
+                    </a:p>
+                    <a:p>
+                      <a:r>
+                        <a:rPr lang="ja-JP" altLang="en-US" sz="1050" dirty="0" smtClean="0"/>
+                        <a:t>競技中に停止等の問題が発生すると、</a:t>
+                      </a:r>
+                      <a:endParaRPr lang="en-US" altLang="ja-JP" sz="1050" dirty="0" smtClean="0"/>
+                    </a:p>
+                    <a:p>
+                      <a:r>
+                        <a:rPr lang="ja-JP" altLang="en-US" sz="1050" dirty="0" smtClean="0"/>
+                        <a:t>様々な問題が発生するため優先度は高くする必要がある。</a:t>
+                      </a:r>
+                      <a:endParaRPr lang="ja-JP" altLang="en-US" sz="1050" dirty="0"/>
+                    </a:p>
+                  </a:txBody>
+                  <a:tcPr anchor="ctr">
+                    <a:lnL w="12700" cap="flat" cmpd="sng" algn="ctr">
+                      <a:solidFill>
+                        <a:schemeClr val="tx1"/>
+                      </a:solidFill>
+                      <a:prstDash val="solid"/>
+                      <a:round/>
+                      <a:headEnd type="none" w="med" len="med"/>
+                      <a:tailEnd type="none" w="med" len="med"/>
+                    </a:lnL>
+                    <a:lnR w="12700" cap="flat" cmpd="sng" algn="ctr">
+                      <a:solidFill>
+                        <a:schemeClr val="tx1"/>
+                      </a:solidFill>
+                      <a:prstDash val="solid"/>
+                      <a:round/>
+                      <a:headEnd type="none" w="med" len="med"/>
+                      <a:tailEnd type="none" w="med" len="med"/>
+                    </a:lnR>
+                    <a:lnT w="12700" cap="flat" cmpd="sng" algn="ctr">
+                      <a:solidFill>
+                        <a:schemeClr val="tx1"/>
+                      </a:solidFill>
+                      <a:prstDash val="solid"/>
+                      <a:round/>
+                      <a:headEnd type="none" w="med" len="med"/>
+                      <a:tailEnd type="none" w="med" len="med"/>
+                    </a:lnT>
+                    <a:lnB w="12700" cap="flat" cmpd="sng" algn="ctr">
+                      <a:solidFill>
+                        <a:schemeClr val="tx1"/>
+                      </a:solidFill>
+                      <a:prstDash val="solid"/>
+                      <a:round/>
+                      <a:headEnd type="none" w="med" len="med"/>
+                      <a:tailEnd type="none" w="med" len="med"/>
+                    </a:lnB>
+                    <a:solidFill>
+                      <a:schemeClr val="bg1"/>
+                    </a:solidFill>
+                  </a:tcPr>
+                </a:tc>
+                <a:tc>
+                  <a:txBody>
+                    <a:bodyPr/>
+                    <a:lstStyle/>
+                    <a:p>
+                      <a:pPr algn="ctr"/>
+                      <a:r>
+                        <a:rPr lang="ja-JP" altLang="en-US" sz="1050" dirty="0" smtClean="0"/>
+                        <a:t>走行体</a:t>
+                      </a:r>
+                      <a:endParaRPr lang="en-US" altLang="ja-JP" sz="1050" dirty="0" smtClean="0"/>
+                    </a:p>
+                    <a:p>
+                      <a:pPr algn="ctr"/>
+                      <a:r>
+                        <a:rPr lang="ja-JP" altLang="en-US" sz="1050" dirty="0" smtClean="0"/>
+                        <a:t>パッケージ全般</a:t>
+                      </a:r>
+                      <a:endParaRPr lang="ja-JP" altLang="en-US" sz="1050" dirty="0"/>
+                    </a:p>
+                  </a:txBody>
+                  <a:tcPr anchor="ctr">
+                    <a:lnL w="12700" cap="flat" cmpd="sng" algn="ctr">
+                      <a:solidFill>
+                        <a:schemeClr val="tx1"/>
+                      </a:solidFill>
+                      <a:prstDash val="solid"/>
+                      <a:round/>
+                      <a:headEnd type="none" w="med" len="med"/>
+                      <a:tailEnd type="none" w="med" len="med"/>
+                    </a:lnL>
+                    <a:lnR w="12700" cap="flat" cmpd="sng" algn="ctr">
+                      <a:solidFill>
+                        <a:schemeClr val="tx1"/>
+                      </a:solidFill>
+                      <a:prstDash val="solid"/>
+                      <a:round/>
+                      <a:headEnd type="none" w="med" len="med"/>
+                      <a:tailEnd type="none" w="med" len="med"/>
+                    </a:lnR>
+                    <a:lnT w="12700" cap="flat" cmpd="sng" algn="ctr">
+                      <a:solidFill>
+                        <a:schemeClr val="tx1"/>
+                      </a:solidFill>
+                      <a:prstDash val="solid"/>
+                      <a:round/>
+                      <a:headEnd type="none" w="med" len="med"/>
+                      <a:tailEnd type="none" w="med" len="med"/>
+                    </a:lnT>
+                    <a:lnB w="12700" cap="flat" cmpd="sng" algn="ctr">
+                      <a:solidFill>
+                        <a:schemeClr val="tx1"/>
+                      </a:solidFill>
+                      <a:prstDash val="solid"/>
+                      <a:round/>
+                      <a:headEnd type="none" w="med" len="med"/>
+                      <a:tailEnd type="none" w="med" len="med"/>
+                    </a:lnB>
+                    <a:solidFill>
+                      <a:schemeClr val="bg1"/>
+                    </a:solidFill>
+                  </a:tcPr>
+                </a:tc>
+                <a:extLst>
+                  <a:ext uri="{0D108BD9-81ED-4DB2-BD59-A6C34878D82A}">
+                    <a16:rowId xmlns:a16="http://schemas.microsoft.com/office/drawing/2014/main" val="4098747347"/>
+                  </a:ext>
+                </a:extLst>
+              </a:tr>
+              <a:tr h="0">
+                <a:tc vMerge="1">
+                  <a:txBody>
+                    <a:bodyPr/>
+                    <a:lstStyle/>
+                    <a:p>
+                      <a:pPr algn="ctr"/>
+                      <a:endParaRPr kumimoji="1" lang="ja-JP" altLang="en-US" sz="1050" b="0" dirty="0"/>
+                    </a:p>
+                  </a:txBody>
+                  <a:tcPr anchor="ctr">
+                    <a:lnL w="12700" cap="flat" cmpd="sng" algn="ctr">
+                      <a:solidFill>
+                        <a:schemeClr val="tx1"/>
+                      </a:solidFill>
+                      <a:prstDash val="solid"/>
+                      <a:round/>
+                      <a:headEnd type="none" w="med" len="med"/>
+                      <a:tailEnd type="none" w="med" len="med"/>
+                    </a:lnL>
+                    <a:lnR w="12700" cap="flat" cmpd="sng" algn="ctr">
+                      <a:solidFill>
+                        <a:schemeClr val="tx1"/>
+                      </a:solidFill>
+                      <a:prstDash val="solid"/>
+                      <a:round/>
+                      <a:headEnd type="none" w="med" len="med"/>
+                      <a:tailEnd type="none" w="med" len="med"/>
+                    </a:lnR>
+                    <a:lnT w="12700" cap="flat" cmpd="sng" algn="ctr">
+                      <a:solidFill>
+                        <a:schemeClr val="tx1"/>
+                      </a:solidFill>
+                      <a:prstDash val="solid"/>
+                      <a:round/>
+                      <a:headEnd type="none" w="med" len="med"/>
+                      <a:tailEnd type="none" w="med" len="med"/>
+                    </a:lnT>
+                    <a:lnB w="12700" cap="flat" cmpd="sng" algn="ctr">
+                      <a:solidFill>
+                        <a:schemeClr val="tx1"/>
+                      </a:solidFill>
+                      <a:prstDash val="solid"/>
+                      <a:round/>
+                      <a:headEnd type="none" w="med" len="med"/>
+                      <a:tailEnd type="none" w="med" len="med"/>
+                    </a:lnB>
+                    <a:solidFill>
+                      <a:schemeClr val="bg1"/>
+                    </a:solidFill>
+                  </a:tcPr>
+                </a:tc>
+                <a:tc>
+                  <a:txBody>
+                    <a:bodyPr/>
+                    <a:lstStyle/>
+                    <a:p>
+                      <a:pPr algn="ctr"/>
+                      <a:r>
+                        <a:rPr kumimoji="1" lang="ja-JP" altLang="en-US" sz="1050" b="0" dirty="0" smtClean="0"/>
+                        <a:t>撮影</a:t>
+                      </a:r>
+                      <a:endParaRPr kumimoji="1" lang="en-US" altLang="ja-JP" sz="1050" b="0" dirty="0" smtClean="0"/>
+                    </a:p>
+                    <a:p>
+                      <a:pPr algn="ctr"/>
+                      <a:r>
+                        <a:rPr kumimoji="1" lang="ja-JP" altLang="en-US" sz="1050" b="0" dirty="0" smtClean="0"/>
+                        <a:t>タスク</a:t>
+                      </a:r>
+                      <a:endParaRPr kumimoji="1" lang="ja-JP" altLang="en-US" sz="1050" b="0" dirty="0"/>
+                    </a:p>
+                  </a:txBody>
+                  <a:tcPr anchor="ctr">
+                    <a:lnL w="12700" cap="flat" cmpd="sng" algn="ctr">
+                      <a:solidFill>
+                        <a:schemeClr val="tx1"/>
+                      </a:solidFill>
+                      <a:prstDash val="solid"/>
+                      <a:round/>
+                      <a:headEnd type="none" w="med" len="med"/>
+                      <a:tailEnd type="none" w="med" len="med"/>
+                    </a:lnL>
+                    <a:lnR w="12700" cap="flat" cmpd="sng" algn="ctr">
+                      <a:solidFill>
+                        <a:schemeClr val="tx1"/>
+                      </a:solidFill>
+                      <a:prstDash val="solid"/>
+                      <a:round/>
+                      <a:headEnd type="none" w="med" len="med"/>
+                      <a:tailEnd type="none" w="med" len="med"/>
+                    </a:lnR>
+                    <a:lnT w="12700" cap="flat" cmpd="sng" algn="ctr">
+                      <a:solidFill>
+                        <a:schemeClr val="tx1"/>
+                      </a:solidFill>
+                      <a:prstDash val="solid"/>
+                      <a:round/>
+                      <a:headEnd type="none" w="med" len="med"/>
+                      <a:tailEnd type="none" w="med" len="med"/>
+                    </a:lnT>
+                    <a:lnB w="12700" cap="flat" cmpd="sng" algn="ctr">
+                      <a:solidFill>
+                        <a:schemeClr val="tx1"/>
+                      </a:solidFill>
+                      <a:prstDash val="solid"/>
+                      <a:round/>
+                      <a:headEnd type="none" w="med" len="med"/>
+                      <a:tailEnd type="none" w="med" len="med"/>
+                    </a:lnB>
+                    <a:solidFill>
+                      <a:schemeClr val="bg1"/>
+                    </a:solidFill>
+                  </a:tcPr>
+                </a:tc>
+                <a:tc>
+                  <a:txBody>
+                    <a:bodyPr/>
+                    <a:lstStyle/>
+                    <a:p>
+                      <a:pPr algn="ctr"/>
+                      <a:r>
+                        <a:rPr lang="en-US" altLang="ja-JP" sz="1050" dirty="0" smtClean="0"/>
+                        <a:t>100</a:t>
+                      </a:r>
+                    </a:p>
+                    <a:p>
+                      <a:pPr algn="ctr"/>
+                      <a:r>
+                        <a:rPr lang="en-US" altLang="ja-JP" sz="1050" dirty="0" err="1" smtClean="0"/>
+                        <a:t>ms</a:t>
+                      </a:r>
+                      <a:endParaRPr lang="ja-JP" altLang="en-US" sz="1050" dirty="0"/>
+                    </a:p>
+                  </a:txBody>
+                  <a:tcPr anchor="ctr">
+                    <a:lnL w="12700" cap="flat" cmpd="sng" algn="ctr">
+                      <a:solidFill>
+                        <a:schemeClr val="tx1"/>
+                      </a:solidFill>
+                      <a:prstDash val="solid"/>
+                      <a:round/>
+                      <a:headEnd type="none" w="med" len="med"/>
+                      <a:tailEnd type="none" w="med" len="med"/>
+                    </a:lnL>
+                    <a:lnR w="12700" cap="flat" cmpd="sng" algn="ctr">
+                      <a:solidFill>
+                        <a:schemeClr val="tx1"/>
+                      </a:solidFill>
+                      <a:prstDash val="solid"/>
+                      <a:round/>
+                      <a:headEnd type="none" w="med" len="med"/>
+                      <a:tailEnd type="none" w="med" len="med"/>
+                    </a:lnR>
+                    <a:lnT w="12700" cap="flat" cmpd="sng" algn="ctr">
+                      <a:solidFill>
+                        <a:schemeClr val="tx1"/>
+                      </a:solidFill>
+                      <a:prstDash val="solid"/>
+                      <a:round/>
+                      <a:headEnd type="none" w="med" len="med"/>
+                      <a:tailEnd type="none" w="med" len="med"/>
+                    </a:lnT>
+                    <a:lnB w="12700" cap="flat" cmpd="sng" algn="ctr">
+                      <a:solidFill>
+                        <a:schemeClr val="tx1"/>
+                      </a:solidFill>
+                      <a:prstDash val="solid"/>
+                      <a:round/>
+                      <a:headEnd type="none" w="med" len="med"/>
+                      <a:tailEnd type="none" w="med" len="med"/>
+                    </a:lnB>
+                    <a:solidFill>
+                      <a:schemeClr val="bg1"/>
+                    </a:solidFill>
+                  </a:tcPr>
+                </a:tc>
+                <a:tc>
+                  <a:txBody>
+                    <a:bodyPr/>
+                    <a:lstStyle/>
+                    <a:p>
+                      <a:pPr algn="ctr"/>
+                      <a:r>
+                        <a:rPr lang="ja-JP" altLang="en-US" sz="1050" dirty="0" smtClean="0"/>
+                        <a:t>中</a:t>
+                      </a:r>
+                      <a:endParaRPr lang="ja-JP" altLang="en-US" sz="1050" dirty="0"/>
+                    </a:p>
+                  </a:txBody>
+                  <a:tcPr anchor="ctr">
+                    <a:lnL w="12700" cap="flat" cmpd="sng" algn="ctr">
+                      <a:solidFill>
+                        <a:schemeClr val="tx1"/>
+                      </a:solidFill>
+                      <a:prstDash val="solid"/>
+                      <a:round/>
+                      <a:headEnd type="none" w="med" len="med"/>
+                      <a:tailEnd type="none" w="med" len="med"/>
+                    </a:lnL>
+                    <a:lnR w="12700" cap="flat" cmpd="sng" algn="ctr">
+                      <a:solidFill>
+                        <a:schemeClr val="tx1"/>
+                      </a:solidFill>
+                      <a:prstDash val="solid"/>
+                      <a:round/>
+                      <a:headEnd type="none" w="med" len="med"/>
+                      <a:tailEnd type="none" w="med" len="med"/>
+                    </a:lnR>
+                    <a:lnT w="12700" cap="flat" cmpd="sng" algn="ctr">
+                      <a:solidFill>
+                        <a:schemeClr val="tx1"/>
+                      </a:solidFill>
+                      <a:prstDash val="solid"/>
+                      <a:round/>
+                      <a:headEnd type="none" w="med" len="med"/>
+                      <a:tailEnd type="none" w="med" len="med"/>
+                    </a:lnT>
+                    <a:lnB w="12700" cap="flat" cmpd="sng" algn="ctr">
+                      <a:solidFill>
+                        <a:schemeClr val="tx1"/>
+                      </a:solidFill>
+                      <a:prstDash val="solid"/>
+                      <a:round/>
+                      <a:headEnd type="none" w="med" len="med"/>
+                      <a:tailEnd type="none" w="med" len="med"/>
+                    </a:lnB>
+                    <a:solidFill>
+                      <a:schemeClr val="bg1"/>
+                    </a:solidFill>
+                  </a:tcPr>
+                </a:tc>
+                <a:tc>
+                  <a:txBody>
+                    <a:bodyPr/>
+                    <a:lstStyle/>
+                    <a:p>
+                      <a:r>
+                        <a:rPr lang="ja-JP" altLang="en-US" sz="1050" dirty="0" smtClean="0"/>
+                        <a:t>主制御で操作することが厳しいため、</a:t>
+                      </a:r>
+                      <a:endParaRPr lang="en-US" altLang="ja-JP" sz="1050" dirty="0" smtClean="0"/>
+                    </a:p>
+                    <a:p>
+                      <a:r>
+                        <a:rPr lang="ja-JP" altLang="en-US" sz="1050" dirty="0" smtClean="0"/>
+                        <a:t>主制御からの命令があれば撮影する。</a:t>
+                      </a:r>
+                      <a:endParaRPr lang="en-US" altLang="ja-JP" sz="1050" dirty="0" smtClean="0"/>
+                    </a:p>
+                  </a:txBody>
+                  <a:tcPr anchor="ctr">
+                    <a:lnL w="12700" cap="flat" cmpd="sng" algn="ctr">
+                      <a:solidFill>
+                        <a:schemeClr val="tx1"/>
+                      </a:solidFill>
+                      <a:prstDash val="solid"/>
+                      <a:round/>
+                      <a:headEnd type="none" w="med" len="med"/>
+                      <a:tailEnd type="none" w="med" len="med"/>
+                    </a:lnL>
+                    <a:lnR w="12700" cap="flat" cmpd="sng" algn="ctr">
+                      <a:solidFill>
+                        <a:schemeClr val="tx1"/>
+                      </a:solidFill>
+                      <a:prstDash val="solid"/>
+                      <a:round/>
+                      <a:headEnd type="none" w="med" len="med"/>
+                      <a:tailEnd type="none" w="med" len="med"/>
+                    </a:lnR>
+                    <a:lnT w="12700" cap="flat" cmpd="sng" algn="ctr">
+                      <a:solidFill>
+                        <a:schemeClr val="tx1"/>
+                      </a:solidFill>
+                      <a:prstDash val="solid"/>
+                      <a:round/>
+                      <a:headEnd type="none" w="med" len="med"/>
+                      <a:tailEnd type="none" w="med" len="med"/>
+                    </a:lnT>
+                    <a:lnB w="12700" cap="flat" cmpd="sng" algn="ctr">
+                      <a:solidFill>
+                        <a:schemeClr val="tx1"/>
+                      </a:solidFill>
+                      <a:prstDash val="solid"/>
+                      <a:round/>
+                      <a:headEnd type="none" w="med" len="med"/>
+                      <a:tailEnd type="none" w="med" len="med"/>
+                    </a:lnB>
+                    <a:solidFill>
+                      <a:schemeClr val="bg1"/>
+                    </a:solidFill>
+                  </a:tcPr>
+                </a:tc>
+                <a:tc>
+                  <a:txBody>
+                    <a:bodyPr/>
+                    <a:lstStyle/>
+                    <a:p>
+                      <a:pPr algn="ctr"/>
+                      <a:r>
+                        <a:rPr lang="ja-JP" altLang="en-US" sz="1050" dirty="0" smtClean="0"/>
+                        <a:t>デバイス</a:t>
+                      </a:r>
+                      <a:endParaRPr lang="ja-JP" altLang="en-US" sz="1050" dirty="0"/>
+                    </a:p>
+                  </a:txBody>
+                  <a:tcPr anchor="ctr">
+                    <a:lnL w="12700" cap="flat" cmpd="sng" algn="ctr">
+                      <a:solidFill>
+                        <a:schemeClr val="tx1"/>
+                      </a:solidFill>
+                      <a:prstDash val="solid"/>
+                      <a:round/>
+                      <a:headEnd type="none" w="med" len="med"/>
+                      <a:tailEnd type="none" w="med" len="med"/>
+                    </a:lnL>
+                    <a:lnR w="12700" cap="flat" cmpd="sng" algn="ctr">
+                      <a:solidFill>
+                        <a:schemeClr val="tx1"/>
+                      </a:solidFill>
+                      <a:prstDash val="solid"/>
+                      <a:round/>
+                      <a:headEnd type="none" w="med" len="med"/>
+                      <a:tailEnd type="none" w="med" len="med"/>
+                    </a:lnR>
+                    <a:lnT w="12700" cap="flat" cmpd="sng" algn="ctr">
+                      <a:solidFill>
+                        <a:schemeClr val="tx1"/>
+                      </a:solidFill>
+                      <a:prstDash val="solid"/>
+                      <a:round/>
+                      <a:headEnd type="none" w="med" len="med"/>
+                      <a:tailEnd type="none" w="med" len="med"/>
+                    </a:lnT>
+                    <a:lnB w="12700" cap="flat" cmpd="sng" algn="ctr">
+                      <a:solidFill>
+                        <a:schemeClr val="tx1"/>
+                      </a:solidFill>
+                      <a:prstDash val="solid"/>
+                      <a:round/>
+                      <a:headEnd type="none" w="med" len="med"/>
+                      <a:tailEnd type="none" w="med" len="med"/>
+                    </a:lnB>
+                    <a:solidFill>
+                      <a:schemeClr val="bg1"/>
+                    </a:solidFill>
+                  </a:tcPr>
+                </a:tc>
+                <a:extLst>
+                  <a:ext uri="{0D108BD9-81ED-4DB2-BD59-A6C34878D82A}">
+                    <a16:rowId xmlns:a16="http://schemas.microsoft.com/office/drawing/2014/main" val="358435619"/>
+                  </a:ext>
+                </a:extLst>
+              </a:tr>
+              <a:tr h="0">
+                <a:tc rowSpan="2">
+                  <a:txBody>
+                    <a:bodyPr/>
+                    <a:lstStyle/>
+                    <a:p>
+                      <a:pPr algn="l"/>
+                      <a:r>
+                        <a:rPr kumimoji="1" lang="en-US" altLang="ja-JP" sz="1050" b="0" dirty="0" smtClean="0"/>
+                        <a:t>PC</a:t>
+                      </a:r>
+                    </a:p>
+                    <a:p>
+                      <a:pPr algn="l"/>
+                      <a:r>
+                        <a:rPr kumimoji="1" lang="ja-JP" altLang="en-US" sz="1050" b="0" dirty="0" smtClean="0"/>
+                        <a:t>走行体</a:t>
+                      </a:r>
+                      <a:endParaRPr kumimoji="1" lang="ja-JP" altLang="en-US" sz="1050" b="0" dirty="0"/>
+                    </a:p>
+                  </a:txBody>
+                  <a:tcPr vert="wordArtVertRtl" anchor="ctr">
+                    <a:lnL w="12700" cap="flat" cmpd="sng" algn="ctr">
+                      <a:solidFill>
+                        <a:schemeClr val="tx1"/>
+                      </a:solidFill>
+                      <a:prstDash val="solid"/>
+                      <a:round/>
+                      <a:headEnd type="none" w="med" len="med"/>
+                      <a:tailEnd type="none" w="med" len="med"/>
+                    </a:lnL>
+                    <a:lnR w="12700" cap="flat" cmpd="sng" algn="ctr">
+                      <a:solidFill>
+                        <a:schemeClr val="tx1"/>
+                      </a:solidFill>
+                      <a:prstDash val="solid"/>
+                      <a:round/>
+                      <a:headEnd type="none" w="med" len="med"/>
+                      <a:tailEnd type="none" w="med" len="med"/>
+                    </a:lnR>
+                    <a:lnT w="12700" cap="flat" cmpd="sng" algn="ctr">
+                      <a:solidFill>
+                        <a:schemeClr val="tx1"/>
+                      </a:solidFill>
+                      <a:prstDash val="solid"/>
+                      <a:round/>
+                      <a:headEnd type="none" w="med" len="med"/>
+                      <a:tailEnd type="none" w="med" len="med"/>
+                    </a:lnT>
+                    <a:lnB w="12700" cap="flat" cmpd="sng" algn="ctr">
+                      <a:solidFill>
+                        <a:schemeClr val="tx1"/>
+                      </a:solidFill>
+                      <a:prstDash val="solid"/>
+                      <a:round/>
+                      <a:headEnd type="none" w="med" len="med"/>
+                      <a:tailEnd type="none" w="med" len="med"/>
+                    </a:lnB>
+                    <a:solidFill>
+                      <a:schemeClr val="bg1"/>
+                    </a:solidFill>
+                  </a:tcPr>
+                </a:tc>
+                <a:tc>
+                  <a:txBody>
+                    <a:bodyPr/>
+                    <a:lstStyle/>
+                    <a:p>
+                      <a:pPr algn="ctr"/>
+                      <a:r>
+                        <a:rPr kumimoji="1" lang="ja-JP" altLang="en-US" sz="1050" b="0" dirty="0" smtClean="0"/>
+                        <a:t>送信</a:t>
+                      </a:r>
+                      <a:endParaRPr kumimoji="1" lang="en-US" altLang="ja-JP" sz="1050" b="0" dirty="0" smtClean="0"/>
+                    </a:p>
+                    <a:p>
+                      <a:pPr algn="ctr"/>
+                      <a:r>
+                        <a:rPr kumimoji="1" lang="ja-JP" altLang="en-US" sz="1050" b="0" dirty="0" smtClean="0"/>
+                        <a:t>タスク</a:t>
+                      </a:r>
+                      <a:endParaRPr kumimoji="1" lang="ja-JP" altLang="en-US" sz="1050" b="0" dirty="0"/>
+                    </a:p>
+                  </a:txBody>
+                  <a:tcPr anchor="ctr">
+                    <a:lnL w="12700" cap="flat" cmpd="sng" algn="ctr">
+                      <a:solidFill>
+                        <a:schemeClr val="tx1"/>
+                      </a:solidFill>
+                      <a:prstDash val="solid"/>
+                      <a:round/>
+                      <a:headEnd type="none" w="med" len="med"/>
+                      <a:tailEnd type="none" w="med" len="med"/>
+                    </a:lnL>
+                    <a:lnR w="12700" cap="flat" cmpd="sng" algn="ctr">
+                      <a:solidFill>
+                        <a:schemeClr val="tx1"/>
+                      </a:solidFill>
+                      <a:prstDash val="solid"/>
+                      <a:round/>
+                      <a:headEnd type="none" w="med" len="med"/>
+                      <a:tailEnd type="none" w="med" len="med"/>
+                    </a:lnR>
+                    <a:lnT w="12700" cap="flat" cmpd="sng" algn="ctr">
+                      <a:solidFill>
+                        <a:schemeClr val="tx1"/>
+                      </a:solidFill>
+                      <a:prstDash val="solid"/>
+                      <a:round/>
+                      <a:headEnd type="none" w="med" len="med"/>
+                      <a:tailEnd type="none" w="med" len="med"/>
+                    </a:lnT>
+                    <a:lnB w="12700" cap="flat" cmpd="sng" algn="ctr">
+                      <a:solidFill>
+                        <a:schemeClr val="tx1"/>
+                      </a:solidFill>
+                      <a:prstDash val="solid"/>
+                      <a:round/>
+                      <a:headEnd type="none" w="med" len="med"/>
+                      <a:tailEnd type="none" w="med" len="med"/>
+                    </a:lnB>
+                    <a:solidFill>
+                      <a:schemeClr val="bg1"/>
+                    </a:solidFill>
+                  </a:tcPr>
+                </a:tc>
+                <a:tc>
+                  <a:txBody>
+                    <a:bodyPr/>
+                    <a:lstStyle/>
+                    <a:p>
+                      <a:pPr algn="ctr"/>
+                      <a:r>
+                        <a:rPr lang="en-US" altLang="ja-JP" sz="1050" dirty="0" smtClean="0"/>
+                        <a:t>50</a:t>
+                      </a:r>
+                    </a:p>
+                    <a:p>
+                      <a:pPr algn="ctr"/>
+                      <a:r>
+                        <a:rPr lang="en-US" altLang="ja-JP" sz="1050" dirty="0" err="1" smtClean="0"/>
+                        <a:t>ms</a:t>
+                      </a:r>
+                      <a:endParaRPr lang="ja-JP" altLang="en-US" sz="1050" dirty="0"/>
+                    </a:p>
+                  </a:txBody>
+                  <a:tcPr anchor="ctr">
+                    <a:lnL w="12700" cap="flat" cmpd="sng" algn="ctr">
+                      <a:solidFill>
+                        <a:schemeClr val="tx1"/>
+                      </a:solidFill>
+                      <a:prstDash val="solid"/>
+                      <a:round/>
+                      <a:headEnd type="none" w="med" len="med"/>
+                      <a:tailEnd type="none" w="med" len="med"/>
+                    </a:lnL>
+                    <a:lnR w="12700" cap="flat" cmpd="sng" algn="ctr">
+                      <a:solidFill>
+                        <a:schemeClr val="tx1"/>
+                      </a:solidFill>
+                      <a:prstDash val="solid"/>
+                      <a:round/>
+                      <a:headEnd type="none" w="med" len="med"/>
+                      <a:tailEnd type="none" w="med" len="med"/>
+                    </a:lnR>
+                    <a:lnT w="12700" cap="flat" cmpd="sng" algn="ctr">
+                      <a:solidFill>
+                        <a:schemeClr val="tx1"/>
+                      </a:solidFill>
+                      <a:prstDash val="solid"/>
+                      <a:round/>
+                      <a:headEnd type="none" w="med" len="med"/>
+                      <a:tailEnd type="none" w="med" len="med"/>
+                    </a:lnT>
+                    <a:lnB w="12700" cap="flat" cmpd="sng" algn="ctr">
+                      <a:solidFill>
+                        <a:schemeClr val="tx1"/>
+                      </a:solidFill>
+                      <a:prstDash val="solid"/>
+                      <a:round/>
+                      <a:headEnd type="none" w="med" len="med"/>
+                      <a:tailEnd type="none" w="med" len="med"/>
+                    </a:lnB>
+                    <a:solidFill>
+                      <a:schemeClr val="bg1"/>
+                    </a:solidFill>
+                  </a:tcPr>
+                </a:tc>
+                <a:tc>
+                  <a:txBody>
+                    <a:bodyPr/>
+                    <a:lstStyle/>
+                    <a:p>
+                      <a:pPr algn="ctr"/>
+                      <a:r>
+                        <a:rPr lang="ja-JP" altLang="en-US" sz="1050" dirty="0" smtClean="0"/>
+                        <a:t>中</a:t>
+                      </a:r>
+                      <a:endParaRPr lang="ja-JP" altLang="en-US" sz="1050" dirty="0"/>
+                    </a:p>
+                  </a:txBody>
+                  <a:tcPr anchor="ctr">
+                    <a:lnL w="12700" cap="flat" cmpd="sng" algn="ctr">
+                      <a:solidFill>
+                        <a:schemeClr val="tx1"/>
+                      </a:solidFill>
+                      <a:prstDash val="solid"/>
+                      <a:round/>
+                      <a:headEnd type="none" w="med" len="med"/>
+                      <a:tailEnd type="none" w="med" len="med"/>
+                    </a:lnL>
+                    <a:lnR w="12700" cap="flat" cmpd="sng" algn="ctr">
+                      <a:solidFill>
+                        <a:schemeClr val="tx1"/>
+                      </a:solidFill>
+                      <a:prstDash val="solid"/>
+                      <a:round/>
+                      <a:headEnd type="none" w="med" len="med"/>
+                      <a:tailEnd type="none" w="med" len="med"/>
+                    </a:lnR>
+                    <a:lnT w="12700" cap="flat" cmpd="sng" algn="ctr">
+                      <a:solidFill>
+                        <a:schemeClr val="tx1"/>
+                      </a:solidFill>
+                      <a:prstDash val="solid"/>
+                      <a:round/>
+                      <a:headEnd type="none" w="med" len="med"/>
+                      <a:tailEnd type="none" w="med" len="med"/>
+                    </a:lnT>
+                    <a:lnB w="12700" cap="flat" cmpd="sng" algn="ctr">
+                      <a:solidFill>
+                        <a:schemeClr val="tx1"/>
+                      </a:solidFill>
+                      <a:prstDash val="solid"/>
+                      <a:round/>
+                      <a:headEnd type="none" w="med" len="med"/>
+                      <a:tailEnd type="none" w="med" len="med"/>
+                    </a:lnB>
+                    <a:solidFill>
+                      <a:schemeClr val="bg1"/>
+                    </a:solidFill>
+                  </a:tcPr>
+                </a:tc>
+                <a:tc>
+                  <a:txBody>
+                    <a:bodyPr/>
+                    <a:lstStyle/>
+                    <a:p>
+                      <a:r>
+                        <a:rPr lang="ja-JP" altLang="en-US" sz="1050" dirty="0" smtClean="0"/>
+                        <a:t>送信用ストレージに格納された</a:t>
+                      </a:r>
+                      <a:endParaRPr lang="en-US" altLang="ja-JP" sz="1050" dirty="0" smtClean="0"/>
+                    </a:p>
+                    <a:p>
+                      <a:r>
+                        <a:rPr lang="ja-JP" altLang="en-US" sz="1050" dirty="0" smtClean="0"/>
+                        <a:t>データを読み取り送信する。</a:t>
+                      </a:r>
+                      <a:endParaRPr lang="ja-JP" altLang="en-US" sz="1050" dirty="0"/>
+                    </a:p>
+                  </a:txBody>
+                  <a:tcPr anchor="ctr">
+                    <a:lnL w="12700" cap="flat" cmpd="sng" algn="ctr">
+                      <a:solidFill>
+                        <a:schemeClr val="tx1"/>
+                      </a:solidFill>
+                      <a:prstDash val="solid"/>
+                      <a:round/>
+                      <a:headEnd type="none" w="med" len="med"/>
+                      <a:tailEnd type="none" w="med" len="med"/>
+                    </a:lnL>
+                    <a:lnR w="12700" cap="flat" cmpd="sng" algn="ctr">
+                      <a:solidFill>
+                        <a:schemeClr val="tx1"/>
+                      </a:solidFill>
+                      <a:prstDash val="solid"/>
+                      <a:round/>
+                      <a:headEnd type="none" w="med" len="med"/>
+                      <a:tailEnd type="none" w="med" len="med"/>
+                    </a:lnR>
+                    <a:lnT w="12700" cap="flat" cmpd="sng" algn="ctr">
+                      <a:solidFill>
+                        <a:schemeClr val="tx1"/>
+                      </a:solidFill>
+                      <a:prstDash val="solid"/>
+                      <a:round/>
+                      <a:headEnd type="none" w="med" len="med"/>
+                      <a:tailEnd type="none" w="med" len="med"/>
+                    </a:lnT>
+                    <a:lnB w="12700" cap="flat" cmpd="sng" algn="ctr">
+                      <a:solidFill>
+                        <a:schemeClr val="tx1"/>
+                      </a:solidFill>
+                      <a:prstDash val="solid"/>
+                      <a:round/>
+                      <a:headEnd type="none" w="med" len="med"/>
+                      <a:tailEnd type="none" w="med" len="med"/>
+                    </a:lnB>
+                    <a:solidFill>
+                      <a:schemeClr val="bg1"/>
+                    </a:solidFill>
+                  </a:tcPr>
+                </a:tc>
+                <a:tc>
+                  <a:txBody>
+                    <a:bodyPr/>
+                    <a:lstStyle/>
+                    <a:p>
+                      <a:pPr algn="ctr"/>
+                      <a:r>
+                        <a:rPr lang="ja-JP" altLang="en-US" sz="1050" dirty="0" smtClean="0"/>
+                        <a:t>デバイス</a:t>
+                      </a:r>
+                      <a:r>
+                        <a:rPr lang="en-US" altLang="ja-JP" sz="1050" dirty="0" smtClean="0"/>
+                        <a:t>(</a:t>
+                      </a:r>
+                      <a:r>
+                        <a:rPr lang="ja-JP" altLang="en-US" sz="1050" dirty="0" smtClean="0"/>
+                        <a:t>走行体</a:t>
+                      </a:r>
+                      <a:r>
+                        <a:rPr lang="en-US" altLang="ja-JP" sz="1050" dirty="0" smtClean="0"/>
+                        <a:t>)</a:t>
+                      </a:r>
+                    </a:p>
+                    <a:p>
+                      <a:pPr algn="ctr"/>
+                      <a:r>
+                        <a:rPr lang="ja-JP" altLang="en-US" sz="1050" dirty="0" smtClean="0"/>
+                        <a:t>通信管理</a:t>
+                      </a:r>
+                      <a:r>
+                        <a:rPr lang="en-US" altLang="ja-JP" sz="1050" dirty="0" smtClean="0"/>
+                        <a:t>(PC)</a:t>
+                      </a:r>
+                      <a:endParaRPr lang="ja-JP" altLang="en-US" sz="1050" dirty="0"/>
+                    </a:p>
+                  </a:txBody>
+                  <a:tcPr anchor="ctr">
+                    <a:lnL w="12700" cap="flat" cmpd="sng" algn="ctr">
+                      <a:solidFill>
+                        <a:schemeClr val="tx1"/>
+                      </a:solidFill>
+                      <a:prstDash val="solid"/>
+                      <a:round/>
+                      <a:headEnd type="none" w="med" len="med"/>
+                      <a:tailEnd type="none" w="med" len="med"/>
+                    </a:lnL>
+                    <a:lnR w="12700" cap="flat" cmpd="sng" algn="ctr">
+                      <a:solidFill>
+                        <a:schemeClr val="tx1"/>
+                      </a:solidFill>
+                      <a:prstDash val="solid"/>
+                      <a:round/>
+                      <a:headEnd type="none" w="med" len="med"/>
+                      <a:tailEnd type="none" w="med" len="med"/>
+                    </a:lnR>
+                    <a:lnT w="12700" cap="flat" cmpd="sng" algn="ctr">
+                      <a:solidFill>
+                        <a:schemeClr val="tx1"/>
+                      </a:solidFill>
+                      <a:prstDash val="solid"/>
+                      <a:round/>
+                      <a:headEnd type="none" w="med" len="med"/>
+                      <a:tailEnd type="none" w="med" len="med"/>
+                    </a:lnT>
+                    <a:lnB w="12700" cap="flat" cmpd="sng" algn="ctr">
+                      <a:solidFill>
+                        <a:schemeClr val="tx1"/>
+                      </a:solidFill>
+                      <a:prstDash val="solid"/>
+                      <a:round/>
+                      <a:headEnd type="none" w="med" len="med"/>
+                      <a:tailEnd type="none" w="med" len="med"/>
+                    </a:lnB>
+                    <a:solidFill>
+                      <a:schemeClr val="bg1"/>
+                    </a:solidFill>
+                  </a:tcPr>
+                </a:tc>
+                <a:extLst>
+                  <a:ext uri="{0D108BD9-81ED-4DB2-BD59-A6C34878D82A}">
+                    <a16:rowId xmlns:a16="http://schemas.microsoft.com/office/drawing/2014/main" val="936547735"/>
+                  </a:ext>
+                </a:extLst>
+              </a:tr>
+              <a:tr h="0">
+                <a:tc vMerge="1">
+                  <a:txBody>
+                    <a:bodyPr/>
+                    <a:lstStyle/>
+                    <a:p>
+                      <a:pPr algn="l"/>
+                      <a:endParaRPr kumimoji="1" lang="ja-JP" altLang="en-US" sz="1050" b="0" dirty="0"/>
+                    </a:p>
+                  </a:txBody>
+                  <a:tcPr anchor="ctr">
+                    <a:lnL w="12700" cap="flat" cmpd="sng" algn="ctr">
+                      <a:solidFill>
+                        <a:schemeClr val="tx1"/>
+                      </a:solidFill>
+                      <a:prstDash val="solid"/>
+                      <a:round/>
+                      <a:headEnd type="none" w="med" len="med"/>
+                      <a:tailEnd type="none" w="med" len="med"/>
+                    </a:lnL>
+                    <a:lnR w="12700" cap="flat" cmpd="sng" algn="ctr">
+                      <a:solidFill>
+                        <a:schemeClr val="tx1"/>
+                      </a:solidFill>
+                      <a:prstDash val="solid"/>
+                      <a:round/>
+                      <a:headEnd type="none" w="med" len="med"/>
+                      <a:tailEnd type="none" w="med" len="med"/>
+                    </a:lnR>
+                    <a:lnT w="12700" cap="flat" cmpd="sng" algn="ctr">
+                      <a:solidFill>
+                        <a:schemeClr val="tx1"/>
+                      </a:solidFill>
+                      <a:prstDash val="solid"/>
+                      <a:round/>
+                      <a:headEnd type="none" w="med" len="med"/>
+                      <a:tailEnd type="none" w="med" len="med"/>
+                    </a:lnT>
+                    <a:lnB w="12700" cap="flat" cmpd="sng" algn="ctr">
+                      <a:solidFill>
+                        <a:schemeClr val="tx1"/>
+                      </a:solidFill>
+                      <a:prstDash val="solid"/>
+                      <a:round/>
+                      <a:headEnd type="none" w="med" len="med"/>
+                      <a:tailEnd type="none" w="med" len="med"/>
+                    </a:lnB>
+                    <a:solidFill>
+                      <a:schemeClr val="bg1"/>
+                    </a:solidFill>
+                  </a:tcPr>
+                </a:tc>
+                <a:tc>
+                  <a:txBody>
+                    <a:bodyPr/>
+                    <a:lstStyle/>
+                    <a:p>
+                      <a:pPr algn="ctr"/>
+                      <a:r>
+                        <a:rPr kumimoji="1" lang="ja-JP" altLang="en-US" sz="1050" b="0" dirty="0" smtClean="0"/>
+                        <a:t>受信</a:t>
+                      </a:r>
+                      <a:endParaRPr kumimoji="1" lang="en-US" altLang="ja-JP" sz="1050" b="0" dirty="0" smtClean="0"/>
+                    </a:p>
+                    <a:p>
+                      <a:pPr algn="ctr"/>
+                      <a:r>
+                        <a:rPr kumimoji="1" lang="ja-JP" altLang="en-US" sz="1050" b="0" dirty="0" smtClean="0"/>
+                        <a:t>タスク</a:t>
+                      </a:r>
+                      <a:endParaRPr kumimoji="1" lang="ja-JP" altLang="en-US" sz="1050" b="0" dirty="0"/>
+                    </a:p>
+                  </a:txBody>
+                  <a:tcPr anchor="ctr">
+                    <a:lnL w="12700" cap="flat" cmpd="sng" algn="ctr">
+                      <a:solidFill>
+                        <a:schemeClr val="tx1"/>
+                      </a:solidFill>
+                      <a:prstDash val="solid"/>
+                      <a:round/>
+                      <a:headEnd type="none" w="med" len="med"/>
+                      <a:tailEnd type="none" w="med" len="med"/>
+                    </a:lnL>
+                    <a:lnR w="12700" cap="flat" cmpd="sng" algn="ctr">
+                      <a:solidFill>
+                        <a:schemeClr val="tx1"/>
+                      </a:solidFill>
+                      <a:prstDash val="solid"/>
+                      <a:round/>
+                      <a:headEnd type="none" w="med" len="med"/>
+                      <a:tailEnd type="none" w="med" len="med"/>
+                    </a:lnR>
+                    <a:lnT w="12700" cap="flat" cmpd="sng" algn="ctr">
+                      <a:solidFill>
+                        <a:schemeClr val="tx1"/>
+                      </a:solidFill>
+                      <a:prstDash val="solid"/>
+                      <a:round/>
+                      <a:headEnd type="none" w="med" len="med"/>
+                      <a:tailEnd type="none" w="med" len="med"/>
+                    </a:lnT>
+                    <a:lnB w="12700" cap="flat" cmpd="sng" algn="ctr">
+                      <a:solidFill>
+                        <a:schemeClr val="tx1"/>
+                      </a:solidFill>
+                      <a:prstDash val="solid"/>
+                      <a:round/>
+                      <a:headEnd type="none" w="med" len="med"/>
+                      <a:tailEnd type="none" w="med" len="med"/>
+                    </a:lnB>
+                    <a:solidFill>
+                      <a:schemeClr val="bg1"/>
+                    </a:solidFill>
+                  </a:tcPr>
+                </a:tc>
+                <a:tc>
+                  <a:txBody>
+                    <a:bodyPr/>
+                    <a:lstStyle/>
+                    <a:p>
+                      <a:pPr algn="ctr"/>
+                      <a:r>
+                        <a:rPr lang="en-US" altLang="ja-JP" sz="1050" dirty="0" smtClean="0"/>
+                        <a:t>50</a:t>
+                      </a:r>
+                    </a:p>
+                    <a:p>
+                      <a:pPr algn="ctr"/>
+                      <a:r>
+                        <a:rPr lang="en-US" altLang="ja-JP" sz="1050" dirty="0" err="1" smtClean="0"/>
+                        <a:t>ms</a:t>
+                      </a:r>
+                      <a:endParaRPr lang="ja-JP" altLang="en-US" sz="1050" dirty="0"/>
+                    </a:p>
+                  </a:txBody>
+                  <a:tcPr anchor="ctr">
+                    <a:lnL w="12700" cap="flat" cmpd="sng" algn="ctr">
+                      <a:solidFill>
+                        <a:schemeClr val="tx1"/>
+                      </a:solidFill>
+                      <a:prstDash val="solid"/>
+                      <a:round/>
+                      <a:headEnd type="none" w="med" len="med"/>
+                      <a:tailEnd type="none" w="med" len="med"/>
+                    </a:lnL>
+                    <a:lnR w="12700" cap="flat" cmpd="sng" algn="ctr">
+                      <a:solidFill>
+                        <a:schemeClr val="tx1"/>
+                      </a:solidFill>
+                      <a:prstDash val="solid"/>
+                      <a:round/>
+                      <a:headEnd type="none" w="med" len="med"/>
+                      <a:tailEnd type="none" w="med" len="med"/>
+                    </a:lnR>
+                    <a:lnT w="12700" cap="flat" cmpd="sng" algn="ctr">
+                      <a:solidFill>
+                        <a:schemeClr val="tx1"/>
+                      </a:solidFill>
+                      <a:prstDash val="solid"/>
+                      <a:round/>
+                      <a:headEnd type="none" w="med" len="med"/>
+                      <a:tailEnd type="none" w="med" len="med"/>
+                    </a:lnT>
+                    <a:lnB w="12700" cap="flat" cmpd="sng" algn="ctr">
+                      <a:solidFill>
+                        <a:schemeClr val="tx1"/>
+                      </a:solidFill>
+                      <a:prstDash val="solid"/>
+                      <a:round/>
+                      <a:headEnd type="none" w="med" len="med"/>
+                      <a:tailEnd type="none" w="med" len="med"/>
+                    </a:lnB>
+                    <a:solidFill>
+                      <a:schemeClr val="bg1"/>
+                    </a:solidFill>
+                  </a:tcPr>
+                </a:tc>
+                <a:tc>
+                  <a:txBody>
+                    <a:bodyPr/>
+                    <a:lstStyle/>
+                    <a:p>
+                      <a:pPr marL="0" marR="0" indent="0" algn="ctr" defTabSz="1018276" rtl="0" eaLnBrk="1" fontAlgn="auto" latinLnBrk="0" hangingPunct="1">
+                        <a:lnSpc>
+                          <a:spcPct val="100000"/>
+                        </a:lnSpc>
+                        <a:spcBef>
+                          <a:spcPts val="0"/>
+                        </a:spcBef>
+                        <a:spcAft>
+                          <a:spcPts val="0"/>
+                        </a:spcAft>
+                        <a:buClrTx/>
+                        <a:buSzTx/>
+                        <a:buFontTx/>
+                        <a:buNone/>
+                        <a:tabLst/>
+                        <a:defRPr/>
+                      </a:pPr>
+                      <a:r>
+                        <a:rPr lang="ja-JP" altLang="en-US" sz="1050" dirty="0" smtClean="0"/>
+                        <a:t>中</a:t>
+                      </a:r>
+                    </a:p>
+                  </a:txBody>
+                  <a:tcPr anchor="ctr">
+                    <a:lnL w="12700" cap="flat" cmpd="sng" algn="ctr">
+                      <a:solidFill>
+                        <a:schemeClr val="tx1"/>
+                      </a:solidFill>
+                      <a:prstDash val="solid"/>
+                      <a:round/>
+                      <a:headEnd type="none" w="med" len="med"/>
+                      <a:tailEnd type="none" w="med" len="med"/>
+                    </a:lnL>
+                    <a:lnR w="12700" cap="flat" cmpd="sng" algn="ctr">
+                      <a:solidFill>
+                        <a:schemeClr val="tx1"/>
+                      </a:solidFill>
+                      <a:prstDash val="solid"/>
+                      <a:round/>
+                      <a:headEnd type="none" w="med" len="med"/>
+                      <a:tailEnd type="none" w="med" len="med"/>
+                    </a:lnR>
+                    <a:lnT w="12700" cap="flat" cmpd="sng" algn="ctr">
+                      <a:solidFill>
+                        <a:schemeClr val="tx1"/>
+                      </a:solidFill>
+                      <a:prstDash val="solid"/>
+                      <a:round/>
+                      <a:headEnd type="none" w="med" len="med"/>
+                      <a:tailEnd type="none" w="med" len="med"/>
+                    </a:lnT>
+                    <a:lnB w="12700" cap="flat" cmpd="sng" algn="ctr">
+                      <a:solidFill>
+                        <a:schemeClr val="tx1"/>
+                      </a:solidFill>
+                      <a:prstDash val="solid"/>
+                      <a:round/>
+                      <a:headEnd type="none" w="med" len="med"/>
+                      <a:tailEnd type="none" w="med" len="med"/>
+                    </a:lnB>
+                    <a:solidFill>
+                      <a:schemeClr val="bg1"/>
+                    </a:solidFill>
+                  </a:tcPr>
+                </a:tc>
+                <a:tc>
+                  <a:txBody>
+                    <a:bodyPr/>
+                    <a:lstStyle/>
+                    <a:p>
+                      <a:r>
+                        <a:rPr lang="ja-JP" altLang="en-US" sz="1050" dirty="0" smtClean="0"/>
+                        <a:t>受信待機状態になっており、</a:t>
+                      </a:r>
+                      <a:endParaRPr lang="en-US" altLang="ja-JP" sz="1050" dirty="0" smtClean="0"/>
+                    </a:p>
+                    <a:p>
+                      <a:r>
+                        <a:rPr lang="ja-JP" altLang="en-US" sz="1050" dirty="0" smtClean="0"/>
+                        <a:t>受信した場合は受信ストレージに格納する。</a:t>
+                      </a:r>
+                      <a:endParaRPr lang="ja-JP" altLang="en-US" sz="1050" dirty="0"/>
+                    </a:p>
+                  </a:txBody>
+                  <a:tcPr anchor="ctr">
+                    <a:lnL w="12700" cap="flat" cmpd="sng" algn="ctr">
+                      <a:solidFill>
+                        <a:schemeClr val="tx1"/>
+                      </a:solidFill>
+                      <a:prstDash val="solid"/>
+                      <a:round/>
+                      <a:headEnd type="none" w="med" len="med"/>
+                      <a:tailEnd type="none" w="med" len="med"/>
+                    </a:lnL>
+                    <a:lnR w="12700" cap="flat" cmpd="sng" algn="ctr">
+                      <a:solidFill>
+                        <a:schemeClr val="tx1"/>
+                      </a:solidFill>
+                      <a:prstDash val="solid"/>
+                      <a:round/>
+                      <a:headEnd type="none" w="med" len="med"/>
+                      <a:tailEnd type="none" w="med" len="med"/>
+                    </a:lnR>
+                    <a:lnT w="12700" cap="flat" cmpd="sng" algn="ctr">
+                      <a:solidFill>
+                        <a:schemeClr val="tx1"/>
+                      </a:solidFill>
+                      <a:prstDash val="solid"/>
+                      <a:round/>
+                      <a:headEnd type="none" w="med" len="med"/>
+                      <a:tailEnd type="none" w="med" len="med"/>
+                    </a:lnT>
+                    <a:lnB w="12700" cap="flat" cmpd="sng" algn="ctr">
+                      <a:solidFill>
+                        <a:schemeClr val="tx1"/>
+                      </a:solidFill>
+                      <a:prstDash val="solid"/>
+                      <a:round/>
+                      <a:headEnd type="none" w="med" len="med"/>
+                      <a:tailEnd type="none" w="med" len="med"/>
+                    </a:lnB>
+                    <a:solidFill>
+                      <a:schemeClr val="bg1"/>
+                    </a:solidFill>
+                  </a:tcPr>
+                </a:tc>
+                <a:tc>
+                  <a:txBody>
+                    <a:bodyPr/>
+                    <a:lstStyle/>
+                    <a:p>
+                      <a:pPr algn="ctr"/>
+                      <a:r>
+                        <a:rPr lang="ja-JP" altLang="en-US" sz="1050" dirty="0" smtClean="0"/>
+                        <a:t>デバイス</a:t>
+                      </a:r>
+                      <a:r>
+                        <a:rPr lang="en-US" altLang="ja-JP" sz="1050" dirty="0" smtClean="0"/>
+                        <a:t>(</a:t>
+                      </a:r>
+                      <a:r>
+                        <a:rPr lang="ja-JP" altLang="en-US" sz="1050" dirty="0" smtClean="0"/>
+                        <a:t>走行体</a:t>
+                      </a:r>
+                      <a:r>
+                        <a:rPr lang="en-US" altLang="ja-JP" sz="1050" dirty="0" smtClean="0"/>
+                        <a:t>)</a:t>
+                      </a:r>
+                    </a:p>
+                    <a:p>
+                      <a:pPr algn="ctr"/>
+                      <a:r>
+                        <a:rPr lang="ja-JP" altLang="en-US" sz="1050" dirty="0" smtClean="0"/>
+                        <a:t>通信管理</a:t>
+                      </a:r>
+                      <a:r>
+                        <a:rPr lang="en-US" altLang="ja-JP" sz="1050" dirty="0" smtClean="0"/>
+                        <a:t>(PC)</a:t>
+                      </a:r>
+                      <a:endParaRPr lang="ja-JP" altLang="en-US" sz="1050" dirty="0" smtClean="0"/>
+                    </a:p>
+                  </a:txBody>
+                  <a:tcPr anchor="ctr">
+                    <a:lnL w="12700" cap="flat" cmpd="sng" algn="ctr">
+                      <a:solidFill>
+                        <a:schemeClr val="tx1"/>
+                      </a:solidFill>
+                      <a:prstDash val="solid"/>
+                      <a:round/>
+                      <a:headEnd type="none" w="med" len="med"/>
+                      <a:tailEnd type="none" w="med" len="med"/>
+                    </a:lnL>
+                    <a:lnR w="12700" cap="flat" cmpd="sng" algn="ctr">
+                      <a:solidFill>
+                        <a:schemeClr val="tx1"/>
+                      </a:solidFill>
+                      <a:prstDash val="solid"/>
+                      <a:round/>
+                      <a:headEnd type="none" w="med" len="med"/>
+                      <a:tailEnd type="none" w="med" len="med"/>
+                    </a:lnR>
+                    <a:lnT w="12700" cap="flat" cmpd="sng" algn="ctr">
+                      <a:solidFill>
+                        <a:schemeClr val="tx1"/>
+                      </a:solidFill>
+                      <a:prstDash val="solid"/>
+                      <a:round/>
+                      <a:headEnd type="none" w="med" len="med"/>
+                      <a:tailEnd type="none" w="med" len="med"/>
+                    </a:lnT>
+                    <a:lnB w="12700" cap="flat" cmpd="sng" algn="ctr">
+                      <a:solidFill>
+                        <a:schemeClr val="tx1"/>
+                      </a:solidFill>
+                      <a:prstDash val="solid"/>
+                      <a:round/>
+                      <a:headEnd type="none" w="med" len="med"/>
+                      <a:tailEnd type="none" w="med" len="med"/>
+                    </a:lnB>
+                    <a:solidFill>
+                      <a:schemeClr val="bg1"/>
+                    </a:solidFill>
+                  </a:tcPr>
+                </a:tc>
+                <a:extLst>
+                  <a:ext uri="{0D108BD9-81ED-4DB2-BD59-A6C34878D82A}">
+                    <a16:rowId xmlns:a16="http://schemas.microsoft.com/office/drawing/2014/main" val="215113137"/>
+                  </a:ext>
+                </a:extLst>
+              </a:tr>
+              <a:tr h="648000">
+                <a:tc>
+                  <a:txBody>
+                    <a:bodyPr/>
+                    <a:lstStyle/>
+                    <a:p>
+                      <a:pPr algn="l"/>
+                      <a:r>
+                        <a:rPr kumimoji="1" lang="en-US" altLang="ja-JP" sz="1200" b="0" dirty="0" smtClean="0"/>
+                        <a:t>PC</a:t>
+                      </a:r>
+                      <a:endParaRPr kumimoji="1" lang="ja-JP" altLang="en-US" sz="1200" b="0" dirty="0"/>
+                    </a:p>
+                  </a:txBody>
+                  <a:tcPr vert="wordArtVertRtl" anchor="ctr">
+                    <a:lnL w="12700" cap="flat" cmpd="sng" algn="ctr">
+                      <a:solidFill>
+                        <a:schemeClr val="tx1"/>
+                      </a:solidFill>
+                      <a:prstDash val="solid"/>
+                      <a:round/>
+                      <a:headEnd type="none" w="med" len="med"/>
+                      <a:tailEnd type="none" w="med" len="med"/>
+                    </a:lnL>
+                    <a:lnR w="12700" cap="flat" cmpd="sng" algn="ctr">
+                      <a:solidFill>
+                        <a:schemeClr val="tx1"/>
+                      </a:solidFill>
+                      <a:prstDash val="solid"/>
+                      <a:round/>
+                      <a:headEnd type="none" w="med" len="med"/>
+                      <a:tailEnd type="none" w="med" len="med"/>
+                    </a:lnR>
+                    <a:lnT w="12700" cap="flat" cmpd="sng" algn="ctr">
+                      <a:solidFill>
+                        <a:schemeClr val="tx1"/>
+                      </a:solidFill>
+                      <a:prstDash val="solid"/>
+                      <a:round/>
+                      <a:headEnd type="none" w="med" len="med"/>
+                      <a:tailEnd type="none" w="med" len="med"/>
+                    </a:lnT>
+                    <a:lnB w="12700" cap="flat" cmpd="sng" algn="ctr">
+                      <a:solidFill>
+                        <a:schemeClr val="tx1"/>
+                      </a:solidFill>
+                      <a:prstDash val="solid"/>
+                      <a:round/>
+                      <a:headEnd type="none" w="med" len="med"/>
+                      <a:tailEnd type="none" w="med" len="med"/>
+                    </a:lnB>
+                    <a:solidFill>
+                      <a:schemeClr val="bg1"/>
+                    </a:solidFill>
+                  </a:tcPr>
+                </a:tc>
+                <a:tc>
+                  <a:txBody>
+                    <a:bodyPr/>
+                    <a:lstStyle/>
+                    <a:p>
+                      <a:pPr algn="ctr"/>
+                      <a:r>
+                        <a:rPr kumimoji="1" lang="ja-JP" altLang="en-US" sz="1200" b="0" dirty="0" smtClean="0"/>
+                        <a:t>難所攻略</a:t>
+                      </a:r>
+                      <a:endParaRPr kumimoji="1" lang="en-US" altLang="ja-JP" sz="1200" b="0" dirty="0" smtClean="0"/>
+                    </a:p>
+                    <a:p>
+                      <a:pPr algn="ctr"/>
+                      <a:r>
+                        <a:rPr kumimoji="1" lang="ja-JP" altLang="en-US" sz="1200" b="0" dirty="0" smtClean="0"/>
+                        <a:t>タスク</a:t>
+                      </a:r>
+                      <a:endParaRPr kumimoji="1" lang="en-US" altLang="ja-JP" sz="1200" b="0" dirty="0" smtClean="0"/>
+                    </a:p>
+                  </a:txBody>
+                  <a:tcPr anchor="ctr">
+                    <a:lnL w="12700" cap="flat" cmpd="sng" algn="ctr">
+                      <a:solidFill>
+                        <a:schemeClr val="tx1"/>
+                      </a:solidFill>
+                      <a:prstDash val="solid"/>
+                      <a:round/>
+                      <a:headEnd type="none" w="med" len="med"/>
+                      <a:tailEnd type="none" w="med" len="med"/>
+                    </a:lnL>
+                    <a:lnR w="12700" cap="flat" cmpd="sng" algn="ctr">
+                      <a:solidFill>
+                        <a:schemeClr val="tx1"/>
+                      </a:solidFill>
+                      <a:prstDash val="solid"/>
+                      <a:round/>
+                      <a:headEnd type="none" w="med" len="med"/>
+                      <a:tailEnd type="none" w="med" len="med"/>
+                    </a:lnR>
+                    <a:lnT w="12700" cap="flat" cmpd="sng" algn="ctr">
+                      <a:solidFill>
+                        <a:schemeClr val="tx1"/>
+                      </a:solidFill>
+                      <a:prstDash val="solid"/>
+                      <a:round/>
+                      <a:headEnd type="none" w="med" len="med"/>
+                      <a:tailEnd type="none" w="med" len="med"/>
+                    </a:lnT>
+                    <a:lnB w="12700" cap="flat" cmpd="sng" algn="ctr">
+                      <a:solidFill>
+                        <a:schemeClr val="tx1"/>
+                      </a:solidFill>
+                      <a:prstDash val="solid"/>
+                      <a:round/>
+                      <a:headEnd type="none" w="med" len="med"/>
+                      <a:tailEnd type="none" w="med" len="med"/>
+                    </a:lnB>
+                    <a:solidFill>
+                      <a:schemeClr val="bg1"/>
+                    </a:solidFill>
+                  </a:tcPr>
+                </a:tc>
+                <a:tc>
+                  <a:txBody>
+                    <a:bodyPr/>
+                    <a:lstStyle/>
+                    <a:p>
+                      <a:pPr algn="ctr"/>
+                      <a:r>
+                        <a:rPr lang="en-US" altLang="ja-JP" sz="1200" dirty="0" smtClean="0"/>
+                        <a:t>10ms</a:t>
+                      </a:r>
+                      <a:endParaRPr lang="ja-JP" altLang="en-US" sz="1200" dirty="0"/>
+                    </a:p>
+                  </a:txBody>
+                  <a:tcPr anchor="ctr">
+                    <a:lnL w="12700" cap="flat" cmpd="sng" algn="ctr">
+                      <a:solidFill>
+                        <a:schemeClr val="tx1"/>
+                      </a:solidFill>
+                      <a:prstDash val="solid"/>
+                      <a:round/>
+                      <a:headEnd type="none" w="med" len="med"/>
+                      <a:tailEnd type="none" w="med" len="med"/>
+                    </a:lnL>
+                    <a:lnR w="12700" cap="flat" cmpd="sng" algn="ctr">
+                      <a:solidFill>
+                        <a:schemeClr val="tx1"/>
+                      </a:solidFill>
+                      <a:prstDash val="solid"/>
+                      <a:round/>
+                      <a:headEnd type="none" w="med" len="med"/>
+                      <a:tailEnd type="none" w="med" len="med"/>
+                    </a:lnR>
+                    <a:lnT w="12700" cap="flat" cmpd="sng" algn="ctr">
+                      <a:solidFill>
+                        <a:schemeClr val="tx1"/>
+                      </a:solidFill>
+                      <a:prstDash val="solid"/>
+                      <a:round/>
+                      <a:headEnd type="none" w="med" len="med"/>
+                      <a:tailEnd type="none" w="med" len="med"/>
+                    </a:lnT>
+                    <a:lnB w="12700" cap="flat" cmpd="sng" algn="ctr">
+                      <a:solidFill>
+                        <a:schemeClr val="tx1"/>
+                      </a:solidFill>
+                      <a:prstDash val="solid"/>
+                      <a:round/>
+                      <a:headEnd type="none" w="med" len="med"/>
+                      <a:tailEnd type="none" w="med" len="med"/>
+                    </a:lnB>
+                    <a:solidFill>
+                      <a:schemeClr val="bg1"/>
+                    </a:solidFill>
+                  </a:tcPr>
+                </a:tc>
+                <a:tc>
+                  <a:txBody>
+                    <a:bodyPr/>
+                    <a:lstStyle/>
+                    <a:p>
+                      <a:pPr algn="ctr"/>
+                      <a:r>
+                        <a:rPr lang="ja-JP" altLang="en-US" sz="1200" dirty="0" smtClean="0"/>
+                        <a:t>高</a:t>
+                      </a:r>
+                      <a:endParaRPr lang="ja-JP" altLang="en-US" sz="1200" dirty="0"/>
+                    </a:p>
+                  </a:txBody>
+                  <a:tcPr anchor="ctr">
+                    <a:lnL w="12700" cap="flat" cmpd="sng" algn="ctr">
+                      <a:solidFill>
+                        <a:schemeClr val="tx1"/>
+                      </a:solidFill>
+                      <a:prstDash val="solid"/>
+                      <a:round/>
+                      <a:headEnd type="none" w="med" len="med"/>
+                      <a:tailEnd type="none" w="med" len="med"/>
+                    </a:lnL>
+                    <a:lnR w="12700" cap="flat" cmpd="sng" algn="ctr">
+                      <a:solidFill>
+                        <a:schemeClr val="tx1"/>
+                      </a:solidFill>
+                      <a:prstDash val="solid"/>
+                      <a:round/>
+                      <a:headEnd type="none" w="med" len="med"/>
+                      <a:tailEnd type="none" w="med" len="med"/>
+                    </a:lnR>
+                    <a:lnT w="12700" cap="flat" cmpd="sng" algn="ctr">
+                      <a:solidFill>
+                        <a:schemeClr val="tx1"/>
+                      </a:solidFill>
+                      <a:prstDash val="solid"/>
+                      <a:round/>
+                      <a:headEnd type="none" w="med" len="med"/>
+                      <a:tailEnd type="none" w="med" len="med"/>
+                    </a:lnT>
+                    <a:lnB w="12700" cap="flat" cmpd="sng" algn="ctr">
+                      <a:solidFill>
+                        <a:schemeClr val="tx1"/>
+                      </a:solidFill>
+                      <a:prstDash val="solid"/>
+                      <a:round/>
+                      <a:headEnd type="none" w="med" len="med"/>
+                      <a:tailEnd type="none" w="med" len="med"/>
+                    </a:lnB>
+                    <a:solidFill>
+                      <a:schemeClr val="bg1"/>
+                    </a:solidFill>
+                  </a:tcPr>
+                </a:tc>
+                <a:tc>
+                  <a:txBody>
+                    <a:bodyPr/>
+                    <a:lstStyle/>
+                    <a:p>
+                      <a:r>
+                        <a:rPr lang="ja-JP" altLang="en-US" sz="1200" dirty="0" smtClean="0"/>
+                        <a:t>難所を攻略するための情報の導出や競技システムにアクセスし、情報の送受信を行う。</a:t>
+                      </a:r>
+                      <a:endParaRPr lang="en-US" altLang="ja-JP" sz="1200" dirty="0" smtClean="0"/>
+                    </a:p>
+                  </a:txBody>
+                  <a:tcPr anchor="ctr">
+                    <a:lnL w="12700" cap="flat" cmpd="sng" algn="ctr">
+                      <a:solidFill>
+                        <a:schemeClr val="tx1"/>
+                      </a:solidFill>
+                      <a:prstDash val="solid"/>
+                      <a:round/>
+                      <a:headEnd type="none" w="med" len="med"/>
+                      <a:tailEnd type="none" w="med" len="med"/>
+                    </a:lnL>
+                    <a:lnR w="12700" cap="flat" cmpd="sng" algn="ctr">
+                      <a:solidFill>
+                        <a:schemeClr val="tx1"/>
+                      </a:solidFill>
+                      <a:prstDash val="solid"/>
+                      <a:round/>
+                      <a:headEnd type="none" w="med" len="med"/>
+                      <a:tailEnd type="none" w="med" len="med"/>
+                    </a:lnR>
+                    <a:lnT w="12700" cap="flat" cmpd="sng" algn="ctr">
+                      <a:solidFill>
+                        <a:schemeClr val="tx1"/>
+                      </a:solidFill>
+                      <a:prstDash val="solid"/>
+                      <a:round/>
+                      <a:headEnd type="none" w="med" len="med"/>
+                      <a:tailEnd type="none" w="med" len="med"/>
+                    </a:lnT>
+                    <a:lnB w="12700" cap="flat" cmpd="sng" algn="ctr">
+                      <a:solidFill>
+                        <a:schemeClr val="tx1"/>
+                      </a:solidFill>
+                      <a:prstDash val="solid"/>
+                      <a:round/>
+                      <a:headEnd type="none" w="med" len="med"/>
+                      <a:tailEnd type="none" w="med" len="med"/>
+                    </a:lnB>
+                    <a:solidFill>
+                      <a:schemeClr val="bg1"/>
+                    </a:solidFill>
+                  </a:tcPr>
+                </a:tc>
+                <a:tc>
+                  <a:txBody>
+                    <a:bodyPr/>
+                    <a:lstStyle/>
+                    <a:p>
+                      <a:pPr algn="ctr"/>
+                      <a:r>
+                        <a:rPr lang="ja-JP" altLang="en-US" sz="1200" dirty="0" smtClean="0"/>
+                        <a:t>経路探索</a:t>
+                      </a:r>
+                      <a:r>
+                        <a:rPr lang="en-US" altLang="ja-JP" sz="1200" dirty="0" smtClean="0"/>
+                        <a:t>,</a:t>
+                      </a:r>
+                    </a:p>
+                    <a:p>
+                      <a:pPr algn="ctr"/>
+                      <a:r>
+                        <a:rPr lang="ja-JP" altLang="en-US" sz="1200" dirty="0" smtClean="0"/>
+                        <a:t>列車管理</a:t>
+                      </a:r>
+                      <a:r>
+                        <a:rPr lang="en-US" altLang="ja-JP" sz="1200" dirty="0" smtClean="0"/>
+                        <a:t>,</a:t>
+                      </a:r>
+                    </a:p>
+                    <a:p>
+                      <a:pPr algn="ctr"/>
+                      <a:r>
+                        <a:rPr lang="ja-JP" altLang="en-US" sz="1200" dirty="0" smtClean="0"/>
+                        <a:t>画像処理</a:t>
+                      </a:r>
+                      <a:endParaRPr lang="ja-JP" altLang="en-US" sz="1200" dirty="0"/>
+                    </a:p>
+                  </a:txBody>
+                  <a:tcPr anchor="ctr">
+                    <a:lnL w="12700" cap="flat" cmpd="sng" algn="ctr">
+                      <a:solidFill>
+                        <a:schemeClr val="tx1"/>
+                      </a:solidFill>
+                      <a:prstDash val="solid"/>
+                      <a:round/>
+                      <a:headEnd type="none" w="med" len="med"/>
+                      <a:tailEnd type="none" w="med" len="med"/>
+                    </a:lnL>
+                    <a:lnR w="12700" cap="flat" cmpd="sng" algn="ctr">
+                      <a:solidFill>
+                        <a:schemeClr val="tx1"/>
+                      </a:solidFill>
+                      <a:prstDash val="solid"/>
+                      <a:round/>
+                      <a:headEnd type="none" w="med" len="med"/>
+                      <a:tailEnd type="none" w="med" len="med"/>
+                    </a:lnR>
+                    <a:lnT w="12700" cap="flat" cmpd="sng" algn="ctr">
+                      <a:solidFill>
+                        <a:schemeClr val="tx1"/>
+                      </a:solidFill>
+                      <a:prstDash val="solid"/>
+                      <a:round/>
+                      <a:headEnd type="none" w="med" len="med"/>
+                      <a:tailEnd type="none" w="med" len="med"/>
+                    </a:lnT>
+                    <a:lnB w="12700" cap="flat" cmpd="sng" algn="ctr">
+                      <a:solidFill>
+                        <a:schemeClr val="tx1"/>
+                      </a:solidFill>
+                      <a:prstDash val="solid"/>
+                      <a:round/>
+                      <a:headEnd type="none" w="med" len="med"/>
+                      <a:tailEnd type="none" w="med" len="med"/>
+                    </a:lnB>
+                    <a:solidFill>
+                      <a:schemeClr val="bg1"/>
+                    </a:solidFill>
+                  </a:tcPr>
+                </a:tc>
+                <a:extLst>
+                  <a:ext uri="{0D108BD9-81ED-4DB2-BD59-A6C34878D82A}">
+                    <a16:rowId xmlns:a16="http://schemas.microsoft.com/office/drawing/2014/main" val="1729906555"/>
+                  </a:ext>
+                </a:extLst>
+              </a:tr>
+            </a:tbl>
+          </a:graphicData>
+        </a:graphic>
+      </p:graphicFrame>
+      <p:sp>
+        <p:nvSpPr>
+          <p:cNvPr id="22" name="テキスト ボックス 21"/>
+          <p:cNvSpPr txBox="1"/>
+          <p:nvPr/>
+        </p:nvSpPr>
+        <p:spPr>
+          <a:xfrm>
+            <a:off x="2482952" y="10212626"/>
+            <a:ext cx="1800200" cy="276999"/>
+          </a:xfrm>
+          <a:prstGeom prst="rect">
+            <a:avLst/>
+          </a:prstGeom>
+          <a:noFill/>
+        </p:spPr>
+        <p:txBody>
+          <a:bodyPr wrap="square" rtlCol="0">
+            <a:spAutoFit/>
+          </a:bodyPr>
+          <a:lstStyle/>
+          <a:p>
+            <a:r>
+              <a:rPr lang="ja-JP" altLang="en-US" sz="1200" dirty="0"/>
+              <a:t>表</a:t>
+            </a:r>
+            <a:r>
+              <a:rPr kumimoji="1" lang="en-US" altLang="ja-JP" sz="1200" dirty="0" smtClean="0"/>
+              <a:t>3-5-1 </a:t>
+            </a:r>
+            <a:r>
+              <a:rPr lang="ja-JP" altLang="en-US" sz="1200" dirty="0" smtClean="0"/>
+              <a:t>各タスクの概要</a:t>
+            </a:r>
+            <a:endParaRPr kumimoji="1" lang="ja-JP" altLang="en-US" sz="1200" dirty="0"/>
+          </a:p>
+        </p:txBody>
+      </p:sp>
+      <p:sp>
+        <p:nvSpPr>
+          <p:cNvPr id="23" name="テキスト ボックス 22"/>
+          <p:cNvSpPr txBox="1"/>
+          <p:nvPr/>
+        </p:nvSpPr>
+        <p:spPr>
+          <a:xfrm>
+            <a:off x="128335" y="6028850"/>
+            <a:ext cx="6423228" cy="646331"/>
+          </a:xfrm>
+          <a:prstGeom prst="rect">
+            <a:avLst/>
+          </a:prstGeom>
+          <a:noFill/>
+        </p:spPr>
+        <p:txBody>
+          <a:bodyPr wrap="square" rtlCol="0">
+            <a:spAutoFit/>
+          </a:bodyPr>
+          <a:lstStyle/>
+          <a:p>
+            <a:r>
+              <a:rPr lang="ja-JP" altLang="en-US" sz="1200" dirty="0" smtClean="0"/>
+              <a:t>要求モデル及び設計方針を元にタスクの振舞設計を行い、表</a:t>
+            </a:r>
+            <a:r>
+              <a:rPr kumimoji="1" lang="en-US" altLang="ja-JP" sz="1200" dirty="0" smtClean="0"/>
+              <a:t>3-4-1</a:t>
+            </a:r>
+            <a:r>
+              <a:rPr kumimoji="1" lang="ja-JP" altLang="en-US" sz="1200" dirty="0" smtClean="0"/>
+              <a:t>に示す。</a:t>
+            </a:r>
+            <a:endParaRPr kumimoji="1" lang="en-US" altLang="ja-JP" sz="1200" dirty="0" smtClean="0"/>
+          </a:p>
+          <a:p>
+            <a:r>
+              <a:rPr kumimoji="1" lang="ja-JP" altLang="en-US" sz="1200" dirty="0" smtClean="0"/>
+              <a:t>送信</a:t>
+            </a:r>
+            <a:r>
+              <a:rPr lang="ja-JP" altLang="en-US" sz="1200" dirty="0" smtClean="0"/>
+              <a:t>、受信タスクについては、走行体と</a:t>
+            </a:r>
+            <a:r>
+              <a:rPr lang="en-US" altLang="ja-JP" sz="1200" dirty="0" smtClean="0"/>
+              <a:t>PC</a:t>
+            </a:r>
+            <a:r>
+              <a:rPr lang="ja-JP" altLang="en-US" sz="1200" dirty="0" smtClean="0"/>
+              <a:t>との相互通信を行うためであり、</a:t>
+            </a:r>
+            <a:endParaRPr lang="en-US" altLang="ja-JP" sz="1200" dirty="0" smtClean="0"/>
+          </a:p>
+          <a:p>
+            <a:r>
+              <a:rPr kumimoji="1" lang="ja-JP" altLang="en-US" sz="1200" dirty="0" smtClean="0"/>
+              <a:t>競技システムとの</a:t>
+            </a:r>
+            <a:r>
+              <a:rPr lang="ja-JP" altLang="en-US" sz="1200" dirty="0" smtClean="0"/>
+              <a:t>通信のやり取りは行わない</a:t>
+            </a:r>
+            <a:r>
+              <a:rPr lang="ja-JP" altLang="en-US" sz="1200" dirty="0"/>
+              <a:t>。</a:t>
+            </a:r>
+            <a:endParaRPr kumimoji="1" lang="en-US" altLang="ja-JP" sz="1200" dirty="0" smtClean="0"/>
+          </a:p>
+        </p:txBody>
+      </p:sp>
     </p:spTree>
     <p:extLst>
       <p:ext uri="{BB962C8B-B14F-4D97-AF65-F5344CB8AC3E}">
